--- a/docs/SVinterfacesExample.pptx
+++ b/docs/SVinterfacesExample.pptx
@@ -4,12 +4,27 @@
   <p:sldMasterIdLst>
     <p:sldMasterId id="2147483660" r:id="rId1"/>
   </p:sldMasterIdLst>
+  <p:notesMasterIdLst>
+    <p:notesMasterId r:id="rId19"/>
+  </p:notesMasterIdLst>
   <p:sldIdLst>
     <p:sldId id="256" r:id="rId2"/>
     <p:sldId id="257" r:id="rId3"/>
     <p:sldId id="258" r:id="rId4"/>
     <p:sldId id="259" r:id="rId5"/>
-    <p:sldId id="260" r:id="rId6"/>
+    <p:sldId id="261" r:id="rId6"/>
+    <p:sldId id="262" r:id="rId7"/>
+    <p:sldId id="273" r:id="rId8"/>
+    <p:sldId id="263" r:id="rId9"/>
+    <p:sldId id="269" r:id="rId10"/>
+    <p:sldId id="274" r:id="rId11"/>
+    <p:sldId id="275" r:id="rId12"/>
+    <p:sldId id="265" r:id="rId13"/>
+    <p:sldId id="266" r:id="rId14"/>
+    <p:sldId id="267" r:id="rId15"/>
+    <p:sldId id="270" r:id="rId16"/>
+    <p:sldId id="268" r:id="rId17"/>
+    <p:sldId id="272" r:id="rId18"/>
   </p:sldIdLst>
   <p:sldSz cx="9144000" cy="6858000" type="screen4x3"/>
   <p:notesSz cx="6858000" cy="9144000"/>
@@ -108,7 +123,1986 @@
       </a:defRPr>
     </a:lvl9pPr>
   </p:defaultTextStyle>
+  <p:extLst>
+    <p:ext uri="{EFAFB233-063F-42B5-8137-9DF3F51BA10A}">
+      <p15:sldGuideLst xmlns:p15="http://schemas.microsoft.com/office/powerpoint/2012/main"/>
+    </p:ext>
+  </p:extLst>
 </p:presentation>
+</file>
+
+<file path=ppt/notesMasters/notesMaster1.xml><?xml version="1.0" encoding="utf-8"?>
+<p:notesMaster xmlns:a="http://schemas.openxmlformats.org/drawingml/2006/main" xmlns:r="http://schemas.openxmlformats.org/officeDocument/2006/relationships" xmlns:p="http://schemas.openxmlformats.org/presentationml/2006/main">
+  <p:cSld>
+    <p:bg>
+      <p:bgRef idx="1001">
+        <a:schemeClr val="bg1"/>
+      </p:bgRef>
+    </p:bg>
+    <p:spTree>
+      <p:nvGrpSpPr>
+        <p:cNvPr id="1" name=""/>
+        <p:cNvGrpSpPr/>
+        <p:nvPr/>
+      </p:nvGrpSpPr>
+      <p:grpSpPr>
+        <a:xfrm>
+          <a:off x="0" y="0"/>
+          <a:ext cx="0" cy="0"/>
+          <a:chOff x="0" y="0"/>
+          <a:chExt cx="0" cy="0"/>
+        </a:xfrm>
+      </p:grpSpPr>
+      <p:sp>
+        <p:nvSpPr>
+          <p:cNvPr id="2" name="Header Placeholder 1"/>
+          <p:cNvSpPr>
+            <a:spLocks noGrp="1"/>
+          </p:cNvSpPr>
+          <p:nvPr>
+            <p:ph type="hdr" sz="quarter"/>
+          </p:nvPr>
+        </p:nvSpPr>
+        <p:spPr>
+          <a:xfrm>
+            <a:off x="0" y="0"/>
+            <a:ext cx="2971800" cy="458788"/>
+          </a:xfrm>
+          <a:prstGeom prst="rect">
+            <a:avLst/>
+          </a:prstGeom>
+        </p:spPr>
+        <p:txBody>
+          <a:bodyPr vert="horz" lIns="91440" tIns="45720" rIns="91440" bIns="45720" rtlCol="0"/>
+          <a:lstStyle>
+            <a:lvl1pPr algn="l">
+              <a:defRPr sz="1200"/>
+            </a:lvl1pPr>
+          </a:lstStyle>
+          <a:p>
+            <a:endParaRPr lang="en-US"/>
+          </a:p>
+        </p:txBody>
+      </p:sp>
+      <p:sp>
+        <p:nvSpPr>
+          <p:cNvPr id="3" name="Date Placeholder 2"/>
+          <p:cNvSpPr>
+            <a:spLocks noGrp="1"/>
+          </p:cNvSpPr>
+          <p:nvPr>
+            <p:ph type="dt" idx="1"/>
+          </p:nvPr>
+        </p:nvSpPr>
+        <p:spPr>
+          <a:xfrm>
+            <a:off x="3884613" y="0"/>
+            <a:ext cx="2971800" cy="458788"/>
+          </a:xfrm>
+          <a:prstGeom prst="rect">
+            <a:avLst/>
+          </a:prstGeom>
+        </p:spPr>
+        <p:txBody>
+          <a:bodyPr vert="horz" lIns="91440" tIns="45720" rIns="91440" bIns="45720" rtlCol="0"/>
+          <a:lstStyle>
+            <a:lvl1pPr algn="r">
+              <a:defRPr sz="1200"/>
+            </a:lvl1pPr>
+          </a:lstStyle>
+          <a:p>
+            <a:fld id="{0A7838AC-4C02-45EA-BE5C-72AF0CB1E518}" type="datetimeFigureOut">
+              <a:rPr lang="en-US" smtClean="0"/>
+              <a:t>4/4/2016</a:t>
+            </a:fld>
+            <a:endParaRPr lang="en-US"/>
+          </a:p>
+        </p:txBody>
+      </p:sp>
+      <p:sp>
+        <p:nvSpPr>
+          <p:cNvPr id="4" name="Slide Image Placeholder 3"/>
+          <p:cNvSpPr>
+            <a:spLocks noGrp="1" noRot="1" noChangeAspect="1"/>
+          </p:cNvSpPr>
+          <p:nvPr>
+            <p:ph type="sldImg" idx="2"/>
+          </p:nvPr>
+        </p:nvSpPr>
+        <p:spPr>
+          <a:xfrm>
+            <a:off x="1371600" y="1143000"/>
+            <a:ext cx="4114800" cy="3086100"/>
+          </a:xfrm>
+          <a:prstGeom prst="rect">
+            <a:avLst/>
+          </a:prstGeom>
+          <a:noFill/>
+          <a:ln w="12700">
+            <a:solidFill>
+              <a:prstClr val="black"/>
+            </a:solidFill>
+          </a:ln>
+        </p:spPr>
+        <p:txBody>
+          <a:bodyPr vert="horz" lIns="91440" tIns="45720" rIns="91440" bIns="45720" rtlCol="0" anchor="ctr"/>
+          <a:lstStyle/>
+          <a:p>
+            <a:endParaRPr lang="en-US"/>
+          </a:p>
+        </p:txBody>
+      </p:sp>
+      <p:sp>
+        <p:nvSpPr>
+          <p:cNvPr id="5" name="Notes Placeholder 4"/>
+          <p:cNvSpPr>
+            <a:spLocks noGrp="1"/>
+          </p:cNvSpPr>
+          <p:nvPr>
+            <p:ph type="body" sz="quarter" idx="3"/>
+          </p:nvPr>
+        </p:nvSpPr>
+        <p:spPr>
+          <a:xfrm>
+            <a:off x="685800" y="4400550"/>
+            <a:ext cx="5486400" cy="3600450"/>
+          </a:xfrm>
+          <a:prstGeom prst="rect">
+            <a:avLst/>
+          </a:prstGeom>
+        </p:spPr>
+        <p:txBody>
+          <a:bodyPr vert="horz" lIns="91440" tIns="45720" rIns="91440" bIns="45720" rtlCol="0"/>
+          <a:lstStyle/>
+          <a:p>
+            <a:pPr lvl="0"/>
+            <a:r>
+              <a:rPr lang="en-US" smtClean="0"/>
+              <a:t>Click to edit Master text styles</a:t>
+            </a:r>
+          </a:p>
+          <a:p>
+            <a:pPr lvl="1"/>
+            <a:r>
+              <a:rPr lang="en-US" smtClean="0"/>
+              <a:t>Second level</a:t>
+            </a:r>
+          </a:p>
+          <a:p>
+            <a:pPr lvl="2"/>
+            <a:r>
+              <a:rPr lang="en-US" smtClean="0"/>
+              <a:t>Third level</a:t>
+            </a:r>
+          </a:p>
+          <a:p>
+            <a:pPr lvl="3"/>
+            <a:r>
+              <a:rPr lang="en-US" smtClean="0"/>
+              <a:t>Fourth level</a:t>
+            </a:r>
+          </a:p>
+          <a:p>
+            <a:pPr lvl="4"/>
+            <a:r>
+              <a:rPr lang="en-US" smtClean="0"/>
+              <a:t>Fifth level</a:t>
+            </a:r>
+            <a:endParaRPr lang="en-US"/>
+          </a:p>
+        </p:txBody>
+      </p:sp>
+      <p:sp>
+        <p:nvSpPr>
+          <p:cNvPr id="6" name="Footer Placeholder 5"/>
+          <p:cNvSpPr>
+            <a:spLocks noGrp="1"/>
+          </p:cNvSpPr>
+          <p:nvPr>
+            <p:ph type="ftr" sz="quarter" idx="4"/>
+          </p:nvPr>
+        </p:nvSpPr>
+        <p:spPr>
+          <a:xfrm>
+            <a:off x="0" y="8685213"/>
+            <a:ext cx="2971800" cy="458787"/>
+          </a:xfrm>
+          <a:prstGeom prst="rect">
+            <a:avLst/>
+          </a:prstGeom>
+        </p:spPr>
+        <p:txBody>
+          <a:bodyPr vert="horz" lIns="91440" tIns="45720" rIns="91440" bIns="45720" rtlCol="0" anchor="b"/>
+          <a:lstStyle>
+            <a:lvl1pPr algn="l">
+              <a:defRPr sz="1200"/>
+            </a:lvl1pPr>
+          </a:lstStyle>
+          <a:p>
+            <a:endParaRPr lang="en-US"/>
+          </a:p>
+        </p:txBody>
+      </p:sp>
+      <p:sp>
+        <p:nvSpPr>
+          <p:cNvPr id="7" name="Slide Number Placeholder 6"/>
+          <p:cNvSpPr>
+            <a:spLocks noGrp="1"/>
+          </p:cNvSpPr>
+          <p:nvPr>
+            <p:ph type="sldNum" sz="quarter" idx="5"/>
+          </p:nvPr>
+        </p:nvSpPr>
+        <p:spPr>
+          <a:xfrm>
+            <a:off x="3884613" y="8685213"/>
+            <a:ext cx="2971800" cy="458787"/>
+          </a:xfrm>
+          <a:prstGeom prst="rect">
+            <a:avLst/>
+          </a:prstGeom>
+        </p:spPr>
+        <p:txBody>
+          <a:bodyPr vert="horz" lIns="91440" tIns="45720" rIns="91440" bIns="45720" rtlCol="0" anchor="b"/>
+          <a:lstStyle>
+            <a:lvl1pPr algn="r">
+              <a:defRPr sz="1200"/>
+            </a:lvl1pPr>
+          </a:lstStyle>
+          <a:p>
+            <a:fld id="{DF32AD44-9341-453D-8870-F92BB11B5648}" type="slidenum">
+              <a:rPr lang="en-US" smtClean="0"/>
+              <a:t>‹#›</a:t>
+            </a:fld>
+            <a:endParaRPr lang="en-US"/>
+          </a:p>
+        </p:txBody>
+      </p:sp>
+    </p:spTree>
+    <p:extLst>
+      <p:ext uri="{BB962C8B-B14F-4D97-AF65-F5344CB8AC3E}">
+        <p14:creationId xmlns:p14="http://schemas.microsoft.com/office/powerpoint/2010/main" val="235695064"/>
+      </p:ext>
+    </p:extLst>
+  </p:cSld>
+  <p:clrMap bg1="lt1" tx1="dk1" bg2="lt2" tx2="dk2" accent1="accent1" accent2="accent2" accent3="accent3" accent4="accent4" accent5="accent5" accent6="accent6" hlink="hlink" folHlink="folHlink"/>
+  <p:notesStyle>
+    <a:lvl1pPr marL="0" algn="l" defTabSz="914400" rtl="0" eaLnBrk="1" latinLnBrk="0" hangingPunct="1">
+      <a:defRPr sz="1200" kern="1200">
+        <a:solidFill>
+          <a:schemeClr val="tx1"/>
+        </a:solidFill>
+        <a:latin typeface="+mn-lt"/>
+        <a:ea typeface="+mn-ea"/>
+        <a:cs typeface="+mn-cs"/>
+      </a:defRPr>
+    </a:lvl1pPr>
+    <a:lvl2pPr marL="457200" algn="l" defTabSz="914400" rtl="0" eaLnBrk="1" latinLnBrk="0" hangingPunct="1">
+      <a:defRPr sz="1200" kern="1200">
+        <a:solidFill>
+          <a:schemeClr val="tx1"/>
+        </a:solidFill>
+        <a:latin typeface="+mn-lt"/>
+        <a:ea typeface="+mn-ea"/>
+        <a:cs typeface="+mn-cs"/>
+      </a:defRPr>
+    </a:lvl2pPr>
+    <a:lvl3pPr marL="914400" algn="l" defTabSz="914400" rtl="0" eaLnBrk="1" latinLnBrk="0" hangingPunct="1">
+      <a:defRPr sz="1200" kern="1200">
+        <a:solidFill>
+          <a:schemeClr val="tx1"/>
+        </a:solidFill>
+        <a:latin typeface="+mn-lt"/>
+        <a:ea typeface="+mn-ea"/>
+        <a:cs typeface="+mn-cs"/>
+      </a:defRPr>
+    </a:lvl3pPr>
+    <a:lvl4pPr marL="1371600" algn="l" defTabSz="914400" rtl="0" eaLnBrk="1" latinLnBrk="0" hangingPunct="1">
+      <a:defRPr sz="1200" kern="1200">
+        <a:solidFill>
+          <a:schemeClr val="tx1"/>
+        </a:solidFill>
+        <a:latin typeface="+mn-lt"/>
+        <a:ea typeface="+mn-ea"/>
+        <a:cs typeface="+mn-cs"/>
+      </a:defRPr>
+    </a:lvl4pPr>
+    <a:lvl5pPr marL="1828800" algn="l" defTabSz="914400" rtl="0" eaLnBrk="1" latinLnBrk="0" hangingPunct="1">
+      <a:defRPr sz="1200" kern="1200">
+        <a:solidFill>
+          <a:schemeClr val="tx1"/>
+        </a:solidFill>
+        <a:latin typeface="+mn-lt"/>
+        <a:ea typeface="+mn-ea"/>
+        <a:cs typeface="+mn-cs"/>
+      </a:defRPr>
+    </a:lvl5pPr>
+    <a:lvl6pPr marL="2286000" algn="l" defTabSz="914400" rtl="0" eaLnBrk="1" latinLnBrk="0" hangingPunct="1">
+      <a:defRPr sz="1200" kern="1200">
+        <a:solidFill>
+          <a:schemeClr val="tx1"/>
+        </a:solidFill>
+        <a:latin typeface="+mn-lt"/>
+        <a:ea typeface="+mn-ea"/>
+        <a:cs typeface="+mn-cs"/>
+      </a:defRPr>
+    </a:lvl6pPr>
+    <a:lvl7pPr marL="2743200" algn="l" defTabSz="914400" rtl="0" eaLnBrk="1" latinLnBrk="0" hangingPunct="1">
+      <a:defRPr sz="1200" kern="1200">
+        <a:solidFill>
+          <a:schemeClr val="tx1"/>
+        </a:solidFill>
+        <a:latin typeface="+mn-lt"/>
+        <a:ea typeface="+mn-ea"/>
+        <a:cs typeface="+mn-cs"/>
+      </a:defRPr>
+    </a:lvl7pPr>
+    <a:lvl8pPr marL="3200400" algn="l" defTabSz="914400" rtl="0" eaLnBrk="1" latinLnBrk="0" hangingPunct="1">
+      <a:defRPr sz="1200" kern="1200">
+        <a:solidFill>
+          <a:schemeClr val="tx1"/>
+        </a:solidFill>
+        <a:latin typeface="+mn-lt"/>
+        <a:ea typeface="+mn-ea"/>
+        <a:cs typeface="+mn-cs"/>
+      </a:defRPr>
+    </a:lvl8pPr>
+    <a:lvl9pPr marL="3657600" algn="l" defTabSz="914400" rtl="0" eaLnBrk="1" latinLnBrk="0" hangingPunct="1">
+      <a:defRPr sz="1200" kern="1200">
+        <a:solidFill>
+          <a:schemeClr val="tx1"/>
+        </a:solidFill>
+        <a:latin typeface="+mn-lt"/>
+        <a:ea typeface="+mn-ea"/>
+        <a:cs typeface="+mn-cs"/>
+      </a:defRPr>
+    </a:lvl9pPr>
+  </p:notesStyle>
+</p:notesMaster>
+</file>
+
+<file path=ppt/notesSlides/notesSlide1.xml><?xml version="1.0" encoding="utf-8"?>
+<p:notes xmlns:a="http://schemas.openxmlformats.org/drawingml/2006/main" xmlns:r="http://schemas.openxmlformats.org/officeDocument/2006/relationships" xmlns:p="http://schemas.openxmlformats.org/presentationml/2006/main">
+  <p:cSld>
+    <p:spTree>
+      <p:nvGrpSpPr>
+        <p:cNvPr id="1" name=""/>
+        <p:cNvGrpSpPr/>
+        <p:nvPr/>
+      </p:nvGrpSpPr>
+      <p:grpSpPr>
+        <a:xfrm>
+          <a:off x="0" y="0"/>
+          <a:ext cx="0" cy="0"/>
+          <a:chOff x="0" y="0"/>
+          <a:chExt cx="0" cy="0"/>
+        </a:xfrm>
+      </p:grpSpPr>
+      <p:sp>
+        <p:nvSpPr>
+          <p:cNvPr id="2" name="Slide Image Placeholder 1"/>
+          <p:cNvSpPr>
+            <a:spLocks noGrp="1" noRot="1" noChangeAspect="1"/>
+          </p:cNvSpPr>
+          <p:nvPr>
+            <p:ph type="sldImg"/>
+          </p:nvPr>
+        </p:nvSpPr>
+        <p:spPr/>
+      </p:sp>
+      <p:sp>
+        <p:nvSpPr>
+          <p:cNvPr id="3" name="Notes Placeholder 2"/>
+          <p:cNvSpPr>
+            <a:spLocks noGrp="1"/>
+          </p:cNvSpPr>
+          <p:nvPr>
+            <p:ph type="body" idx="1"/>
+          </p:nvPr>
+        </p:nvSpPr>
+        <p:spPr/>
+        <p:txBody>
+          <a:bodyPr/>
+          <a:lstStyle/>
+          <a:p>
+            <a:r>
+              <a:rPr lang="en-US" dirty="0" smtClean="0"/>
+              <a:t>System Verilog interfaces</a:t>
+            </a:r>
+            <a:r>
+              <a:rPr lang="en-US" baseline="0" dirty="0" smtClean="0"/>
+              <a:t> are a feature that will help you to make your code much more modular and readable. In addition, in ECE437 you will be using SV interfaces frequently. </a:t>
+            </a:r>
+          </a:p>
+          <a:p>
+            <a:endParaRPr lang="en-US" baseline="0" dirty="0" smtClean="0"/>
+          </a:p>
+          <a:p>
+            <a:r>
+              <a:rPr lang="en-US" baseline="0" dirty="0" smtClean="0"/>
+              <a:t>This module is designed on the assumption that you are at least somewhat familiar with the operation of an SPI (serial peripheral interface) bus. You don’t need to be expert on it, but if you aren’t familiar, you may find it helpful to find an explanation of SPI online before continuing with this module. </a:t>
+            </a:r>
+            <a:endParaRPr lang="en-US" dirty="0"/>
+          </a:p>
+        </p:txBody>
+      </p:sp>
+      <p:sp>
+        <p:nvSpPr>
+          <p:cNvPr id="4" name="Slide Number Placeholder 3"/>
+          <p:cNvSpPr>
+            <a:spLocks noGrp="1"/>
+          </p:cNvSpPr>
+          <p:nvPr>
+            <p:ph type="sldNum" sz="quarter" idx="10"/>
+          </p:nvPr>
+        </p:nvSpPr>
+        <p:spPr/>
+        <p:txBody>
+          <a:bodyPr/>
+          <a:lstStyle/>
+          <a:p>
+            <a:fld id="{DF32AD44-9341-453D-8870-F92BB11B5648}" type="slidenum">
+              <a:rPr lang="en-US" smtClean="0"/>
+              <a:t>1</a:t>
+            </a:fld>
+            <a:endParaRPr lang="en-US"/>
+          </a:p>
+        </p:txBody>
+      </p:sp>
+    </p:spTree>
+    <p:extLst>
+      <p:ext uri="{BB962C8B-B14F-4D97-AF65-F5344CB8AC3E}">
+        <p14:creationId xmlns:p14="http://schemas.microsoft.com/office/powerpoint/2010/main" val="3198058170"/>
+      </p:ext>
+    </p:extLst>
+  </p:cSld>
+  <p:clrMapOvr>
+    <a:masterClrMapping/>
+  </p:clrMapOvr>
+</p:notes>
+</file>
+
+<file path=ppt/notesSlides/notesSlide10.xml><?xml version="1.0" encoding="utf-8"?>
+<p:notes xmlns:a="http://schemas.openxmlformats.org/drawingml/2006/main" xmlns:r="http://schemas.openxmlformats.org/officeDocument/2006/relationships" xmlns:p="http://schemas.openxmlformats.org/presentationml/2006/main">
+  <p:cSld>
+    <p:spTree>
+      <p:nvGrpSpPr>
+        <p:cNvPr id="1" name=""/>
+        <p:cNvGrpSpPr/>
+        <p:nvPr/>
+      </p:nvGrpSpPr>
+      <p:grpSpPr>
+        <a:xfrm>
+          <a:off x="0" y="0"/>
+          <a:ext cx="0" cy="0"/>
+          <a:chOff x="0" y="0"/>
+          <a:chExt cx="0" cy="0"/>
+        </a:xfrm>
+      </p:grpSpPr>
+      <p:sp>
+        <p:nvSpPr>
+          <p:cNvPr id="2" name="Slide Image Placeholder 1"/>
+          <p:cNvSpPr>
+            <a:spLocks noGrp="1" noRot="1" noChangeAspect="1"/>
+          </p:cNvSpPr>
+          <p:nvPr>
+            <p:ph type="sldImg"/>
+          </p:nvPr>
+        </p:nvSpPr>
+        <p:spPr/>
+      </p:sp>
+      <p:sp>
+        <p:nvSpPr>
+          <p:cNvPr id="3" name="Notes Placeholder 2"/>
+          <p:cNvSpPr>
+            <a:spLocks noGrp="1"/>
+          </p:cNvSpPr>
+          <p:nvPr>
+            <p:ph type="body" idx="1"/>
+          </p:nvPr>
+        </p:nvSpPr>
+        <p:spPr/>
+        <p:txBody>
+          <a:bodyPr/>
+          <a:lstStyle/>
+          <a:p>
+            <a:r>
+              <a:rPr lang="en-US" dirty="0" smtClean="0"/>
+              <a:t>We</a:t>
+            </a:r>
+            <a:r>
+              <a:rPr lang="en-US" baseline="0" dirty="0" smtClean="0"/>
+              <a:t> would like to use the same test bench for source and mapped versions of the SPI modules. However, design compiler only gives us a mapped netlist in which each element of the interface is listed as a separate input/output port. Therefore, each element of the interface has to be listed separately in the port map for the mapped version of the device under test. </a:t>
+            </a:r>
+          </a:p>
+          <a:p>
+            <a:endParaRPr lang="en-US" baseline="0" dirty="0" smtClean="0"/>
+          </a:p>
+          <a:p>
+            <a:r>
+              <a:rPr lang="en-US" baseline="0" dirty="0" smtClean="0"/>
+              <a:t>Further down into the test bench, you will find that we can read or write values on the interface by referring to the interface variable and the name of the element within the interface. In this example, we are taking the value of Rcvd from the slave control interface and assigning it to the variable </a:t>
+            </a:r>
+            <a:r>
+              <a:rPr lang="en-US" baseline="0" dirty="0" err="1" smtClean="0"/>
+              <a:t>checkRcvds</a:t>
+            </a:r>
+            <a:r>
+              <a:rPr lang="en-US" baseline="0" dirty="0" smtClean="0"/>
+              <a:t>.  This particular always block is part of the test bench code that is used to monitor the outputs of the SPI slaves. </a:t>
+            </a:r>
+          </a:p>
+          <a:p>
+            <a:endParaRPr lang="en-US" dirty="0"/>
+          </a:p>
+        </p:txBody>
+      </p:sp>
+      <p:sp>
+        <p:nvSpPr>
+          <p:cNvPr id="4" name="Slide Number Placeholder 3"/>
+          <p:cNvSpPr>
+            <a:spLocks noGrp="1"/>
+          </p:cNvSpPr>
+          <p:nvPr>
+            <p:ph type="sldNum" sz="quarter" idx="10"/>
+          </p:nvPr>
+        </p:nvSpPr>
+        <p:spPr/>
+        <p:txBody>
+          <a:bodyPr/>
+          <a:lstStyle/>
+          <a:p>
+            <a:fld id="{DF32AD44-9341-453D-8870-F92BB11B5648}" type="slidenum">
+              <a:rPr lang="en-US" smtClean="0"/>
+              <a:t>10</a:t>
+            </a:fld>
+            <a:endParaRPr lang="en-US"/>
+          </a:p>
+        </p:txBody>
+      </p:sp>
+    </p:spTree>
+    <p:extLst>
+      <p:ext uri="{BB962C8B-B14F-4D97-AF65-F5344CB8AC3E}">
+        <p14:creationId xmlns:p14="http://schemas.microsoft.com/office/powerpoint/2010/main" val="866201826"/>
+      </p:ext>
+    </p:extLst>
+  </p:cSld>
+  <p:clrMapOvr>
+    <a:masterClrMapping/>
+  </p:clrMapOvr>
+</p:notes>
+</file>
+
+<file path=ppt/notesSlides/notesSlide11.xml><?xml version="1.0" encoding="utf-8"?>
+<p:notes xmlns:a="http://schemas.openxmlformats.org/drawingml/2006/main" xmlns:r="http://schemas.openxmlformats.org/officeDocument/2006/relationships" xmlns:p="http://schemas.openxmlformats.org/presentationml/2006/main">
+  <p:cSld>
+    <p:spTree>
+      <p:nvGrpSpPr>
+        <p:cNvPr id="1" name=""/>
+        <p:cNvGrpSpPr/>
+        <p:nvPr/>
+      </p:nvGrpSpPr>
+      <p:grpSpPr>
+        <a:xfrm>
+          <a:off x="0" y="0"/>
+          <a:ext cx="0" cy="0"/>
+          <a:chOff x="0" y="0"/>
+          <a:chExt cx="0" cy="0"/>
+        </a:xfrm>
+      </p:grpSpPr>
+      <p:sp>
+        <p:nvSpPr>
+          <p:cNvPr id="2" name="Slide Image Placeholder 1"/>
+          <p:cNvSpPr>
+            <a:spLocks noGrp="1" noRot="1" noChangeAspect="1"/>
+          </p:cNvSpPr>
+          <p:nvPr>
+            <p:ph type="sldImg"/>
+          </p:nvPr>
+        </p:nvSpPr>
+        <p:spPr/>
+      </p:sp>
+      <p:sp>
+        <p:nvSpPr>
+          <p:cNvPr id="3" name="Notes Placeholder 2"/>
+          <p:cNvSpPr>
+            <a:spLocks noGrp="1"/>
+          </p:cNvSpPr>
+          <p:nvPr>
+            <p:ph type="body" idx="1"/>
+          </p:nvPr>
+        </p:nvSpPr>
+        <p:spPr/>
+        <p:txBody>
+          <a:bodyPr/>
+          <a:lstStyle/>
+          <a:p>
+            <a:r>
+              <a:rPr lang="en-US" dirty="0" smtClean="0"/>
+              <a:t>The upper</a:t>
+            </a:r>
+            <a:r>
+              <a:rPr lang="en-US" baseline="0" dirty="0" smtClean="0"/>
+              <a:t> block of code shows how a Verilog task can be used with an interface to stimulate the inputs of a device under test. In this case, this code generates a sequence of inputs to the master to give it a byte of data to transmit. The control interface </a:t>
+            </a:r>
+            <a:r>
+              <a:rPr lang="en-US" baseline="0" dirty="0" err="1" smtClean="0"/>
+              <a:t>tb_ctrlm</a:t>
+            </a:r>
+            <a:r>
+              <a:rPr lang="en-US" baseline="0" dirty="0" smtClean="0"/>
+              <a:t> contains the necessary input signals to the SPI master to do this. </a:t>
+            </a:r>
+          </a:p>
+          <a:p>
+            <a:endParaRPr lang="en-US" baseline="0" dirty="0" smtClean="0"/>
+          </a:p>
+          <a:p>
+            <a:r>
+              <a:rPr lang="en-US" baseline="0" dirty="0" smtClean="0"/>
+              <a:t>The lower block on this slide shows how one can read values from the control interface to check the correctness of values received by the SPI master. </a:t>
+            </a:r>
+            <a:endParaRPr lang="en-US" dirty="0"/>
+          </a:p>
+        </p:txBody>
+      </p:sp>
+      <p:sp>
+        <p:nvSpPr>
+          <p:cNvPr id="4" name="Slide Number Placeholder 3"/>
+          <p:cNvSpPr>
+            <a:spLocks noGrp="1"/>
+          </p:cNvSpPr>
+          <p:nvPr>
+            <p:ph type="sldNum" sz="quarter" idx="10"/>
+          </p:nvPr>
+        </p:nvSpPr>
+        <p:spPr/>
+        <p:txBody>
+          <a:bodyPr/>
+          <a:lstStyle/>
+          <a:p>
+            <a:fld id="{DF32AD44-9341-453D-8870-F92BB11B5648}" type="slidenum">
+              <a:rPr lang="en-US" smtClean="0"/>
+              <a:t>11</a:t>
+            </a:fld>
+            <a:endParaRPr lang="en-US"/>
+          </a:p>
+        </p:txBody>
+      </p:sp>
+    </p:spTree>
+    <p:extLst>
+      <p:ext uri="{BB962C8B-B14F-4D97-AF65-F5344CB8AC3E}">
+        <p14:creationId xmlns:p14="http://schemas.microsoft.com/office/powerpoint/2010/main" val="2183657697"/>
+      </p:ext>
+    </p:extLst>
+  </p:cSld>
+  <p:clrMapOvr>
+    <a:masterClrMapping/>
+  </p:clrMapOvr>
+</p:notes>
+</file>
+
+<file path=ppt/notesSlides/notesSlide2.xml><?xml version="1.0" encoding="utf-8"?>
+<p:notes xmlns:a="http://schemas.openxmlformats.org/drawingml/2006/main" xmlns:r="http://schemas.openxmlformats.org/officeDocument/2006/relationships" xmlns:p="http://schemas.openxmlformats.org/presentationml/2006/main">
+  <p:cSld>
+    <p:spTree>
+      <p:nvGrpSpPr>
+        <p:cNvPr id="1" name=""/>
+        <p:cNvGrpSpPr/>
+        <p:nvPr/>
+      </p:nvGrpSpPr>
+      <p:grpSpPr>
+        <a:xfrm>
+          <a:off x="0" y="0"/>
+          <a:ext cx="0" cy="0"/>
+          <a:chOff x="0" y="0"/>
+          <a:chExt cx="0" cy="0"/>
+        </a:xfrm>
+      </p:grpSpPr>
+      <p:sp>
+        <p:nvSpPr>
+          <p:cNvPr id="2" name="Slide Image Placeholder 1"/>
+          <p:cNvSpPr>
+            <a:spLocks noGrp="1" noRot="1" noChangeAspect="1"/>
+          </p:cNvSpPr>
+          <p:nvPr>
+            <p:ph type="sldImg"/>
+          </p:nvPr>
+        </p:nvSpPr>
+        <p:spPr/>
+      </p:sp>
+      <p:sp>
+        <p:nvSpPr>
+          <p:cNvPr id="3" name="Notes Placeholder 2"/>
+          <p:cNvSpPr>
+            <a:spLocks noGrp="1"/>
+          </p:cNvSpPr>
+          <p:nvPr>
+            <p:ph type="body" idx="1"/>
+          </p:nvPr>
+        </p:nvSpPr>
+        <p:spPr/>
+        <p:txBody>
+          <a:bodyPr/>
+          <a:lstStyle/>
+          <a:p>
+            <a:r>
+              <a:rPr lang="en-US" dirty="0" smtClean="0"/>
+              <a:t>I have chosen</a:t>
+            </a:r>
+            <a:r>
+              <a:rPr lang="en-US" baseline="0" dirty="0" smtClean="0"/>
+              <a:t> SPI as just about the simplest bus interface available. Even such a simple bus benefits from use of SV interfaces. This slide illustrates in a block diagram how, without interfaces, you have to explicitly declare and connect each wire of the bus individually. In Verilog it means having to list each element of the bus individually in your port maps. </a:t>
+            </a:r>
+          </a:p>
+          <a:p>
+            <a:endParaRPr lang="en-US" baseline="0" dirty="0" smtClean="0"/>
+          </a:p>
+          <a:p>
+            <a:r>
+              <a:rPr lang="en-US" baseline="0" dirty="0" smtClean="0"/>
+              <a:t>The timing diagram at the bottom illustrates the operation of this SPI implementation. This SPI implementation is designed for each bit of serial input to be read and stored in a register on or shortly after the rising edge of SCK. Bits are transmitted in this design at least a half cycle of SCK before each rising edge of SCK and the bit value is held until the falling edge of SCK.</a:t>
+            </a:r>
+          </a:p>
+          <a:p>
+            <a:endParaRPr lang="en-US" baseline="0" dirty="0" smtClean="0"/>
+          </a:p>
+          <a:p>
+            <a:r>
+              <a:rPr lang="en-US" baseline="0" dirty="0" smtClean="0"/>
+              <a:t>There are two slave select lines SS[0] and SS[1] used to individually tell each of two SPI slaves which is to be enabled for communication. </a:t>
+            </a:r>
+          </a:p>
+          <a:p>
+            <a:endParaRPr lang="en-US" baseline="0" dirty="0" smtClean="0"/>
+          </a:p>
+          <a:p>
+            <a:r>
+              <a:rPr lang="en-US" baseline="0" dirty="0" smtClean="0"/>
+              <a:t>If you study the waveforms on this slide, you should observe the following sequence of events. </a:t>
+            </a:r>
+          </a:p>
+          <a:p>
+            <a:endParaRPr lang="en-US" baseline="0" dirty="0" smtClean="0"/>
+          </a:p>
+          <a:p>
+            <a:r>
+              <a:rPr lang="en-US" baseline="0" dirty="0" smtClean="0"/>
+              <a:t>1. The master transmits the value 10001111 to slave 1. Slave 1 simultaneously transmits 11101010 back to the master</a:t>
+            </a:r>
+          </a:p>
+          <a:p>
+            <a:r>
+              <a:rPr lang="en-US" baseline="0" dirty="0" smtClean="0"/>
+              <a:t>2. The master transmits 00110011 to slave 0. Slave 0 simultaneously transmits 110010111 to the master. </a:t>
+            </a:r>
+          </a:p>
+          <a:p>
+            <a:r>
+              <a:rPr lang="en-US" baseline="0" dirty="0" smtClean="0"/>
+              <a:t>3. The master transmits 00100101 to slave 1. Slave 1 transmits 01001111. </a:t>
+            </a:r>
+          </a:p>
+        </p:txBody>
+      </p:sp>
+      <p:sp>
+        <p:nvSpPr>
+          <p:cNvPr id="4" name="Slide Number Placeholder 3"/>
+          <p:cNvSpPr>
+            <a:spLocks noGrp="1"/>
+          </p:cNvSpPr>
+          <p:nvPr>
+            <p:ph type="sldNum" sz="quarter" idx="10"/>
+          </p:nvPr>
+        </p:nvSpPr>
+        <p:spPr/>
+        <p:txBody>
+          <a:bodyPr/>
+          <a:lstStyle/>
+          <a:p>
+            <a:fld id="{DF32AD44-9341-453D-8870-F92BB11B5648}" type="slidenum">
+              <a:rPr lang="en-US" smtClean="0"/>
+              <a:t>2</a:t>
+            </a:fld>
+            <a:endParaRPr lang="en-US"/>
+          </a:p>
+        </p:txBody>
+      </p:sp>
+    </p:spTree>
+    <p:extLst>
+      <p:ext uri="{BB962C8B-B14F-4D97-AF65-F5344CB8AC3E}">
+        <p14:creationId xmlns:p14="http://schemas.microsoft.com/office/powerpoint/2010/main" val="4279642252"/>
+      </p:ext>
+    </p:extLst>
+  </p:cSld>
+  <p:clrMapOvr>
+    <a:masterClrMapping/>
+  </p:clrMapOvr>
+</p:notes>
+</file>
+
+<file path=ppt/notesSlides/notesSlide3.xml><?xml version="1.0" encoding="utf-8"?>
+<p:notes xmlns:a="http://schemas.openxmlformats.org/drawingml/2006/main" xmlns:r="http://schemas.openxmlformats.org/officeDocument/2006/relationships" xmlns:p="http://schemas.openxmlformats.org/presentationml/2006/main">
+  <p:cSld>
+    <p:spTree>
+      <p:nvGrpSpPr>
+        <p:cNvPr id="1" name=""/>
+        <p:cNvGrpSpPr/>
+        <p:nvPr/>
+      </p:nvGrpSpPr>
+      <p:grpSpPr>
+        <a:xfrm>
+          <a:off x="0" y="0"/>
+          <a:ext cx="0" cy="0"/>
+          <a:chOff x="0" y="0"/>
+          <a:chExt cx="0" cy="0"/>
+        </a:xfrm>
+      </p:grpSpPr>
+      <p:sp>
+        <p:nvSpPr>
+          <p:cNvPr id="2" name="Slide Image Placeholder 1"/>
+          <p:cNvSpPr>
+            <a:spLocks noGrp="1" noRot="1" noChangeAspect="1"/>
+          </p:cNvSpPr>
+          <p:nvPr>
+            <p:ph type="sldImg"/>
+          </p:nvPr>
+        </p:nvSpPr>
+        <p:spPr/>
+      </p:sp>
+      <p:sp>
+        <p:nvSpPr>
+          <p:cNvPr id="3" name="Notes Placeholder 2"/>
+          <p:cNvSpPr>
+            <a:spLocks noGrp="1"/>
+          </p:cNvSpPr>
+          <p:nvPr>
+            <p:ph type="body" idx="1"/>
+          </p:nvPr>
+        </p:nvSpPr>
+        <p:spPr/>
+        <p:txBody>
+          <a:bodyPr/>
+          <a:lstStyle/>
+          <a:p>
+            <a:r>
+              <a:rPr lang="en-US" dirty="0" smtClean="0"/>
+              <a:t>Compare this to</a:t>
+            </a:r>
+            <a:r>
+              <a:rPr lang="en-US" baseline="0" dirty="0" smtClean="0"/>
+              <a:t> the previous slide. The only difference in the diagram is that all of the wires that make up SPI are represented by a single bus and each master and slave device includes an interface, </a:t>
+            </a:r>
+            <a:r>
+              <a:rPr lang="en-US" baseline="0" dirty="0" err="1" smtClean="0"/>
+              <a:t>SPIbus</a:t>
+            </a:r>
+            <a:r>
+              <a:rPr lang="en-US" baseline="0" dirty="0" smtClean="0"/>
+              <a:t>, in it’s port map to be able to connect to the bus. You will soon see an example of what this looks like in code. </a:t>
+            </a:r>
+          </a:p>
+          <a:p>
+            <a:endParaRPr lang="en-US" baseline="0" dirty="0" smtClean="0"/>
+          </a:p>
+          <a:p>
+            <a:r>
+              <a:rPr lang="en-US" baseline="0" dirty="0" smtClean="0"/>
+              <a:t>Notice that the master uses </a:t>
+            </a:r>
+            <a:r>
+              <a:rPr lang="en-US" baseline="0" dirty="0" err="1" smtClean="0"/>
+              <a:t>SPIbus.Master</a:t>
+            </a:r>
+            <a:r>
+              <a:rPr lang="en-US" baseline="0" dirty="0" smtClean="0"/>
+              <a:t>() rather than just </a:t>
+            </a:r>
+            <a:r>
+              <a:rPr lang="en-US" baseline="0" dirty="0" err="1" smtClean="0"/>
+              <a:t>SPIbus</a:t>
+            </a:r>
+            <a:r>
+              <a:rPr lang="en-US" baseline="0" dirty="0" smtClean="0"/>
+              <a:t> as the port. SV interfaces support a feature called </a:t>
+            </a:r>
+            <a:r>
+              <a:rPr lang="en-US" baseline="0" dirty="0" err="1" smtClean="0"/>
+              <a:t>modports</a:t>
+            </a:r>
+            <a:r>
+              <a:rPr lang="en-US" baseline="0" dirty="0" smtClean="0"/>
+              <a:t> which specify the direction of each wire in the bus (in or out). Similarly the slaves use </a:t>
+            </a:r>
+            <a:r>
+              <a:rPr lang="en-US" baseline="0" dirty="0" err="1" smtClean="0"/>
+              <a:t>SPIbus.Slave</a:t>
+            </a:r>
+            <a:r>
+              <a:rPr lang="en-US" baseline="0" dirty="0" smtClean="0"/>
+              <a:t>() where Slave() identifies the </a:t>
+            </a:r>
+            <a:r>
+              <a:rPr lang="en-US" baseline="0" dirty="0" err="1" smtClean="0"/>
+              <a:t>modport</a:t>
+            </a:r>
+            <a:r>
+              <a:rPr lang="en-US" baseline="0" dirty="0" smtClean="0"/>
+              <a:t> definition to be used by the slave. Hopefully, this will make more sense when you see the code examples. </a:t>
+            </a:r>
+            <a:endParaRPr lang="en-US" dirty="0"/>
+          </a:p>
+        </p:txBody>
+      </p:sp>
+      <p:sp>
+        <p:nvSpPr>
+          <p:cNvPr id="4" name="Slide Number Placeholder 3"/>
+          <p:cNvSpPr>
+            <a:spLocks noGrp="1"/>
+          </p:cNvSpPr>
+          <p:nvPr>
+            <p:ph type="sldNum" sz="quarter" idx="10"/>
+          </p:nvPr>
+        </p:nvSpPr>
+        <p:spPr/>
+        <p:txBody>
+          <a:bodyPr/>
+          <a:lstStyle/>
+          <a:p>
+            <a:fld id="{DF32AD44-9341-453D-8870-F92BB11B5648}" type="slidenum">
+              <a:rPr lang="en-US" smtClean="0"/>
+              <a:t>3</a:t>
+            </a:fld>
+            <a:endParaRPr lang="en-US"/>
+          </a:p>
+        </p:txBody>
+      </p:sp>
+    </p:spTree>
+    <p:extLst>
+      <p:ext uri="{BB962C8B-B14F-4D97-AF65-F5344CB8AC3E}">
+        <p14:creationId xmlns:p14="http://schemas.microsoft.com/office/powerpoint/2010/main" val="579773632"/>
+      </p:ext>
+    </p:extLst>
+  </p:cSld>
+  <p:clrMapOvr>
+    <a:masterClrMapping/>
+  </p:clrMapOvr>
+</p:notes>
+</file>
+
+<file path=ppt/notesSlides/notesSlide4.xml><?xml version="1.0" encoding="utf-8"?>
+<p:notes xmlns:a="http://schemas.openxmlformats.org/drawingml/2006/main" xmlns:r="http://schemas.openxmlformats.org/officeDocument/2006/relationships" xmlns:p="http://schemas.openxmlformats.org/presentationml/2006/main">
+  <p:cSld>
+    <p:spTree>
+      <p:nvGrpSpPr>
+        <p:cNvPr id="1" name=""/>
+        <p:cNvGrpSpPr/>
+        <p:nvPr/>
+      </p:nvGrpSpPr>
+      <p:grpSpPr>
+        <a:xfrm>
+          <a:off x="0" y="0"/>
+          <a:ext cx="0" cy="0"/>
+          <a:chOff x="0" y="0"/>
+          <a:chExt cx="0" cy="0"/>
+        </a:xfrm>
+      </p:grpSpPr>
+      <p:sp>
+        <p:nvSpPr>
+          <p:cNvPr id="2" name="Slide Image Placeholder 1"/>
+          <p:cNvSpPr>
+            <a:spLocks noGrp="1" noRot="1" noChangeAspect="1"/>
+          </p:cNvSpPr>
+          <p:nvPr>
+            <p:ph type="sldImg"/>
+          </p:nvPr>
+        </p:nvSpPr>
+        <p:spPr/>
+      </p:sp>
+      <p:sp>
+        <p:nvSpPr>
+          <p:cNvPr id="3" name="Notes Placeholder 2"/>
+          <p:cNvSpPr>
+            <a:spLocks noGrp="1"/>
+          </p:cNvSpPr>
+          <p:nvPr>
+            <p:ph type="body" idx="1"/>
+          </p:nvPr>
+        </p:nvSpPr>
+        <p:spPr/>
+        <p:txBody>
+          <a:bodyPr/>
+          <a:lstStyle/>
+          <a:p>
+            <a:r>
+              <a:rPr lang="en-US" dirty="0" smtClean="0"/>
+              <a:t>SV interfaces are useful for more than just interconnect between modules</a:t>
+            </a:r>
+            <a:r>
+              <a:rPr lang="en-US" baseline="0" dirty="0" smtClean="0"/>
+              <a:t> in your RTL design. They are also useful in making connections between your test bench stimulus/checker code and the modules to be tested. </a:t>
+            </a:r>
+          </a:p>
+          <a:p>
+            <a:endParaRPr lang="en-US" baseline="0" dirty="0" smtClean="0"/>
+          </a:p>
+          <a:p>
+            <a:r>
+              <a:rPr lang="en-US" baseline="0" dirty="0" smtClean="0"/>
+              <a:t>When designing these modules and the test bench, I found that I needed the same set of control inputs to each module to monitor the values received on the SPI bus and to provide values to be transmitted. It cleaned up the code considerably when I defined a control bus, </a:t>
+            </a:r>
+            <a:r>
+              <a:rPr lang="en-US" baseline="0" dirty="0" err="1" smtClean="0"/>
+              <a:t>SPIctrl</a:t>
+            </a:r>
+            <a:r>
+              <a:rPr lang="en-US" baseline="0" dirty="0" smtClean="0"/>
+              <a:t>, to manage the communication between the test bench and the modules under test. </a:t>
+            </a:r>
+            <a:endParaRPr lang="en-US" dirty="0"/>
+          </a:p>
+        </p:txBody>
+      </p:sp>
+      <p:sp>
+        <p:nvSpPr>
+          <p:cNvPr id="4" name="Slide Number Placeholder 3"/>
+          <p:cNvSpPr>
+            <a:spLocks noGrp="1"/>
+          </p:cNvSpPr>
+          <p:nvPr>
+            <p:ph type="sldNum" sz="quarter" idx="10"/>
+          </p:nvPr>
+        </p:nvSpPr>
+        <p:spPr/>
+        <p:txBody>
+          <a:bodyPr/>
+          <a:lstStyle/>
+          <a:p>
+            <a:fld id="{DF32AD44-9341-453D-8870-F92BB11B5648}" type="slidenum">
+              <a:rPr lang="en-US" smtClean="0"/>
+              <a:t>4</a:t>
+            </a:fld>
+            <a:endParaRPr lang="en-US"/>
+          </a:p>
+        </p:txBody>
+      </p:sp>
+    </p:spTree>
+    <p:extLst>
+      <p:ext uri="{BB962C8B-B14F-4D97-AF65-F5344CB8AC3E}">
+        <p14:creationId xmlns:p14="http://schemas.microsoft.com/office/powerpoint/2010/main" val="910399529"/>
+      </p:ext>
+    </p:extLst>
+  </p:cSld>
+  <p:clrMapOvr>
+    <a:masterClrMapping/>
+  </p:clrMapOvr>
+</p:notes>
+</file>
+
+<file path=ppt/notesSlides/notesSlide5.xml><?xml version="1.0" encoding="utf-8"?>
+<p:notes xmlns:a="http://schemas.openxmlformats.org/drawingml/2006/main" xmlns:r="http://schemas.openxmlformats.org/officeDocument/2006/relationships" xmlns:p="http://schemas.openxmlformats.org/presentationml/2006/main">
+  <p:cSld>
+    <p:spTree>
+      <p:nvGrpSpPr>
+        <p:cNvPr id="1" name=""/>
+        <p:cNvGrpSpPr/>
+        <p:nvPr/>
+      </p:nvGrpSpPr>
+      <p:grpSpPr>
+        <a:xfrm>
+          <a:off x="0" y="0"/>
+          <a:ext cx="0" cy="0"/>
+          <a:chOff x="0" y="0"/>
+          <a:chExt cx="0" cy="0"/>
+        </a:xfrm>
+      </p:grpSpPr>
+      <p:sp>
+        <p:nvSpPr>
+          <p:cNvPr id="2" name="Slide Image Placeholder 1"/>
+          <p:cNvSpPr>
+            <a:spLocks noGrp="1" noRot="1" noChangeAspect="1"/>
+          </p:cNvSpPr>
+          <p:nvPr>
+            <p:ph type="sldImg"/>
+          </p:nvPr>
+        </p:nvSpPr>
+        <p:spPr/>
+      </p:sp>
+      <p:sp>
+        <p:nvSpPr>
+          <p:cNvPr id="3" name="Notes Placeholder 2"/>
+          <p:cNvSpPr>
+            <a:spLocks noGrp="1"/>
+          </p:cNvSpPr>
+          <p:nvPr>
+            <p:ph type="body" idx="1"/>
+          </p:nvPr>
+        </p:nvSpPr>
+        <p:spPr/>
+        <p:txBody>
+          <a:bodyPr/>
+          <a:lstStyle/>
+          <a:p>
+            <a:r>
+              <a:rPr lang="en-US" dirty="0" smtClean="0"/>
+              <a:t>Now</a:t>
+            </a:r>
+            <a:r>
+              <a:rPr lang="en-US" baseline="0" dirty="0" smtClean="0"/>
+              <a:t> let’s see how this looks in code. </a:t>
+            </a:r>
+          </a:p>
+          <a:p>
+            <a:endParaRPr lang="en-US" baseline="0" dirty="0" smtClean="0"/>
+          </a:p>
+          <a:p>
+            <a:r>
+              <a:rPr lang="en-US" baseline="0" dirty="0" smtClean="0"/>
+              <a:t>An SV interface is something you are likely to need to use in many different modules, so it is helpful to put the interface definition in a header file to be included later. </a:t>
+            </a:r>
+          </a:p>
+          <a:p>
+            <a:endParaRPr lang="en-US" baseline="0" dirty="0" smtClean="0"/>
+          </a:p>
+          <a:p>
+            <a:r>
+              <a:rPr lang="en-US" b="1" baseline="0" dirty="0" smtClean="0"/>
+              <a:t>interface </a:t>
+            </a:r>
+            <a:r>
+              <a:rPr lang="en-US" b="1" baseline="0" dirty="0" err="1" smtClean="0"/>
+              <a:t>SPIbus</a:t>
+            </a:r>
+            <a:r>
+              <a:rPr lang="en-US" baseline="0" dirty="0" smtClean="0"/>
+              <a:t> declares the name of the interface</a:t>
+            </a:r>
+          </a:p>
+          <a:p>
+            <a:r>
+              <a:rPr lang="en-US" b="1" baseline="0" dirty="0" err="1" smtClean="0"/>
+              <a:t>mosi</a:t>
+            </a:r>
+            <a:r>
+              <a:rPr lang="en-US" b="1" baseline="0" dirty="0" smtClean="0"/>
+              <a:t>, </a:t>
+            </a:r>
+            <a:r>
+              <a:rPr lang="en-US" b="1" baseline="0" dirty="0" err="1" smtClean="0"/>
+              <a:t>sck</a:t>
+            </a:r>
+            <a:r>
+              <a:rPr lang="en-US" b="1" baseline="0" dirty="0" smtClean="0"/>
+              <a:t>, miso, and </a:t>
+            </a:r>
+            <a:r>
+              <a:rPr lang="en-US" b="1" baseline="0" dirty="0" err="1" smtClean="0"/>
+              <a:t>ss</a:t>
+            </a:r>
+            <a:r>
+              <a:rPr lang="en-US" b="1" baseline="0" dirty="0" smtClean="0"/>
+              <a:t> </a:t>
+            </a:r>
+            <a:r>
+              <a:rPr lang="en-US" baseline="0" dirty="0" smtClean="0"/>
+              <a:t>(slave select) are all elements of the SPI bus</a:t>
+            </a:r>
+          </a:p>
+          <a:p>
+            <a:r>
+              <a:rPr lang="en-US" b="1" baseline="0" dirty="0" err="1" smtClean="0"/>
+              <a:t>modport</a:t>
+            </a:r>
+            <a:r>
+              <a:rPr lang="en-US" b="1" baseline="0" dirty="0" smtClean="0"/>
+              <a:t> Master </a:t>
+            </a:r>
+            <a:r>
+              <a:rPr lang="en-US" baseline="0" dirty="0" smtClean="0"/>
+              <a:t>specifies which elements of the bus are inputs/outputs for any device that uses the </a:t>
+            </a:r>
+            <a:r>
+              <a:rPr lang="en-US" baseline="0" dirty="0" err="1" smtClean="0"/>
+              <a:t>modport</a:t>
+            </a:r>
+            <a:r>
+              <a:rPr lang="en-US" baseline="0" dirty="0" smtClean="0"/>
+              <a:t> Master</a:t>
+            </a:r>
+          </a:p>
+          <a:p>
+            <a:pPr marL="0" marR="0" indent="0" algn="l" defTabSz="914400" rtl="0" eaLnBrk="1" fontAlgn="auto" latinLnBrk="0" hangingPunct="1">
+              <a:lnSpc>
+                <a:spcPct val="100000"/>
+              </a:lnSpc>
+              <a:spcBef>
+                <a:spcPts val="0"/>
+              </a:spcBef>
+              <a:spcAft>
+                <a:spcPts val="0"/>
+              </a:spcAft>
+              <a:buClrTx/>
+              <a:buSzTx/>
+              <a:buFontTx/>
+              <a:buNone/>
+              <a:tabLst/>
+              <a:defRPr/>
+            </a:pPr>
+            <a:r>
+              <a:rPr lang="en-US" b="1" baseline="0" dirty="0" err="1" smtClean="0"/>
+              <a:t>modport</a:t>
+            </a:r>
+            <a:r>
+              <a:rPr lang="en-US" b="1" baseline="0" dirty="0" smtClean="0"/>
+              <a:t> Slave </a:t>
+            </a:r>
+            <a:r>
+              <a:rPr lang="en-US" baseline="0" dirty="0" smtClean="0"/>
+              <a:t>specifies which elements of the bus are inputs/outputs for any device that uses the </a:t>
+            </a:r>
+            <a:r>
+              <a:rPr lang="en-US" baseline="0" dirty="0" err="1" smtClean="0"/>
+              <a:t>modport</a:t>
+            </a:r>
+            <a:r>
+              <a:rPr lang="en-US" baseline="0" dirty="0" smtClean="0"/>
+              <a:t> Master</a:t>
+            </a:r>
+          </a:p>
+          <a:p>
+            <a:endParaRPr lang="en-US" baseline="0" dirty="0" smtClean="0"/>
+          </a:p>
+          <a:p>
+            <a:r>
+              <a:rPr lang="en-US" baseline="0" dirty="0" smtClean="0"/>
+              <a:t>The </a:t>
+            </a:r>
+            <a:r>
+              <a:rPr lang="en-US" b="1" baseline="0" dirty="0" err="1" smtClean="0"/>
+              <a:t>SPIctrl</a:t>
+            </a:r>
+            <a:r>
+              <a:rPr lang="en-US" baseline="0" dirty="0" smtClean="0"/>
+              <a:t> interface uses all the same syntax, but there is an additional</a:t>
+            </a:r>
+            <a:r>
+              <a:rPr lang="en-US" b="1" baseline="0" dirty="0" smtClean="0"/>
+              <a:t> </a:t>
+            </a:r>
+            <a:r>
+              <a:rPr lang="en-US" b="1" baseline="0" dirty="0" err="1" smtClean="0"/>
+              <a:t>modport</a:t>
+            </a:r>
+            <a:r>
+              <a:rPr lang="en-US" baseline="0" dirty="0" smtClean="0"/>
+              <a:t> called System intended for controlling an SPI master or slave. We will use the System </a:t>
+            </a:r>
+            <a:r>
+              <a:rPr lang="en-US" baseline="0" dirty="0" err="1" smtClean="0"/>
+              <a:t>modport</a:t>
+            </a:r>
+            <a:r>
+              <a:rPr lang="en-US" baseline="0" dirty="0" smtClean="0"/>
+              <a:t> in the test bench, but if you were building the SPI devices into a larger system, you would use </a:t>
+            </a:r>
+            <a:r>
+              <a:rPr lang="en-US" baseline="0" dirty="0" err="1" smtClean="0"/>
+              <a:t>SPIctrl.System</a:t>
+            </a:r>
+            <a:r>
+              <a:rPr lang="en-US" baseline="0" dirty="0" smtClean="0"/>
+              <a:t>() to connect the SPI device to other modules in your design. </a:t>
+            </a:r>
+          </a:p>
+        </p:txBody>
+      </p:sp>
+      <p:sp>
+        <p:nvSpPr>
+          <p:cNvPr id="4" name="Slide Number Placeholder 3"/>
+          <p:cNvSpPr>
+            <a:spLocks noGrp="1"/>
+          </p:cNvSpPr>
+          <p:nvPr>
+            <p:ph type="sldNum" sz="quarter" idx="10"/>
+          </p:nvPr>
+        </p:nvSpPr>
+        <p:spPr/>
+        <p:txBody>
+          <a:bodyPr/>
+          <a:lstStyle/>
+          <a:p>
+            <a:fld id="{DF32AD44-9341-453D-8870-F92BB11B5648}" type="slidenum">
+              <a:rPr lang="en-US" smtClean="0"/>
+              <a:t>5</a:t>
+            </a:fld>
+            <a:endParaRPr lang="en-US"/>
+          </a:p>
+        </p:txBody>
+      </p:sp>
+    </p:spTree>
+    <p:extLst>
+      <p:ext uri="{BB962C8B-B14F-4D97-AF65-F5344CB8AC3E}">
+        <p14:creationId xmlns:p14="http://schemas.microsoft.com/office/powerpoint/2010/main" val="1022668698"/>
+      </p:ext>
+    </p:extLst>
+  </p:cSld>
+  <p:clrMapOvr>
+    <a:masterClrMapping/>
+  </p:clrMapOvr>
+</p:notes>
+</file>
+
+<file path=ppt/notesSlides/notesSlide6.xml><?xml version="1.0" encoding="utf-8"?>
+<p:notes xmlns:a="http://schemas.openxmlformats.org/drawingml/2006/main" xmlns:r="http://schemas.openxmlformats.org/officeDocument/2006/relationships" xmlns:p="http://schemas.openxmlformats.org/presentationml/2006/main">
+  <p:cSld>
+    <p:spTree>
+      <p:nvGrpSpPr>
+        <p:cNvPr id="1" name=""/>
+        <p:cNvGrpSpPr/>
+        <p:nvPr/>
+      </p:nvGrpSpPr>
+      <p:grpSpPr>
+        <a:xfrm>
+          <a:off x="0" y="0"/>
+          <a:ext cx="0" cy="0"/>
+          <a:chOff x="0" y="0"/>
+          <a:chExt cx="0" cy="0"/>
+        </a:xfrm>
+      </p:grpSpPr>
+      <p:sp>
+        <p:nvSpPr>
+          <p:cNvPr id="2" name="Slide Image Placeholder 1"/>
+          <p:cNvSpPr>
+            <a:spLocks noGrp="1" noRot="1" noChangeAspect="1"/>
+          </p:cNvSpPr>
+          <p:nvPr>
+            <p:ph type="sldImg"/>
+          </p:nvPr>
+        </p:nvSpPr>
+        <p:spPr/>
+      </p:sp>
+      <p:sp>
+        <p:nvSpPr>
+          <p:cNvPr id="3" name="Notes Placeholder 2"/>
+          <p:cNvSpPr>
+            <a:spLocks noGrp="1"/>
+          </p:cNvSpPr>
+          <p:nvPr>
+            <p:ph type="body" idx="1"/>
+          </p:nvPr>
+        </p:nvSpPr>
+        <p:spPr/>
+        <p:txBody>
+          <a:bodyPr/>
+          <a:lstStyle/>
+          <a:p>
+            <a:r>
+              <a:rPr lang="en-US" dirty="0" smtClean="0"/>
+              <a:t>Here are examples of how the</a:t>
+            </a:r>
+            <a:r>
+              <a:rPr lang="en-US" baseline="0" dirty="0" smtClean="0"/>
+              <a:t> </a:t>
+            </a:r>
+            <a:r>
+              <a:rPr lang="en-US" baseline="0" dirty="0" err="1" smtClean="0"/>
+              <a:t>SPIbus</a:t>
+            </a:r>
+            <a:r>
+              <a:rPr lang="en-US" baseline="0" dirty="0" smtClean="0"/>
+              <a:t> and </a:t>
+            </a:r>
+            <a:r>
+              <a:rPr lang="en-US" baseline="0" dirty="0" err="1" smtClean="0"/>
+              <a:t>SPIctrl</a:t>
+            </a:r>
+            <a:r>
+              <a:rPr lang="en-US" baseline="0" dirty="0" smtClean="0"/>
+              <a:t> interfaces can be used in the RTL code for your SPI master. </a:t>
+            </a:r>
+          </a:p>
+          <a:p>
+            <a:endParaRPr lang="en-US" baseline="0" dirty="0" smtClean="0"/>
+          </a:p>
+          <a:p>
+            <a:r>
+              <a:rPr lang="en-US" baseline="0" dirty="0" smtClean="0"/>
+              <a:t>If this module is the first place in the code for you system where these busses are used, you will need an include statement to pull in the interface definition header file. In this case, the include statement is commented out because the header file is included in the test bench. </a:t>
+            </a:r>
+          </a:p>
+          <a:p>
+            <a:endParaRPr lang="en-US" baseline="0" dirty="0" smtClean="0"/>
+          </a:p>
+          <a:p>
+            <a:r>
+              <a:rPr lang="en-US" baseline="0" dirty="0" smtClean="0"/>
+              <a:t>The port list for the module master specifies </a:t>
+            </a:r>
+            <a:r>
+              <a:rPr lang="en-US" baseline="0" dirty="0" err="1" smtClean="0"/>
+              <a:t>modport</a:t>
+            </a:r>
+            <a:r>
+              <a:rPr lang="en-US" baseline="0" dirty="0" smtClean="0"/>
+              <a:t> </a:t>
+            </a:r>
+            <a:r>
+              <a:rPr lang="en-US" baseline="0" dirty="0" err="1" smtClean="0"/>
+              <a:t>SPIctrl.Master</a:t>
+            </a:r>
+            <a:r>
+              <a:rPr lang="en-US" baseline="0" dirty="0" smtClean="0"/>
+              <a:t> as the first port and assigns it the name Ctrl as the name to be used inside the module. If you look at the code fragment further down, </a:t>
+            </a:r>
+            <a:r>
+              <a:rPr lang="en-US" baseline="0" dirty="0" err="1" smtClean="0"/>
+              <a:t>Ctrl.ss</a:t>
+            </a:r>
+            <a:r>
+              <a:rPr lang="en-US" baseline="0" dirty="0" smtClean="0"/>
+              <a:t> and </a:t>
+            </a:r>
+            <a:r>
+              <a:rPr lang="en-US" baseline="0" dirty="0" err="1" smtClean="0"/>
+              <a:t>Ctrl.toXmit</a:t>
+            </a:r>
+            <a:r>
+              <a:rPr lang="en-US" baseline="0" dirty="0" smtClean="0"/>
+              <a:t> are used as inputs in the  code. </a:t>
+            </a:r>
+          </a:p>
+          <a:p>
+            <a:endParaRPr lang="en-US" baseline="0" dirty="0" smtClean="0"/>
+          </a:p>
+          <a:p>
+            <a:r>
+              <a:rPr lang="en-US" baseline="0" dirty="0" err="1" smtClean="0"/>
+              <a:t>SPIbus.Master</a:t>
+            </a:r>
+            <a:r>
+              <a:rPr lang="en-US" baseline="0" dirty="0" smtClean="0"/>
+              <a:t> is assigned to the name </a:t>
+            </a:r>
+            <a:r>
+              <a:rPr lang="en-US" baseline="0" dirty="0" err="1" smtClean="0"/>
+              <a:t>Spim</a:t>
+            </a:r>
+            <a:r>
+              <a:rPr lang="en-US" baseline="0" dirty="0" smtClean="0"/>
+              <a:t> for use in the master module, but the code fragment below does not use it. </a:t>
+            </a:r>
+            <a:endParaRPr lang="en-US" dirty="0"/>
+          </a:p>
+        </p:txBody>
+      </p:sp>
+      <p:sp>
+        <p:nvSpPr>
+          <p:cNvPr id="4" name="Slide Number Placeholder 3"/>
+          <p:cNvSpPr>
+            <a:spLocks noGrp="1"/>
+          </p:cNvSpPr>
+          <p:nvPr>
+            <p:ph type="sldNum" sz="quarter" idx="10"/>
+          </p:nvPr>
+        </p:nvSpPr>
+        <p:spPr/>
+        <p:txBody>
+          <a:bodyPr/>
+          <a:lstStyle/>
+          <a:p>
+            <a:fld id="{DF32AD44-9341-453D-8870-F92BB11B5648}" type="slidenum">
+              <a:rPr lang="en-US" smtClean="0"/>
+              <a:t>6</a:t>
+            </a:fld>
+            <a:endParaRPr lang="en-US"/>
+          </a:p>
+        </p:txBody>
+      </p:sp>
+    </p:spTree>
+    <p:extLst>
+      <p:ext uri="{BB962C8B-B14F-4D97-AF65-F5344CB8AC3E}">
+        <p14:creationId xmlns:p14="http://schemas.microsoft.com/office/powerpoint/2010/main" val="1531292528"/>
+      </p:ext>
+    </p:extLst>
+  </p:cSld>
+  <p:clrMapOvr>
+    <a:masterClrMapping/>
+  </p:clrMapOvr>
+</p:notes>
+</file>
+
+<file path=ppt/notesSlides/notesSlide7.xml><?xml version="1.0" encoding="utf-8"?>
+<p:notes xmlns:a="http://schemas.openxmlformats.org/drawingml/2006/main" xmlns:r="http://schemas.openxmlformats.org/officeDocument/2006/relationships" xmlns:p="http://schemas.openxmlformats.org/presentationml/2006/main">
+  <p:cSld>
+    <p:spTree>
+      <p:nvGrpSpPr>
+        <p:cNvPr id="1" name=""/>
+        <p:cNvGrpSpPr/>
+        <p:nvPr/>
+      </p:nvGrpSpPr>
+      <p:grpSpPr>
+        <a:xfrm>
+          <a:off x="0" y="0"/>
+          <a:ext cx="0" cy="0"/>
+          <a:chOff x="0" y="0"/>
+          <a:chExt cx="0" cy="0"/>
+        </a:xfrm>
+      </p:grpSpPr>
+      <p:sp>
+        <p:nvSpPr>
+          <p:cNvPr id="2" name="Slide Image Placeholder 1"/>
+          <p:cNvSpPr>
+            <a:spLocks noGrp="1" noRot="1" noChangeAspect="1"/>
+          </p:cNvSpPr>
+          <p:nvPr>
+            <p:ph type="sldImg"/>
+          </p:nvPr>
+        </p:nvSpPr>
+        <p:spPr/>
+      </p:sp>
+      <p:sp>
+        <p:nvSpPr>
+          <p:cNvPr id="3" name="Notes Placeholder 2"/>
+          <p:cNvSpPr>
+            <a:spLocks noGrp="1"/>
+          </p:cNvSpPr>
+          <p:nvPr>
+            <p:ph type="body" idx="1"/>
+          </p:nvPr>
+        </p:nvSpPr>
+        <p:spPr/>
+        <p:txBody>
+          <a:bodyPr/>
+          <a:lstStyle/>
+          <a:p>
+            <a:r>
+              <a:rPr lang="en-US" dirty="0" smtClean="0"/>
+              <a:t>Interfaces</a:t>
+            </a:r>
+            <a:r>
+              <a:rPr lang="en-US" baseline="0" dirty="0" smtClean="0"/>
+              <a:t> can be used both in dataflow and behavioral code. Here, dataflow statements are used to assign  values to outputs </a:t>
+            </a:r>
+            <a:r>
+              <a:rPr lang="en-US" baseline="0" dirty="0" err="1" smtClean="0"/>
+              <a:t>Spim.mosi</a:t>
+            </a:r>
+            <a:r>
+              <a:rPr lang="en-US" baseline="0" dirty="0" smtClean="0"/>
+              <a:t>, </a:t>
+            </a:r>
+            <a:r>
+              <a:rPr lang="en-US" baseline="0" dirty="0" err="1" smtClean="0"/>
+              <a:t>Spim.sck</a:t>
+            </a:r>
+            <a:r>
+              <a:rPr lang="en-US" baseline="0" dirty="0" smtClean="0"/>
+              <a:t>, and </a:t>
+            </a:r>
+            <a:r>
+              <a:rPr lang="en-US" baseline="0" dirty="0" err="1" smtClean="0"/>
+              <a:t>Spim.ss</a:t>
+            </a:r>
+            <a:r>
+              <a:rPr lang="en-US" baseline="0" dirty="0" smtClean="0"/>
+              <a:t>. </a:t>
+            </a:r>
+          </a:p>
+          <a:p>
+            <a:endParaRPr lang="en-US" baseline="0" dirty="0" smtClean="0"/>
+          </a:p>
+          <a:p>
+            <a:r>
+              <a:rPr lang="en-US" baseline="0" dirty="0" smtClean="0"/>
+              <a:t>The code further down assigns output values to </a:t>
+            </a:r>
+            <a:r>
+              <a:rPr lang="en-US" baseline="0" dirty="0" err="1" smtClean="0"/>
+              <a:t>Ctrl.busy</a:t>
+            </a:r>
+            <a:r>
+              <a:rPr lang="en-US" baseline="0" dirty="0" smtClean="0"/>
+              <a:t>. </a:t>
+            </a:r>
+            <a:r>
+              <a:rPr lang="en-US" baseline="0" dirty="0" smtClean="0"/>
+              <a:t>This is a notification to the external system or test bench that the SPI master is busy and unable to accept any new values to be transmitted. </a:t>
+            </a:r>
+            <a:endParaRPr lang="en-US" dirty="0"/>
+          </a:p>
+        </p:txBody>
+      </p:sp>
+      <p:sp>
+        <p:nvSpPr>
+          <p:cNvPr id="4" name="Slide Number Placeholder 3"/>
+          <p:cNvSpPr>
+            <a:spLocks noGrp="1"/>
+          </p:cNvSpPr>
+          <p:nvPr>
+            <p:ph type="sldNum" sz="quarter" idx="10"/>
+          </p:nvPr>
+        </p:nvSpPr>
+        <p:spPr/>
+        <p:txBody>
+          <a:bodyPr/>
+          <a:lstStyle/>
+          <a:p>
+            <a:fld id="{DF32AD44-9341-453D-8870-F92BB11B5648}" type="slidenum">
+              <a:rPr lang="en-US" smtClean="0"/>
+              <a:t>7</a:t>
+            </a:fld>
+            <a:endParaRPr lang="en-US"/>
+          </a:p>
+        </p:txBody>
+      </p:sp>
+    </p:spTree>
+    <p:extLst>
+      <p:ext uri="{BB962C8B-B14F-4D97-AF65-F5344CB8AC3E}">
+        <p14:creationId xmlns:p14="http://schemas.microsoft.com/office/powerpoint/2010/main" val="34337586"/>
+      </p:ext>
+    </p:extLst>
+  </p:cSld>
+  <p:clrMapOvr>
+    <a:masterClrMapping/>
+  </p:clrMapOvr>
+</p:notes>
+</file>
+
+<file path=ppt/notesSlides/notesSlide8.xml><?xml version="1.0" encoding="utf-8"?>
+<p:notes xmlns:a="http://schemas.openxmlformats.org/drawingml/2006/main" xmlns:r="http://schemas.openxmlformats.org/officeDocument/2006/relationships" xmlns:p="http://schemas.openxmlformats.org/presentationml/2006/main">
+  <p:cSld>
+    <p:spTree>
+      <p:nvGrpSpPr>
+        <p:cNvPr id="1" name=""/>
+        <p:cNvGrpSpPr/>
+        <p:nvPr/>
+      </p:nvGrpSpPr>
+      <p:grpSpPr>
+        <a:xfrm>
+          <a:off x="0" y="0"/>
+          <a:ext cx="0" cy="0"/>
+          <a:chOff x="0" y="0"/>
+          <a:chExt cx="0" cy="0"/>
+        </a:xfrm>
+      </p:grpSpPr>
+      <p:sp>
+        <p:nvSpPr>
+          <p:cNvPr id="2" name="Slide Image Placeholder 1"/>
+          <p:cNvSpPr>
+            <a:spLocks noGrp="1" noRot="1" noChangeAspect="1"/>
+          </p:cNvSpPr>
+          <p:nvPr>
+            <p:ph type="sldImg"/>
+          </p:nvPr>
+        </p:nvSpPr>
+        <p:spPr/>
+      </p:sp>
+      <p:sp>
+        <p:nvSpPr>
+          <p:cNvPr id="3" name="Notes Placeholder 2"/>
+          <p:cNvSpPr>
+            <a:spLocks noGrp="1"/>
+          </p:cNvSpPr>
+          <p:nvPr>
+            <p:ph type="body" idx="1"/>
+          </p:nvPr>
+        </p:nvSpPr>
+        <p:spPr/>
+        <p:txBody>
+          <a:bodyPr/>
+          <a:lstStyle/>
+          <a:p>
+            <a:r>
+              <a:rPr lang="en-US" dirty="0" smtClean="0"/>
+              <a:t>Here are examples of how the </a:t>
+            </a:r>
+            <a:r>
+              <a:rPr lang="en-US" dirty="0" err="1" smtClean="0"/>
+              <a:t>SPIbus</a:t>
+            </a:r>
+            <a:r>
+              <a:rPr lang="en-US" dirty="0" smtClean="0"/>
+              <a:t> and </a:t>
+            </a:r>
+            <a:r>
+              <a:rPr lang="en-US" dirty="0" err="1" smtClean="0"/>
+              <a:t>SPIctrl</a:t>
+            </a:r>
+            <a:r>
+              <a:rPr lang="en-US" dirty="0" smtClean="0"/>
+              <a:t> interfaces are used in the SPI slave.</a:t>
+            </a:r>
+            <a:r>
+              <a:rPr lang="en-US" baseline="0" dirty="0" smtClean="0"/>
+              <a:t> The syntax is exactly the same as what was used for the SPI master, but notice that this time different </a:t>
+            </a:r>
+            <a:r>
+              <a:rPr lang="en-US" baseline="0" dirty="0" err="1" smtClean="0"/>
+              <a:t>modports</a:t>
+            </a:r>
+            <a:r>
+              <a:rPr lang="en-US" baseline="0" dirty="0" smtClean="0"/>
+              <a:t> are used. </a:t>
+            </a:r>
+            <a:endParaRPr lang="en-US" dirty="0"/>
+          </a:p>
+        </p:txBody>
+      </p:sp>
+      <p:sp>
+        <p:nvSpPr>
+          <p:cNvPr id="4" name="Slide Number Placeholder 3"/>
+          <p:cNvSpPr>
+            <a:spLocks noGrp="1"/>
+          </p:cNvSpPr>
+          <p:nvPr>
+            <p:ph type="sldNum" sz="quarter" idx="10"/>
+          </p:nvPr>
+        </p:nvSpPr>
+        <p:spPr/>
+        <p:txBody>
+          <a:bodyPr/>
+          <a:lstStyle/>
+          <a:p>
+            <a:fld id="{DF32AD44-9341-453D-8870-F92BB11B5648}" type="slidenum">
+              <a:rPr lang="en-US" smtClean="0"/>
+              <a:t>8</a:t>
+            </a:fld>
+            <a:endParaRPr lang="en-US"/>
+          </a:p>
+        </p:txBody>
+      </p:sp>
+    </p:spTree>
+    <p:extLst>
+      <p:ext uri="{BB962C8B-B14F-4D97-AF65-F5344CB8AC3E}">
+        <p14:creationId xmlns:p14="http://schemas.microsoft.com/office/powerpoint/2010/main" val="3405022135"/>
+      </p:ext>
+    </p:extLst>
+  </p:cSld>
+  <p:clrMapOvr>
+    <a:masterClrMapping/>
+  </p:clrMapOvr>
+</p:notes>
+</file>
+
+<file path=ppt/notesSlides/notesSlide9.xml><?xml version="1.0" encoding="utf-8"?>
+<p:notes xmlns:a="http://schemas.openxmlformats.org/drawingml/2006/main" xmlns:r="http://schemas.openxmlformats.org/officeDocument/2006/relationships" xmlns:p="http://schemas.openxmlformats.org/presentationml/2006/main">
+  <p:cSld>
+    <p:spTree>
+      <p:nvGrpSpPr>
+        <p:cNvPr id="1" name=""/>
+        <p:cNvGrpSpPr/>
+        <p:nvPr/>
+      </p:nvGrpSpPr>
+      <p:grpSpPr>
+        <a:xfrm>
+          <a:off x="0" y="0"/>
+          <a:ext cx="0" cy="0"/>
+          <a:chOff x="0" y="0"/>
+          <a:chExt cx="0" cy="0"/>
+        </a:xfrm>
+      </p:grpSpPr>
+      <p:sp>
+        <p:nvSpPr>
+          <p:cNvPr id="2" name="Slide Image Placeholder 1"/>
+          <p:cNvSpPr>
+            <a:spLocks noGrp="1" noRot="1" noChangeAspect="1"/>
+          </p:cNvSpPr>
+          <p:nvPr>
+            <p:ph type="sldImg"/>
+          </p:nvPr>
+        </p:nvSpPr>
+        <p:spPr/>
+      </p:sp>
+      <p:sp>
+        <p:nvSpPr>
+          <p:cNvPr id="3" name="Notes Placeholder 2"/>
+          <p:cNvSpPr>
+            <a:spLocks noGrp="1"/>
+          </p:cNvSpPr>
+          <p:nvPr>
+            <p:ph type="body" idx="1"/>
+          </p:nvPr>
+        </p:nvSpPr>
+        <p:spPr/>
+        <p:txBody>
+          <a:bodyPr/>
+          <a:lstStyle/>
+          <a:p>
+            <a:r>
+              <a:rPr lang="en-US" dirty="0" smtClean="0"/>
+              <a:t>This</a:t>
+            </a:r>
+            <a:r>
+              <a:rPr lang="en-US" baseline="0" dirty="0" smtClean="0"/>
+              <a:t> and the next couple of slides are used to show how the interfaces are used in a test bench. This test bench treats an SPI master and two SPI slaves collectively as devices under test. The test bench provides data to be transmitted by the master and checks to make sure that the slaves receive the correct value from the master. Similarly the test bench provides data for the slaves to transmit and then checks to make sure that data is correctly received by the master. </a:t>
+            </a:r>
+          </a:p>
+          <a:p>
+            <a:endParaRPr lang="en-US" baseline="0" dirty="0" smtClean="0"/>
+          </a:p>
+          <a:p>
+            <a:r>
+              <a:rPr lang="en-US" baseline="0" dirty="0" smtClean="0"/>
+              <a:t>In the test bench we are using the interfaces and </a:t>
+            </a:r>
+            <a:r>
+              <a:rPr lang="en-US" baseline="0" dirty="0" err="1" smtClean="0"/>
+              <a:t>modports</a:t>
+            </a:r>
+            <a:r>
+              <a:rPr lang="en-US" baseline="0" dirty="0" smtClean="0"/>
+              <a:t> the same way as we would use other data types to declare variables. </a:t>
+            </a:r>
+          </a:p>
+          <a:p>
+            <a:endParaRPr lang="en-US" baseline="0" dirty="0" smtClean="0"/>
+          </a:p>
+          <a:p>
+            <a:r>
+              <a:rPr lang="en-US" baseline="0" dirty="0" err="1" smtClean="0"/>
+              <a:t>SPIbus</a:t>
+            </a:r>
+            <a:r>
+              <a:rPr lang="en-US" baseline="0" dirty="0" smtClean="0"/>
+              <a:t> </a:t>
+            </a:r>
+            <a:r>
+              <a:rPr lang="en-US" baseline="0" dirty="0" err="1" smtClean="0"/>
+              <a:t>spi</a:t>
+            </a:r>
+            <a:r>
+              <a:rPr lang="en-US" baseline="0" dirty="0" smtClean="0"/>
+              <a:t>(); declares </a:t>
+            </a:r>
+            <a:r>
+              <a:rPr lang="en-US" baseline="0" dirty="0" err="1" smtClean="0"/>
+              <a:t>spi</a:t>
+            </a:r>
+            <a:r>
+              <a:rPr lang="en-US" baseline="0" dirty="0" smtClean="0"/>
+              <a:t> as an instance variable for an </a:t>
+            </a:r>
+            <a:r>
+              <a:rPr lang="en-US" baseline="0" dirty="0" err="1" smtClean="0"/>
+              <a:t>SPIbus</a:t>
+            </a:r>
+            <a:r>
+              <a:rPr lang="en-US" baseline="0" dirty="0" smtClean="0"/>
+              <a:t>. </a:t>
+            </a:r>
+          </a:p>
+          <a:p>
+            <a:r>
+              <a:rPr lang="en-US" baseline="0" dirty="0" err="1" smtClean="0"/>
+              <a:t>SPIctrl</a:t>
+            </a:r>
+            <a:r>
+              <a:rPr lang="en-US" baseline="0" dirty="0" smtClean="0"/>
+              <a:t> </a:t>
+            </a:r>
+            <a:r>
+              <a:rPr lang="en-US" baseline="0" dirty="0" err="1" smtClean="0"/>
+              <a:t>tb_ctrlm</a:t>
+            </a:r>
+            <a:r>
+              <a:rPr lang="en-US" baseline="0" dirty="0" smtClean="0"/>
+              <a:t>(); declares </a:t>
+            </a:r>
+            <a:r>
+              <a:rPr lang="en-US" baseline="0" dirty="0" err="1" smtClean="0"/>
+              <a:t>tb_ctrlm</a:t>
+            </a:r>
+            <a:r>
+              <a:rPr lang="en-US" baseline="0" dirty="0" smtClean="0"/>
+              <a:t> as an instance variable for an </a:t>
+            </a:r>
+            <a:r>
+              <a:rPr lang="en-US" baseline="0" dirty="0" err="1" smtClean="0"/>
+              <a:t>SPIctrl</a:t>
+            </a:r>
+            <a:r>
+              <a:rPr lang="en-US" baseline="0" dirty="0" smtClean="0"/>
+              <a:t> bus.</a:t>
+            </a:r>
+          </a:p>
+          <a:p>
+            <a:endParaRPr lang="en-US" baseline="0" dirty="0" smtClean="0"/>
+          </a:p>
+          <a:p>
+            <a:r>
+              <a:rPr lang="en-US" baseline="0" dirty="0" smtClean="0"/>
+              <a:t>Notice that you can declare an array of control busses. In this case, </a:t>
+            </a:r>
+            <a:r>
+              <a:rPr lang="en-US" baseline="0" dirty="0" err="1" smtClean="0"/>
+              <a:t>SPIctrl</a:t>
+            </a:r>
+            <a:r>
+              <a:rPr lang="en-US" baseline="0" dirty="0" smtClean="0"/>
+              <a:t> </a:t>
+            </a:r>
+            <a:r>
+              <a:rPr lang="en-US" baseline="0" dirty="0" err="1" smtClean="0"/>
+              <a:t>tb_ctrls</a:t>
+            </a:r>
+            <a:r>
+              <a:rPr lang="en-US" baseline="0" dirty="0" smtClean="0"/>
+              <a:t>[1:0] declares an array of two </a:t>
+            </a:r>
+            <a:r>
+              <a:rPr lang="en-US" baseline="0" dirty="0" err="1" smtClean="0"/>
+              <a:t>SPIctrl</a:t>
+            </a:r>
+            <a:r>
+              <a:rPr lang="en-US" baseline="0" dirty="0" smtClean="0"/>
+              <a:t> busses. </a:t>
+            </a:r>
+          </a:p>
+          <a:p>
+            <a:endParaRPr lang="en-US" baseline="0" dirty="0" smtClean="0"/>
+          </a:p>
+          <a:p>
+            <a:r>
+              <a:rPr lang="en-US" baseline="0" dirty="0" smtClean="0"/>
+              <a:t>Further down in the test bench, these interface variables are used to connect instances of all of these busses to the SPI master and slave modules. </a:t>
+            </a:r>
+          </a:p>
+        </p:txBody>
+      </p:sp>
+      <p:sp>
+        <p:nvSpPr>
+          <p:cNvPr id="4" name="Slide Number Placeholder 3"/>
+          <p:cNvSpPr>
+            <a:spLocks noGrp="1"/>
+          </p:cNvSpPr>
+          <p:nvPr>
+            <p:ph type="sldNum" sz="quarter" idx="10"/>
+          </p:nvPr>
+        </p:nvSpPr>
+        <p:spPr/>
+        <p:txBody>
+          <a:bodyPr/>
+          <a:lstStyle/>
+          <a:p>
+            <a:fld id="{DF32AD44-9341-453D-8870-F92BB11B5648}" type="slidenum">
+              <a:rPr lang="en-US" smtClean="0"/>
+              <a:t>9</a:t>
+            </a:fld>
+            <a:endParaRPr lang="en-US"/>
+          </a:p>
+        </p:txBody>
+      </p:sp>
+    </p:spTree>
+    <p:extLst>
+      <p:ext uri="{BB962C8B-B14F-4D97-AF65-F5344CB8AC3E}">
+        <p14:creationId xmlns:p14="http://schemas.microsoft.com/office/powerpoint/2010/main" val="3525850967"/>
+      </p:ext>
+    </p:extLst>
+  </p:cSld>
+  <p:clrMapOvr>
+    <a:masterClrMapping/>
+  </p:clrMapOvr>
+</p:notes>
 </file>
 
 <file path=ppt/slideLayouts/slideLayout1.xml><?xml version="1.0" encoding="utf-8"?>
@@ -153,7 +2147,7 @@
           </a:lstStyle>
           <a:p>
             <a:r>
-              <a:rPr lang="en-US" smtClean="0"/>
+              <a:rPr lang="en-US"/>
               <a:t>Click to edit Master title style</a:t>
             </a:r>
             <a:endParaRPr lang="en-US" dirty="0"/>
@@ -218,7 +2212,7 @@
           </a:lstStyle>
           <a:p>
             <a:r>
-              <a:rPr lang="en-US" smtClean="0"/>
+              <a:rPr lang="en-US"/>
               <a:t>Click to edit Master subtitle style</a:t>
             </a:r>
             <a:endParaRPr lang="en-US" dirty="0"/>
@@ -242,7 +2236,7 @@
           <a:p>
             <a:fld id="{6C31861B-2571-4746-BD80-6A0B5E5B8BE5}" type="datetimeFigureOut">
               <a:rPr lang="en-US" smtClean="0"/>
-              <a:t>3/10/2016</a:t>
+              <a:t>4/4/2016</a:t>
             </a:fld>
             <a:endParaRPr lang="en-US"/>
           </a:p>
@@ -336,7 +2330,7 @@
           <a:lstStyle/>
           <a:p>
             <a:r>
-              <a:rPr lang="en-US" smtClean="0"/>
+              <a:rPr lang="en-US"/>
               <a:t>Click to edit Master title style</a:t>
             </a:r>
             <a:endParaRPr lang="en-US" dirty="0"/>
@@ -360,35 +2354,35 @@
           <a:p>
             <a:pPr lvl="0"/>
             <a:r>
-              <a:rPr lang="en-US" smtClean="0"/>
+              <a:rPr lang="en-US"/>
               <a:t>Click to edit Master text styles</a:t>
             </a:r>
           </a:p>
           <a:p>
             <a:pPr lvl="1"/>
             <a:r>
-              <a:rPr lang="en-US" smtClean="0"/>
+              <a:rPr lang="en-US"/>
               <a:t>Second level</a:t>
             </a:r>
           </a:p>
           <a:p>
             <a:pPr lvl="2"/>
             <a:r>
-              <a:rPr lang="en-US" smtClean="0"/>
+              <a:rPr lang="en-US"/>
               <a:t>Third level</a:t>
             </a:r>
           </a:p>
           <a:p>
             <a:pPr lvl="3"/>
             <a:r>
-              <a:rPr lang="en-US" smtClean="0"/>
+              <a:rPr lang="en-US"/>
               <a:t>Fourth level</a:t>
             </a:r>
           </a:p>
           <a:p>
             <a:pPr lvl="4"/>
             <a:r>
-              <a:rPr lang="en-US" smtClean="0"/>
+              <a:rPr lang="en-US"/>
               <a:t>Fifth level</a:t>
             </a:r>
             <a:endParaRPr lang="en-US" dirty="0"/>
@@ -412,7 +2406,7 @@
           <a:p>
             <a:fld id="{6C31861B-2571-4746-BD80-6A0B5E5B8BE5}" type="datetimeFigureOut">
               <a:rPr lang="en-US" smtClean="0"/>
-              <a:t>3/10/2016</a:t>
+              <a:t>4/4/2016</a:t>
             </a:fld>
             <a:endParaRPr lang="en-US"/>
           </a:p>
@@ -511,7 +2505,7 @@
           <a:lstStyle/>
           <a:p>
             <a:r>
-              <a:rPr lang="en-US" smtClean="0"/>
+              <a:rPr lang="en-US"/>
               <a:t>Click to edit Master title style</a:t>
             </a:r>
             <a:endParaRPr lang="en-US" dirty="0"/>
@@ -540,35 +2534,35 @@
           <a:p>
             <a:pPr lvl="0"/>
             <a:r>
-              <a:rPr lang="en-US" smtClean="0"/>
+              <a:rPr lang="en-US"/>
               <a:t>Click to edit Master text styles</a:t>
             </a:r>
           </a:p>
           <a:p>
             <a:pPr lvl="1"/>
             <a:r>
-              <a:rPr lang="en-US" smtClean="0"/>
+              <a:rPr lang="en-US"/>
               <a:t>Second level</a:t>
             </a:r>
           </a:p>
           <a:p>
             <a:pPr lvl="2"/>
             <a:r>
-              <a:rPr lang="en-US" smtClean="0"/>
+              <a:rPr lang="en-US"/>
               <a:t>Third level</a:t>
             </a:r>
           </a:p>
           <a:p>
             <a:pPr lvl="3"/>
             <a:r>
-              <a:rPr lang="en-US" smtClean="0"/>
+              <a:rPr lang="en-US"/>
               <a:t>Fourth level</a:t>
             </a:r>
           </a:p>
           <a:p>
             <a:pPr lvl="4"/>
             <a:r>
-              <a:rPr lang="en-US" smtClean="0"/>
+              <a:rPr lang="en-US"/>
               <a:t>Fifth level</a:t>
             </a:r>
             <a:endParaRPr lang="en-US" dirty="0"/>
@@ -592,7 +2586,7 @@
           <a:p>
             <a:fld id="{6C31861B-2571-4746-BD80-6A0B5E5B8BE5}" type="datetimeFigureOut">
               <a:rPr lang="en-US" smtClean="0"/>
-              <a:t>3/10/2016</a:t>
+              <a:t>4/4/2016</a:t>
             </a:fld>
             <a:endParaRPr lang="en-US"/>
           </a:p>
@@ -686,7 +2680,7 @@
           <a:lstStyle/>
           <a:p>
             <a:r>
-              <a:rPr lang="en-US" smtClean="0"/>
+              <a:rPr lang="en-US"/>
               <a:t>Click to edit Master title style</a:t>
             </a:r>
             <a:endParaRPr lang="en-US" dirty="0"/>
@@ -710,35 +2704,35 @@
           <a:p>
             <a:pPr lvl="0"/>
             <a:r>
-              <a:rPr lang="en-US" smtClean="0"/>
+              <a:rPr lang="en-US"/>
               <a:t>Click to edit Master text styles</a:t>
             </a:r>
           </a:p>
           <a:p>
             <a:pPr lvl="1"/>
             <a:r>
-              <a:rPr lang="en-US" smtClean="0"/>
+              <a:rPr lang="en-US"/>
               <a:t>Second level</a:t>
             </a:r>
           </a:p>
           <a:p>
             <a:pPr lvl="2"/>
             <a:r>
-              <a:rPr lang="en-US" smtClean="0"/>
+              <a:rPr lang="en-US"/>
               <a:t>Third level</a:t>
             </a:r>
           </a:p>
           <a:p>
             <a:pPr lvl="3"/>
             <a:r>
-              <a:rPr lang="en-US" smtClean="0"/>
+              <a:rPr lang="en-US"/>
               <a:t>Fourth level</a:t>
             </a:r>
           </a:p>
           <a:p>
             <a:pPr lvl="4"/>
             <a:r>
-              <a:rPr lang="en-US" smtClean="0"/>
+              <a:rPr lang="en-US"/>
               <a:t>Fifth level</a:t>
             </a:r>
             <a:endParaRPr lang="en-US" dirty="0"/>
@@ -762,7 +2756,7 @@
           <a:p>
             <a:fld id="{6C31861B-2571-4746-BD80-6A0B5E5B8BE5}" type="datetimeFigureOut">
               <a:rPr lang="en-US" smtClean="0"/>
-              <a:t>3/10/2016</a:t>
+              <a:t>4/4/2016</a:t>
             </a:fld>
             <a:endParaRPr lang="en-US"/>
           </a:p>
@@ -865,7 +2859,7 @@
           </a:lstStyle>
           <a:p>
             <a:r>
-              <a:rPr lang="en-US" smtClean="0"/>
+              <a:rPr lang="en-US"/>
               <a:t>Click to edit Master title style</a:t>
             </a:r>
             <a:endParaRPr lang="en-US" dirty="0"/>
@@ -983,7 +2977,7 @@
           <a:p>
             <a:pPr lvl="0"/>
             <a:r>
-              <a:rPr lang="en-US" smtClean="0"/>
+              <a:rPr lang="en-US"/>
               <a:t>Click to edit Master text styles</a:t>
             </a:r>
           </a:p>
@@ -1006,7 +3000,7 @@
           <a:p>
             <a:fld id="{6C31861B-2571-4746-BD80-6A0B5E5B8BE5}" type="datetimeFigureOut">
               <a:rPr lang="en-US" smtClean="0"/>
-              <a:t>3/10/2016</a:t>
+              <a:t>4/4/2016</a:t>
             </a:fld>
             <a:endParaRPr lang="en-US"/>
           </a:p>
@@ -1100,7 +3094,7 @@
           <a:lstStyle/>
           <a:p>
             <a:r>
-              <a:rPr lang="en-US" smtClean="0"/>
+              <a:rPr lang="en-US"/>
               <a:t>Click to edit Master title style</a:t>
             </a:r>
             <a:endParaRPr lang="en-US" dirty="0"/>
@@ -1129,35 +3123,35 @@
           <a:p>
             <a:pPr lvl="0"/>
             <a:r>
-              <a:rPr lang="en-US" smtClean="0"/>
+              <a:rPr lang="en-US"/>
               <a:t>Click to edit Master text styles</a:t>
             </a:r>
           </a:p>
           <a:p>
             <a:pPr lvl="1"/>
             <a:r>
-              <a:rPr lang="en-US" smtClean="0"/>
+              <a:rPr lang="en-US"/>
               <a:t>Second level</a:t>
             </a:r>
           </a:p>
           <a:p>
             <a:pPr lvl="2"/>
             <a:r>
-              <a:rPr lang="en-US" smtClean="0"/>
+              <a:rPr lang="en-US"/>
               <a:t>Third level</a:t>
             </a:r>
           </a:p>
           <a:p>
             <a:pPr lvl="3"/>
             <a:r>
-              <a:rPr lang="en-US" smtClean="0"/>
+              <a:rPr lang="en-US"/>
               <a:t>Fourth level</a:t>
             </a:r>
           </a:p>
           <a:p>
             <a:pPr lvl="4"/>
             <a:r>
-              <a:rPr lang="en-US" smtClean="0"/>
+              <a:rPr lang="en-US"/>
               <a:t>Fifth level</a:t>
             </a:r>
             <a:endParaRPr lang="en-US" dirty="0"/>
@@ -1186,35 +3180,35 @@
           <a:p>
             <a:pPr lvl="0"/>
             <a:r>
-              <a:rPr lang="en-US" smtClean="0"/>
+              <a:rPr lang="en-US"/>
               <a:t>Click to edit Master text styles</a:t>
             </a:r>
           </a:p>
           <a:p>
             <a:pPr lvl="1"/>
             <a:r>
-              <a:rPr lang="en-US" smtClean="0"/>
+              <a:rPr lang="en-US"/>
               <a:t>Second level</a:t>
             </a:r>
           </a:p>
           <a:p>
             <a:pPr lvl="2"/>
             <a:r>
-              <a:rPr lang="en-US" smtClean="0"/>
+              <a:rPr lang="en-US"/>
               <a:t>Third level</a:t>
             </a:r>
           </a:p>
           <a:p>
             <a:pPr lvl="3"/>
             <a:r>
-              <a:rPr lang="en-US" smtClean="0"/>
+              <a:rPr lang="en-US"/>
               <a:t>Fourth level</a:t>
             </a:r>
           </a:p>
           <a:p>
             <a:pPr lvl="4"/>
             <a:r>
-              <a:rPr lang="en-US" smtClean="0"/>
+              <a:rPr lang="en-US"/>
               <a:t>Fifth level</a:t>
             </a:r>
             <a:endParaRPr lang="en-US" dirty="0"/>
@@ -1238,7 +3232,7 @@
           <a:p>
             <a:fld id="{6C31861B-2571-4746-BD80-6A0B5E5B8BE5}" type="datetimeFigureOut">
               <a:rPr lang="en-US" smtClean="0"/>
-              <a:t>3/10/2016</a:t>
+              <a:t>4/4/2016</a:t>
             </a:fld>
             <a:endParaRPr lang="en-US"/>
           </a:p>
@@ -1337,7 +3331,7 @@
           <a:lstStyle/>
           <a:p>
             <a:r>
-              <a:rPr lang="en-US" smtClean="0"/>
+              <a:rPr lang="en-US"/>
               <a:t>Click to edit Master title style</a:t>
             </a:r>
             <a:endParaRPr lang="en-US" dirty="0"/>
@@ -1403,7 +3397,7 @@
           <a:p>
             <a:pPr lvl="0"/>
             <a:r>
-              <a:rPr lang="en-US" smtClean="0"/>
+              <a:rPr lang="en-US"/>
               <a:t>Click to edit Master text styles</a:t>
             </a:r>
           </a:p>
@@ -1431,35 +3425,35 @@
           <a:p>
             <a:pPr lvl="0"/>
             <a:r>
-              <a:rPr lang="en-US" smtClean="0"/>
+              <a:rPr lang="en-US"/>
               <a:t>Click to edit Master text styles</a:t>
             </a:r>
           </a:p>
           <a:p>
             <a:pPr lvl="1"/>
             <a:r>
-              <a:rPr lang="en-US" smtClean="0"/>
+              <a:rPr lang="en-US"/>
               <a:t>Second level</a:t>
             </a:r>
           </a:p>
           <a:p>
             <a:pPr lvl="2"/>
             <a:r>
-              <a:rPr lang="en-US" smtClean="0"/>
+              <a:rPr lang="en-US"/>
               <a:t>Third level</a:t>
             </a:r>
           </a:p>
           <a:p>
             <a:pPr lvl="3"/>
             <a:r>
-              <a:rPr lang="en-US" smtClean="0"/>
+              <a:rPr lang="en-US"/>
               <a:t>Fourth level</a:t>
             </a:r>
           </a:p>
           <a:p>
             <a:pPr lvl="4"/>
             <a:r>
-              <a:rPr lang="en-US" smtClean="0"/>
+              <a:rPr lang="en-US"/>
               <a:t>Fifth level</a:t>
             </a:r>
             <a:endParaRPr lang="en-US" dirty="0"/>
@@ -1525,7 +3519,7 @@
           <a:p>
             <a:pPr lvl="0"/>
             <a:r>
-              <a:rPr lang="en-US" smtClean="0"/>
+              <a:rPr lang="en-US"/>
               <a:t>Click to edit Master text styles</a:t>
             </a:r>
           </a:p>
@@ -1553,35 +3547,35 @@
           <a:p>
             <a:pPr lvl="0"/>
             <a:r>
-              <a:rPr lang="en-US" smtClean="0"/>
+              <a:rPr lang="en-US"/>
               <a:t>Click to edit Master text styles</a:t>
             </a:r>
           </a:p>
           <a:p>
             <a:pPr lvl="1"/>
             <a:r>
-              <a:rPr lang="en-US" smtClean="0"/>
+              <a:rPr lang="en-US"/>
               <a:t>Second level</a:t>
             </a:r>
           </a:p>
           <a:p>
             <a:pPr lvl="2"/>
             <a:r>
-              <a:rPr lang="en-US" smtClean="0"/>
+              <a:rPr lang="en-US"/>
               <a:t>Third level</a:t>
             </a:r>
           </a:p>
           <a:p>
             <a:pPr lvl="3"/>
             <a:r>
-              <a:rPr lang="en-US" smtClean="0"/>
+              <a:rPr lang="en-US"/>
               <a:t>Fourth level</a:t>
             </a:r>
           </a:p>
           <a:p>
             <a:pPr lvl="4"/>
             <a:r>
-              <a:rPr lang="en-US" smtClean="0"/>
+              <a:rPr lang="en-US"/>
               <a:t>Fifth level</a:t>
             </a:r>
             <a:endParaRPr lang="en-US" dirty="0"/>
@@ -1605,7 +3599,7 @@
           <a:p>
             <a:fld id="{6C31861B-2571-4746-BD80-6A0B5E5B8BE5}" type="datetimeFigureOut">
               <a:rPr lang="en-US" smtClean="0"/>
-              <a:t>3/10/2016</a:t>
+              <a:t>4/4/2016</a:t>
             </a:fld>
             <a:endParaRPr lang="en-US"/>
           </a:p>
@@ -1699,7 +3693,7 @@
           <a:lstStyle/>
           <a:p>
             <a:r>
-              <a:rPr lang="en-US" smtClean="0"/>
+              <a:rPr lang="en-US"/>
               <a:t>Click to edit Master title style</a:t>
             </a:r>
             <a:endParaRPr lang="en-US" dirty="0"/>
@@ -1723,7 +3717,7 @@
           <a:p>
             <a:fld id="{6C31861B-2571-4746-BD80-6A0B5E5B8BE5}" type="datetimeFigureOut">
               <a:rPr lang="en-US" smtClean="0"/>
-              <a:t>3/10/2016</a:t>
+              <a:t>4/4/2016</a:t>
             </a:fld>
             <a:endParaRPr lang="en-US"/>
           </a:p>
@@ -1818,7 +3812,7 @@
           <a:p>
             <a:fld id="{6C31861B-2571-4746-BD80-6A0B5E5B8BE5}" type="datetimeFigureOut">
               <a:rPr lang="en-US" smtClean="0"/>
-              <a:t>3/10/2016</a:t>
+              <a:t>4/4/2016</a:t>
             </a:fld>
             <a:endParaRPr lang="en-US"/>
           </a:p>
@@ -1921,7 +3915,7 @@
           </a:lstStyle>
           <a:p>
             <a:r>
-              <a:rPr lang="en-US" smtClean="0"/>
+              <a:rPr lang="en-US"/>
               <a:t>Click to edit Master title style</a:t>
             </a:r>
             <a:endParaRPr lang="en-US" dirty="0"/>
@@ -1978,35 +3972,35 @@
           <a:p>
             <a:pPr lvl="0"/>
             <a:r>
-              <a:rPr lang="en-US" smtClean="0"/>
+              <a:rPr lang="en-US"/>
               <a:t>Click to edit Master text styles</a:t>
             </a:r>
           </a:p>
           <a:p>
             <a:pPr lvl="1"/>
             <a:r>
-              <a:rPr lang="en-US" smtClean="0"/>
+              <a:rPr lang="en-US"/>
               <a:t>Second level</a:t>
             </a:r>
           </a:p>
           <a:p>
             <a:pPr lvl="2"/>
             <a:r>
-              <a:rPr lang="en-US" smtClean="0"/>
+              <a:rPr lang="en-US"/>
               <a:t>Third level</a:t>
             </a:r>
           </a:p>
           <a:p>
             <a:pPr lvl="3"/>
             <a:r>
-              <a:rPr lang="en-US" smtClean="0"/>
+              <a:rPr lang="en-US"/>
               <a:t>Fourth level</a:t>
             </a:r>
           </a:p>
           <a:p>
             <a:pPr lvl="4"/>
             <a:r>
-              <a:rPr lang="en-US" smtClean="0"/>
+              <a:rPr lang="en-US"/>
               <a:t>Fifth level</a:t>
             </a:r>
             <a:endParaRPr lang="en-US" dirty="0"/>
@@ -2072,7 +4066,7 @@
           <a:p>
             <a:pPr lvl="0"/>
             <a:r>
-              <a:rPr lang="en-US" smtClean="0"/>
+              <a:rPr lang="en-US"/>
               <a:t>Click to edit Master text styles</a:t>
             </a:r>
           </a:p>
@@ -2095,7 +4089,7 @@
           <a:p>
             <a:fld id="{6C31861B-2571-4746-BD80-6A0B5E5B8BE5}" type="datetimeFigureOut">
               <a:rPr lang="en-US" smtClean="0"/>
-              <a:t>3/10/2016</a:t>
+              <a:t>4/4/2016</a:t>
             </a:fld>
             <a:endParaRPr lang="en-US"/>
           </a:p>
@@ -2198,7 +4192,7 @@
           </a:lstStyle>
           <a:p>
             <a:r>
-              <a:rPr lang="en-US" smtClean="0"/>
+              <a:rPr lang="en-US"/>
               <a:t>Click to edit Master title style</a:t>
             </a:r>
             <a:endParaRPr lang="en-US" dirty="0"/>
@@ -2263,7 +4257,7 @@
           </a:lstStyle>
           <a:p>
             <a:r>
-              <a:rPr lang="en-US" smtClean="0"/>
+              <a:rPr lang="en-US"/>
               <a:t>Click icon to add picture</a:t>
             </a:r>
             <a:endParaRPr lang="en-US" dirty="0"/>
@@ -2329,7 +4323,7 @@
           <a:p>
             <a:pPr lvl="0"/>
             <a:r>
-              <a:rPr lang="en-US" smtClean="0"/>
+              <a:rPr lang="en-US"/>
               <a:t>Click to edit Master text styles</a:t>
             </a:r>
           </a:p>
@@ -2352,7 +4346,7 @@
           <a:p>
             <a:fld id="{6C31861B-2571-4746-BD80-6A0B5E5B8BE5}" type="datetimeFigureOut">
               <a:rPr lang="en-US" smtClean="0"/>
-              <a:t>3/10/2016</a:t>
+              <a:t>4/4/2016</a:t>
             </a:fld>
             <a:endParaRPr lang="en-US"/>
           </a:p>
@@ -2461,7 +4455,7 @@
           <a:lstStyle/>
           <a:p>
             <a:r>
-              <a:rPr lang="en-US" smtClean="0"/>
+              <a:rPr lang="en-US"/>
               <a:t>Click to edit Master title style</a:t>
             </a:r>
             <a:endParaRPr lang="en-US" dirty="0"/>
@@ -2495,35 +4489,35 @@
           <a:p>
             <a:pPr lvl="0"/>
             <a:r>
-              <a:rPr lang="en-US" smtClean="0"/>
+              <a:rPr lang="en-US"/>
               <a:t>Click to edit Master text styles</a:t>
             </a:r>
           </a:p>
           <a:p>
             <a:pPr lvl="1"/>
             <a:r>
-              <a:rPr lang="en-US" smtClean="0"/>
+              <a:rPr lang="en-US"/>
               <a:t>Second level</a:t>
             </a:r>
           </a:p>
           <a:p>
             <a:pPr lvl="2"/>
             <a:r>
-              <a:rPr lang="en-US" smtClean="0"/>
+              <a:rPr lang="en-US"/>
               <a:t>Third level</a:t>
             </a:r>
           </a:p>
           <a:p>
             <a:pPr lvl="3"/>
             <a:r>
-              <a:rPr lang="en-US" smtClean="0"/>
+              <a:rPr lang="en-US"/>
               <a:t>Fourth level</a:t>
             </a:r>
           </a:p>
           <a:p>
             <a:pPr lvl="4"/>
             <a:r>
-              <a:rPr lang="en-US" smtClean="0"/>
+              <a:rPr lang="en-US"/>
               <a:t>Fifth level</a:t>
             </a:r>
             <a:endParaRPr lang="en-US" dirty="0"/>
@@ -2565,7 +4559,7 @@
           <a:p>
             <a:fld id="{6C31861B-2571-4746-BD80-6A0B5E5B8BE5}" type="datetimeFigureOut">
               <a:rPr lang="en-US" smtClean="0"/>
-              <a:t>3/10/2016</a:t>
+              <a:t>4/4/2016</a:t>
             </a:fld>
             <a:endParaRPr lang="en-US"/>
           </a:p>
@@ -2988,17 +4982,16 @@
           <a:lstStyle/>
           <a:p>
             <a:r>
-              <a:rPr lang="en-US" sz="4400" dirty="0" smtClean="0"/>
+              <a:rPr lang="en-US" sz="4400" dirty="0"/>
               <a:t>Use of SystemVerilog Interfaces in RTL Design and Test Benches</a:t>
             </a:r>
             <a:br>
-              <a:rPr lang="en-US" sz="4400" dirty="0" smtClean="0"/>
+              <a:rPr lang="en-US" sz="4400" dirty="0"/>
             </a:br>
             <a:r>
-              <a:rPr lang="en-US" sz="4400" dirty="0" smtClean="0"/>
+              <a:rPr lang="en-US" sz="4400" dirty="0"/>
               <a:t>A small example based on SPI</a:t>
             </a:r>
-            <a:endParaRPr lang="en-US" sz="4400" dirty="0"/>
           </a:p>
         </p:txBody>
       </p:sp>
@@ -3018,16 +5011,15 @@
           <a:lstStyle/>
           <a:p>
             <a:r>
-              <a:rPr lang="en-US" dirty="0" smtClean="0"/>
+              <a:rPr lang="en-US" dirty="0"/>
               <a:t>Dr. Mark C. Johnson</a:t>
             </a:r>
           </a:p>
           <a:p>
             <a:r>
-              <a:rPr lang="en-US" dirty="0" smtClean="0"/>
+              <a:rPr lang="en-US" dirty="0"/>
               <a:t>March, 2016</a:t>
             </a:r>
-            <a:endParaRPr lang="en-US" dirty="0"/>
           </a:p>
         </p:txBody>
       </p:sp>
@@ -3035,6 +5027,2151 @@
     <p:extLst>
       <p:ext uri="{BB962C8B-B14F-4D97-AF65-F5344CB8AC3E}">
         <p14:creationId xmlns:p14="http://schemas.microsoft.com/office/powerpoint/2010/main" val="2842307504"/>
+      </p:ext>
+    </p:extLst>
+  </p:cSld>
+  <p:clrMapOvr>
+    <a:masterClrMapping/>
+  </p:clrMapOvr>
+</p:sld>
+</file>
+
+<file path=ppt/slides/slide10.xml><?xml version="1.0" encoding="utf-8"?>
+<p:sld xmlns:a="http://schemas.openxmlformats.org/drawingml/2006/main" xmlns:r="http://schemas.openxmlformats.org/officeDocument/2006/relationships" xmlns:p="http://schemas.openxmlformats.org/presentationml/2006/main">
+  <p:cSld>
+    <p:spTree>
+      <p:nvGrpSpPr>
+        <p:cNvPr id="1" name=""/>
+        <p:cNvGrpSpPr/>
+        <p:nvPr/>
+      </p:nvGrpSpPr>
+      <p:grpSpPr>
+        <a:xfrm>
+          <a:off x="0" y="0"/>
+          <a:ext cx="0" cy="0"/>
+          <a:chOff x="0" y="0"/>
+          <a:chExt cx="0" cy="0"/>
+        </a:xfrm>
+      </p:grpSpPr>
+      <p:sp>
+        <p:nvSpPr>
+          <p:cNvPr id="4" name="TextBox 3"/>
+          <p:cNvSpPr txBox="1"/>
+          <p:nvPr/>
+        </p:nvSpPr>
+        <p:spPr>
+          <a:xfrm>
+            <a:off x="342900" y="203200"/>
+            <a:ext cx="4452244" cy="523220"/>
+          </a:xfrm>
+          <a:prstGeom prst="rect">
+            <a:avLst/>
+          </a:prstGeom>
+          <a:noFill/>
+        </p:spPr>
+        <p:txBody>
+          <a:bodyPr wrap="none" rtlCol="0">
+            <a:spAutoFit/>
+          </a:bodyPr>
+          <a:lstStyle/>
+          <a:p>
+            <a:r>
+              <a:rPr lang="en-US" sz="2800" dirty="0"/>
+              <a:t>Use of interface in test bench</a:t>
+            </a:r>
+          </a:p>
+        </p:txBody>
+      </p:sp>
+      <p:pic>
+        <p:nvPicPr>
+          <p:cNvPr id="9" name="Picture 8" descr="Screen Clipping"/>
+          <p:cNvPicPr>
+            <a:picLocks noChangeAspect="1"/>
+          </p:cNvPicPr>
+          <p:nvPr/>
+        </p:nvPicPr>
+        <p:blipFill>
+          <a:blip r:embed="rId3">
+            <a:extLst>
+              <a:ext uri="{BEBA8EAE-BF5A-486C-A8C5-ECC9F3942E4B}">
+                <a14:imgProps xmlns:a14="http://schemas.microsoft.com/office/drawing/2010/main">
+                  <a14:imgLayer r:embed="rId4">
+                    <a14:imgEffect>
+                      <a14:brightnessContrast bright="-40000" contrast="80000"/>
+                    </a14:imgEffect>
+                  </a14:imgLayer>
+                </a14:imgProps>
+              </a:ext>
+              <a:ext uri="{28A0092B-C50C-407E-A947-70E740481C1C}">
+                <a14:useLocalDpi xmlns:a14="http://schemas.microsoft.com/office/drawing/2010/main" val="0"/>
+              </a:ext>
+            </a:extLst>
+          </a:blip>
+          <a:stretch>
+            <a:fillRect/>
+          </a:stretch>
+        </p:blipFill>
+        <p:spPr>
+          <a:xfrm>
+            <a:off x="680783" y="992934"/>
+            <a:ext cx="3629960" cy="2643421"/>
+          </a:xfrm>
+          <a:prstGeom prst="rect">
+            <a:avLst/>
+          </a:prstGeom>
+        </p:spPr>
+      </p:pic>
+      <p:sp>
+        <p:nvSpPr>
+          <p:cNvPr id="10" name="TextBox 9"/>
+          <p:cNvSpPr txBox="1"/>
+          <p:nvPr/>
+        </p:nvSpPr>
+        <p:spPr>
+          <a:xfrm>
+            <a:off x="4669104" y="1213805"/>
+            <a:ext cx="3729034" cy="1200329"/>
+          </a:xfrm>
+          <a:prstGeom prst="rect">
+            <a:avLst/>
+          </a:prstGeom>
+          <a:noFill/>
+        </p:spPr>
+        <p:txBody>
+          <a:bodyPr wrap="none" rtlCol="0">
+            <a:spAutoFit/>
+          </a:bodyPr>
+          <a:lstStyle/>
+          <a:p>
+            <a:r>
+              <a:rPr lang="en-US" dirty="0"/>
+              <a:t>the mapped netlists from design</a:t>
+            </a:r>
+          </a:p>
+          <a:p>
+            <a:r>
+              <a:rPr lang="en-US" dirty="0"/>
+              <a:t>compiler do not use interfaces as</a:t>
+            </a:r>
+          </a:p>
+          <a:p>
+            <a:r>
+              <a:rPr lang="en-US" dirty="0"/>
+              <a:t>ports, so one must pass each element</a:t>
+            </a:r>
+          </a:p>
+          <a:p>
+            <a:r>
+              <a:rPr lang="en-US" dirty="0"/>
+              <a:t>separately as an input or output</a:t>
+            </a:r>
+          </a:p>
+        </p:txBody>
+      </p:sp>
+      <p:pic>
+        <p:nvPicPr>
+          <p:cNvPr id="11" name="Picture 10" descr="Screen Clipping"/>
+          <p:cNvPicPr>
+            <a:picLocks noChangeAspect="1"/>
+          </p:cNvPicPr>
+          <p:nvPr/>
+        </p:nvPicPr>
+        <p:blipFill>
+          <a:blip r:embed="rId5">
+            <a:extLst>
+              <a:ext uri="{BEBA8EAE-BF5A-486C-A8C5-ECC9F3942E4B}">
+                <a14:imgProps xmlns:a14="http://schemas.microsoft.com/office/drawing/2010/main">
+                  <a14:imgLayer r:embed="rId6">
+                    <a14:imgEffect>
+                      <a14:brightnessContrast bright="-40000" contrast="80000"/>
+                    </a14:imgEffect>
+                  </a14:imgLayer>
+                </a14:imgProps>
+              </a:ext>
+              <a:ext uri="{28A0092B-C50C-407E-A947-70E740481C1C}">
+                <a14:useLocalDpi xmlns:a14="http://schemas.microsoft.com/office/drawing/2010/main" val="0"/>
+              </a:ext>
+            </a:extLst>
+          </a:blip>
+          <a:stretch>
+            <a:fillRect/>
+          </a:stretch>
+        </p:blipFill>
+        <p:spPr>
+          <a:xfrm>
+            <a:off x="684427" y="4144488"/>
+            <a:ext cx="8371336" cy="1212855"/>
+          </a:xfrm>
+          <a:prstGeom prst="rect">
+            <a:avLst/>
+          </a:prstGeom>
+        </p:spPr>
+      </p:pic>
+      <p:sp>
+        <p:nvSpPr>
+          <p:cNvPr id="12" name="TextBox 11"/>
+          <p:cNvSpPr txBox="1"/>
+          <p:nvPr/>
+        </p:nvSpPr>
+        <p:spPr>
+          <a:xfrm>
+            <a:off x="1310910" y="5454030"/>
+            <a:ext cx="6315511" cy="646331"/>
+          </a:xfrm>
+          <a:prstGeom prst="rect">
+            <a:avLst/>
+          </a:prstGeom>
+          <a:noFill/>
+        </p:spPr>
+        <p:txBody>
+          <a:bodyPr wrap="none" rtlCol="0">
+            <a:spAutoFit/>
+          </a:bodyPr>
+          <a:lstStyle/>
+          <a:p>
+            <a:r>
+              <a:rPr lang="en-US" dirty="0"/>
+              <a:t>Interfaces can be used in test bench expressions and assignments</a:t>
+            </a:r>
+          </a:p>
+          <a:p>
+            <a:r>
+              <a:rPr lang="en-US" dirty="0"/>
+              <a:t>just as they were in the Master and Slave RTL code. </a:t>
+            </a:r>
+          </a:p>
+        </p:txBody>
+      </p:sp>
+    </p:spTree>
+    <p:extLst>
+      <p:ext uri="{BB962C8B-B14F-4D97-AF65-F5344CB8AC3E}">
+        <p14:creationId xmlns:p14="http://schemas.microsoft.com/office/powerpoint/2010/main" val="4001653688"/>
+      </p:ext>
+    </p:extLst>
+  </p:cSld>
+  <p:clrMapOvr>
+    <a:masterClrMapping/>
+  </p:clrMapOvr>
+</p:sld>
+</file>
+
+<file path=ppt/slides/slide11.xml><?xml version="1.0" encoding="utf-8"?>
+<p:sld xmlns:a="http://schemas.openxmlformats.org/drawingml/2006/main" xmlns:r="http://schemas.openxmlformats.org/officeDocument/2006/relationships" xmlns:p="http://schemas.openxmlformats.org/presentationml/2006/main">
+  <p:cSld>
+    <p:spTree>
+      <p:nvGrpSpPr>
+        <p:cNvPr id="1" name=""/>
+        <p:cNvGrpSpPr/>
+        <p:nvPr/>
+      </p:nvGrpSpPr>
+      <p:grpSpPr>
+        <a:xfrm>
+          <a:off x="0" y="0"/>
+          <a:ext cx="0" cy="0"/>
+          <a:chOff x="0" y="0"/>
+          <a:chExt cx="0" cy="0"/>
+        </a:xfrm>
+      </p:grpSpPr>
+      <p:sp>
+        <p:nvSpPr>
+          <p:cNvPr id="4" name="TextBox 3"/>
+          <p:cNvSpPr txBox="1"/>
+          <p:nvPr/>
+        </p:nvSpPr>
+        <p:spPr>
+          <a:xfrm>
+            <a:off x="342900" y="203200"/>
+            <a:ext cx="4452244" cy="523220"/>
+          </a:xfrm>
+          <a:prstGeom prst="rect">
+            <a:avLst/>
+          </a:prstGeom>
+          <a:noFill/>
+        </p:spPr>
+        <p:txBody>
+          <a:bodyPr wrap="none" rtlCol="0">
+            <a:spAutoFit/>
+          </a:bodyPr>
+          <a:lstStyle/>
+          <a:p>
+            <a:r>
+              <a:rPr lang="en-US" sz="2800" dirty="0"/>
+              <a:t>Use of interface in test bench</a:t>
+            </a:r>
+          </a:p>
+        </p:txBody>
+      </p:sp>
+      <p:pic>
+        <p:nvPicPr>
+          <p:cNvPr id="2" name="Picture 1" descr="Screen Clipping"/>
+          <p:cNvPicPr>
+            <a:picLocks noChangeAspect="1"/>
+          </p:cNvPicPr>
+          <p:nvPr/>
+        </p:nvPicPr>
+        <p:blipFill>
+          <a:blip r:embed="rId3">
+            <a:extLst>
+              <a:ext uri="{BEBA8EAE-BF5A-486C-A8C5-ECC9F3942E4B}">
+                <a14:imgProps xmlns:a14="http://schemas.microsoft.com/office/drawing/2010/main">
+                  <a14:imgLayer r:embed="rId4">
+                    <a14:imgEffect>
+                      <a14:brightnessContrast bright="-40000" contrast="80000"/>
+                    </a14:imgEffect>
+                  </a14:imgLayer>
+                </a14:imgProps>
+              </a:ext>
+              <a:ext uri="{28A0092B-C50C-407E-A947-70E740481C1C}">
+                <a14:useLocalDpi xmlns:a14="http://schemas.microsoft.com/office/drawing/2010/main" val="0"/>
+              </a:ext>
+            </a:extLst>
+          </a:blip>
+          <a:stretch>
+            <a:fillRect/>
+          </a:stretch>
+        </p:blipFill>
+        <p:spPr>
+          <a:xfrm>
+            <a:off x="679731" y="788840"/>
+            <a:ext cx="7967825" cy="2880635"/>
+          </a:xfrm>
+          <a:prstGeom prst="rect">
+            <a:avLst/>
+          </a:prstGeom>
+        </p:spPr>
+      </p:pic>
+      <p:sp>
+        <p:nvSpPr>
+          <p:cNvPr id="3" name="TextBox 2"/>
+          <p:cNvSpPr txBox="1"/>
+          <p:nvPr/>
+        </p:nvSpPr>
+        <p:spPr>
+          <a:xfrm>
+            <a:off x="4410159" y="1780247"/>
+            <a:ext cx="3576813" cy="1477328"/>
+          </a:xfrm>
+          <a:prstGeom prst="rect">
+            <a:avLst/>
+          </a:prstGeom>
+          <a:noFill/>
+        </p:spPr>
+        <p:txBody>
+          <a:bodyPr wrap="none" rtlCol="0">
+            <a:spAutoFit/>
+          </a:bodyPr>
+          <a:lstStyle/>
+          <a:p>
+            <a:r>
+              <a:rPr lang="en-US" dirty="0"/>
+              <a:t>Stimulus generation code can assign</a:t>
+            </a:r>
+          </a:p>
+          <a:p>
+            <a:r>
+              <a:rPr lang="en-US" dirty="0"/>
+              <a:t>values to elements of an interface</a:t>
+            </a:r>
+          </a:p>
+          <a:p>
+            <a:r>
+              <a:rPr lang="en-US" dirty="0"/>
+              <a:t>just like you would to a variable or</a:t>
+            </a:r>
+          </a:p>
+          <a:p>
+            <a:r>
+              <a:rPr lang="en-US" dirty="0"/>
+              <a:t>wire that is passed to the device</a:t>
+            </a:r>
+          </a:p>
+          <a:p>
+            <a:r>
+              <a:rPr lang="en-US" dirty="0"/>
+              <a:t>under test. </a:t>
+            </a:r>
+          </a:p>
+        </p:txBody>
+      </p:sp>
+      <p:pic>
+        <p:nvPicPr>
+          <p:cNvPr id="5" name="Picture 4" descr="Screen Clipping"/>
+          <p:cNvPicPr>
+            <a:picLocks noChangeAspect="1"/>
+          </p:cNvPicPr>
+          <p:nvPr/>
+        </p:nvPicPr>
+        <p:blipFill>
+          <a:blip r:embed="rId5">
+            <a:extLst>
+              <a:ext uri="{BEBA8EAE-BF5A-486C-A8C5-ECC9F3942E4B}">
+                <a14:imgProps xmlns:a14="http://schemas.microsoft.com/office/drawing/2010/main">
+                  <a14:imgLayer r:embed="rId6">
+                    <a14:imgEffect>
+                      <a14:brightnessContrast bright="-40000" contrast="80000"/>
+                    </a14:imgEffect>
+                  </a14:imgLayer>
+                </a14:imgProps>
+              </a:ext>
+              <a:ext uri="{28A0092B-C50C-407E-A947-70E740481C1C}">
+                <a14:useLocalDpi xmlns:a14="http://schemas.microsoft.com/office/drawing/2010/main" val="0"/>
+              </a:ext>
+            </a:extLst>
+          </a:blip>
+          <a:stretch>
+            <a:fillRect/>
+          </a:stretch>
+        </p:blipFill>
+        <p:spPr>
+          <a:xfrm>
+            <a:off x="679731" y="3806073"/>
+            <a:ext cx="7351540" cy="2072208"/>
+          </a:xfrm>
+          <a:prstGeom prst="rect">
+            <a:avLst/>
+          </a:prstGeom>
+        </p:spPr>
+      </p:pic>
+      <p:sp>
+        <p:nvSpPr>
+          <p:cNvPr id="6" name="TextBox 5"/>
+          <p:cNvSpPr txBox="1"/>
+          <p:nvPr/>
+        </p:nvSpPr>
+        <p:spPr>
+          <a:xfrm>
+            <a:off x="1375647" y="6130714"/>
+            <a:ext cx="4674806" cy="369332"/>
+          </a:xfrm>
+          <a:prstGeom prst="rect">
+            <a:avLst/>
+          </a:prstGeom>
+          <a:noFill/>
+        </p:spPr>
+        <p:txBody>
+          <a:bodyPr wrap="none" rtlCol="0">
+            <a:spAutoFit/>
+          </a:bodyPr>
+          <a:lstStyle/>
+          <a:p>
+            <a:r>
+              <a:rPr lang="en-US" dirty="0"/>
+              <a:t>Interfaces can be used in assertion expressions</a:t>
+            </a:r>
+          </a:p>
+        </p:txBody>
+      </p:sp>
+    </p:spTree>
+    <p:extLst>
+      <p:ext uri="{BB962C8B-B14F-4D97-AF65-F5344CB8AC3E}">
+        <p14:creationId xmlns:p14="http://schemas.microsoft.com/office/powerpoint/2010/main" val="4259987018"/>
+      </p:ext>
+    </p:extLst>
+  </p:cSld>
+  <p:clrMapOvr>
+    <a:masterClrMapping/>
+  </p:clrMapOvr>
+</p:sld>
+</file>
+
+<file path=ppt/slides/slide12.xml><?xml version="1.0" encoding="utf-8"?>
+<p:sld xmlns:a="http://schemas.openxmlformats.org/drawingml/2006/main" xmlns:r="http://schemas.openxmlformats.org/officeDocument/2006/relationships" xmlns:p="http://schemas.openxmlformats.org/presentationml/2006/main">
+  <p:cSld>
+    <p:spTree>
+      <p:nvGrpSpPr>
+        <p:cNvPr id="1" name=""/>
+        <p:cNvGrpSpPr/>
+        <p:nvPr/>
+      </p:nvGrpSpPr>
+      <p:grpSpPr>
+        <a:xfrm>
+          <a:off x="0" y="0"/>
+          <a:ext cx="0" cy="0"/>
+          <a:chOff x="0" y="0"/>
+          <a:chExt cx="0" cy="0"/>
+        </a:xfrm>
+      </p:grpSpPr>
+      <p:sp>
+        <p:nvSpPr>
+          <p:cNvPr id="4" name="TextBox 3"/>
+          <p:cNvSpPr txBox="1"/>
+          <p:nvPr/>
+        </p:nvSpPr>
+        <p:spPr>
+          <a:xfrm>
+            <a:off x="342900" y="203200"/>
+            <a:ext cx="7407412" cy="523220"/>
+          </a:xfrm>
+          <a:prstGeom prst="rect">
+            <a:avLst/>
+          </a:prstGeom>
+          <a:noFill/>
+        </p:spPr>
+        <p:txBody>
+          <a:bodyPr wrap="none" rtlCol="0">
+            <a:spAutoFit/>
+          </a:bodyPr>
+          <a:lstStyle/>
+          <a:p>
+            <a:r>
+              <a:rPr lang="en-US" sz="2800" dirty="0"/>
+              <a:t>Use of interface in simulation – add to waveforms</a:t>
+            </a:r>
+          </a:p>
+        </p:txBody>
+      </p:sp>
+      <p:pic>
+        <p:nvPicPr>
+          <p:cNvPr id="2" name="Picture 1"/>
+          <p:cNvPicPr>
+            <a:picLocks noChangeAspect="1"/>
+          </p:cNvPicPr>
+          <p:nvPr/>
+        </p:nvPicPr>
+        <p:blipFill>
+          <a:blip r:embed="rId2">
+            <a:extLst>
+              <a:ext uri="{28A0092B-C50C-407E-A947-70E740481C1C}">
+                <a14:useLocalDpi xmlns:a14="http://schemas.microsoft.com/office/drawing/2010/main" val="0"/>
+              </a:ext>
+            </a:extLst>
+          </a:blip>
+          <a:stretch>
+            <a:fillRect/>
+          </a:stretch>
+        </p:blipFill>
+        <p:spPr>
+          <a:xfrm>
+            <a:off x="342901" y="882283"/>
+            <a:ext cx="7407412" cy="3070343"/>
+          </a:xfrm>
+          <a:prstGeom prst="rect">
+            <a:avLst/>
+          </a:prstGeom>
+        </p:spPr>
+      </p:pic>
+      <p:sp>
+        <p:nvSpPr>
+          <p:cNvPr id="3" name="TextBox 2"/>
+          <p:cNvSpPr txBox="1"/>
+          <p:nvPr/>
+        </p:nvSpPr>
+        <p:spPr>
+          <a:xfrm>
+            <a:off x="446904" y="4087469"/>
+            <a:ext cx="8224496" cy="646331"/>
+          </a:xfrm>
+          <a:prstGeom prst="rect">
+            <a:avLst/>
+          </a:prstGeom>
+          <a:noFill/>
+        </p:spPr>
+        <p:txBody>
+          <a:bodyPr wrap="none" rtlCol="0">
+            <a:spAutoFit/>
+          </a:bodyPr>
+          <a:lstStyle/>
+          <a:p>
+            <a:r>
+              <a:rPr lang="en-US" dirty="0"/>
+              <a:t>All interfaces are listed in Questa/Modelsim the same way as modules, processes, etc. </a:t>
+            </a:r>
+          </a:p>
+          <a:p>
+            <a:r>
+              <a:rPr lang="en-US" dirty="0"/>
+              <a:t>and you add signals to the waveform viewer in the same way. </a:t>
+            </a:r>
+          </a:p>
+        </p:txBody>
+      </p:sp>
+      <p:sp>
+        <p:nvSpPr>
+          <p:cNvPr id="5" name="Oval 4"/>
+          <p:cNvSpPr/>
+          <p:nvPr/>
+        </p:nvSpPr>
+        <p:spPr>
+          <a:xfrm>
+            <a:off x="0" y="2463690"/>
+            <a:ext cx="5402317" cy="525518"/>
+          </a:xfrm>
+          <a:prstGeom prst="ellipse">
+            <a:avLst/>
+          </a:prstGeom>
+          <a:noFill/>
+          <a:ln>
+            <a:solidFill>
+              <a:srgbClr val="FF0000"/>
+            </a:solidFill>
+          </a:ln>
+        </p:spPr>
+        <p:style>
+          <a:lnRef idx="2">
+            <a:schemeClr val="accent1">
+              <a:shade val="50000"/>
+            </a:schemeClr>
+          </a:lnRef>
+          <a:fillRef idx="1">
+            <a:schemeClr val="accent1"/>
+          </a:fillRef>
+          <a:effectRef idx="0">
+            <a:schemeClr val="accent1"/>
+          </a:effectRef>
+          <a:fontRef idx="minor">
+            <a:schemeClr val="lt1"/>
+          </a:fontRef>
+        </p:style>
+        <p:txBody>
+          <a:bodyPr rtlCol="0" anchor="ctr"/>
+          <a:lstStyle/>
+          <a:p>
+            <a:pPr algn="ctr"/>
+            <a:endParaRPr lang="en-US"/>
+          </a:p>
+        </p:txBody>
+      </p:sp>
+      <p:sp>
+        <p:nvSpPr>
+          <p:cNvPr id="6" name="Oval 5"/>
+          <p:cNvSpPr/>
+          <p:nvPr/>
+        </p:nvSpPr>
+        <p:spPr>
+          <a:xfrm>
+            <a:off x="4130566" y="960126"/>
+            <a:ext cx="4818992" cy="1951239"/>
+          </a:xfrm>
+          <a:prstGeom prst="ellipse">
+            <a:avLst/>
+          </a:prstGeom>
+          <a:noFill/>
+          <a:ln>
+            <a:solidFill>
+              <a:srgbClr val="FF0000"/>
+            </a:solidFill>
+          </a:ln>
+        </p:spPr>
+        <p:style>
+          <a:lnRef idx="2">
+            <a:schemeClr val="accent1">
+              <a:shade val="50000"/>
+            </a:schemeClr>
+          </a:lnRef>
+          <a:fillRef idx="1">
+            <a:schemeClr val="accent1"/>
+          </a:fillRef>
+          <a:effectRef idx="0">
+            <a:schemeClr val="accent1"/>
+          </a:effectRef>
+          <a:fontRef idx="minor">
+            <a:schemeClr val="lt1"/>
+          </a:fontRef>
+        </p:style>
+        <p:txBody>
+          <a:bodyPr rtlCol="0" anchor="ctr"/>
+          <a:lstStyle/>
+          <a:p>
+            <a:pPr algn="ctr"/>
+            <a:endParaRPr lang="en-US"/>
+          </a:p>
+        </p:txBody>
+      </p:sp>
+      <p:pic>
+        <p:nvPicPr>
+          <p:cNvPr id="7" name="Picture 6"/>
+          <p:cNvPicPr>
+            <a:picLocks noChangeAspect="1"/>
+          </p:cNvPicPr>
+          <p:nvPr/>
+        </p:nvPicPr>
+        <p:blipFill rotWithShape="1">
+          <a:blip r:embed="rId3">
+            <a:extLst>
+              <a:ext uri="{28A0092B-C50C-407E-A947-70E740481C1C}">
+                <a14:useLocalDpi xmlns:a14="http://schemas.microsoft.com/office/drawing/2010/main" val="0"/>
+              </a:ext>
+            </a:extLst>
+          </a:blip>
+          <a:srcRect t="7199" b="14461"/>
+          <a:stretch/>
+        </p:blipFill>
+        <p:spPr>
+          <a:xfrm>
+            <a:off x="321879" y="4825570"/>
+            <a:ext cx="3112209" cy="1870842"/>
+          </a:xfrm>
+          <a:prstGeom prst="rect">
+            <a:avLst/>
+          </a:prstGeom>
+        </p:spPr>
+      </p:pic>
+      <p:sp>
+        <p:nvSpPr>
+          <p:cNvPr id="8" name="TextBox 7"/>
+          <p:cNvSpPr txBox="1"/>
+          <p:nvPr/>
+        </p:nvSpPr>
+        <p:spPr>
+          <a:xfrm>
+            <a:off x="3920359" y="5118538"/>
+            <a:ext cx="4487511" cy="923330"/>
+          </a:xfrm>
+          <a:prstGeom prst="rect">
+            <a:avLst/>
+          </a:prstGeom>
+          <a:noFill/>
+        </p:spPr>
+        <p:txBody>
+          <a:bodyPr wrap="none" rtlCol="0">
+            <a:spAutoFit/>
+          </a:bodyPr>
+          <a:lstStyle/>
+          <a:p>
+            <a:r>
+              <a:rPr lang="en-US" dirty="0"/>
+              <a:t>In the waveform viewer, select the signals you</a:t>
+            </a:r>
+          </a:p>
+          <a:p>
+            <a:r>
+              <a:rPr lang="en-US" dirty="0"/>
+              <a:t>added, right click, and select “group” to </a:t>
+            </a:r>
+          </a:p>
+          <a:p>
+            <a:r>
+              <a:rPr lang="en-US" dirty="0"/>
+              <a:t>group the interface signals together. </a:t>
+            </a:r>
+          </a:p>
+        </p:txBody>
+      </p:sp>
+    </p:spTree>
+    <p:extLst>
+      <p:ext uri="{BB962C8B-B14F-4D97-AF65-F5344CB8AC3E}">
+        <p14:creationId xmlns:p14="http://schemas.microsoft.com/office/powerpoint/2010/main" val="702460160"/>
+      </p:ext>
+    </p:extLst>
+  </p:cSld>
+  <p:clrMapOvr>
+    <a:masterClrMapping/>
+  </p:clrMapOvr>
+</p:sld>
+</file>
+
+<file path=ppt/slides/slide13.xml><?xml version="1.0" encoding="utf-8"?>
+<p:sld xmlns:a="http://schemas.openxmlformats.org/drawingml/2006/main" xmlns:r="http://schemas.openxmlformats.org/officeDocument/2006/relationships" xmlns:p="http://schemas.openxmlformats.org/presentationml/2006/main">
+  <p:cSld>
+    <p:spTree>
+      <p:nvGrpSpPr>
+        <p:cNvPr id="1" name=""/>
+        <p:cNvGrpSpPr/>
+        <p:nvPr/>
+      </p:nvGrpSpPr>
+      <p:grpSpPr>
+        <a:xfrm>
+          <a:off x="0" y="0"/>
+          <a:ext cx="0" cy="0"/>
+          <a:chOff x="0" y="0"/>
+          <a:chExt cx="0" cy="0"/>
+        </a:xfrm>
+      </p:grpSpPr>
+      <p:sp>
+        <p:nvSpPr>
+          <p:cNvPr id="4" name="TextBox 3"/>
+          <p:cNvSpPr txBox="1"/>
+          <p:nvPr/>
+        </p:nvSpPr>
+        <p:spPr>
+          <a:xfrm>
+            <a:off x="342900" y="203200"/>
+            <a:ext cx="5955669" cy="523220"/>
+          </a:xfrm>
+          <a:prstGeom prst="rect">
+            <a:avLst/>
+          </a:prstGeom>
+          <a:noFill/>
+        </p:spPr>
+        <p:txBody>
+          <a:bodyPr wrap="none" rtlCol="0">
+            <a:spAutoFit/>
+          </a:bodyPr>
+          <a:lstStyle/>
+          <a:p>
+            <a:r>
+              <a:rPr lang="en-US" sz="2800" dirty="0"/>
+              <a:t>Simulation results – assertion messages</a:t>
+            </a:r>
+          </a:p>
+        </p:txBody>
+      </p:sp>
+      <p:pic>
+        <p:nvPicPr>
+          <p:cNvPr id="3" name="Picture 2"/>
+          <p:cNvPicPr>
+            <a:picLocks noChangeAspect="1"/>
+          </p:cNvPicPr>
+          <p:nvPr/>
+        </p:nvPicPr>
+        <p:blipFill>
+          <a:blip r:embed="rId2">
+            <a:extLst>
+              <a:ext uri="{28A0092B-C50C-407E-A947-70E740481C1C}">
+                <a14:useLocalDpi xmlns:a14="http://schemas.microsoft.com/office/drawing/2010/main" val="0"/>
+              </a:ext>
+            </a:extLst>
+          </a:blip>
+          <a:stretch>
+            <a:fillRect/>
+          </a:stretch>
+        </p:blipFill>
+        <p:spPr>
+          <a:xfrm>
+            <a:off x="145041" y="1244102"/>
+            <a:ext cx="8853917" cy="4369796"/>
+          </a:xfrm>
+          <a:prstGeom prst="rect">
+            <a:avLst/>
+          </a:prstGeom>
+        </p:spPr>
+      </p:pic>
+    </p:spTree>
+    <p:extLst>
+      <p:ext uri="{BB962C8B-B14F-4D97-AF65-F5344CB8AC3E}">
+        <p14:creationId xmlns:p14="http://schemas.microsoft.com/office/powerpoint/2010/main" val="1173569406"/>
+      </p:ext>
+    </p:extLst>
+  </p:cSld>
+  <p:clrMapOvr>
+    <a:masterClrMapping/>
+  </p:clrMapOvr>
+</p:sld>
+</file>
+
+<file path=ppt/slides/slide14.xml><?xml version="1.0" encoding="utf-8"?>
+<p:sld xmlns:a="http://schemas.openxmlformats.org/drawingml/2006/main" xmlns:r="http://schemas.openxmlformats.org/officeDocument/2006/relationships" xmlns:p="http://schemas.openxmlformats.org/presentationml/2006/main">
+  <p:cSld>
+    <p:spTree>
+      <p:nvGrpSpPr>
+        <p:cNvPr id="1" name=""/>
+        <p:cNvGrpSpPr/>
+        <p:nvPr/>
+      </p:nvGrpSpPr>
+      <p:grpSpPr>
+        <a:xfrm>
+          <a:off x="0" y="0"/>
+          <a:ext cx="0" cy="0"/>
+          <a:chOff x="0" y="0"/>
+          <a:chExt cx="0" cy="0"/>
+        </a:xfrm>
+      </p:grpSpPr>
+      <p:pic>
+        <p:nvPicPr>
+          <p:cNvPr id="2" name="Picture 1"/>
+          <p:cNvPicPr>
+            <a:picLocks noChangeAspect="1"/>
+          </p:cNvPicPr>
+          <p:nvPr/>
+        </p:nvPicPr>
+        <p:blipFill>
+          <a:blip r:embed="rId2">
+            <a:extLst>
+              <a:ext uri="{28A0092B-C50C-407E-A947-70E740481C1C}">
+                <a14:useLocalDpi xmlns:a14="http://schemas.microsoft.com/office/drawing/2010/main" val="0"/>
+              </a:ext>
+            </a:extLst>
+          </a:blip>
+          <a:stretch>
+            <a:fillRect/>
+          </a:stretch>
+        </p:blipFill>
+        <p:spPr>
+          <a:xfrm>
+            <a:off x="169934" y="861022"/>
+            <a:ext cx="8796042" cy="4740867"/>
+          </a:xfrm>
+          <a:prstGeom prst="rect">
+            <a:avLst/>
+          </a:prstGeom>
+        </p:spPr>
+      </p:pic>
+      <p:sp>
+        <p:nvSpPr>
+          <p:cNvPr id="4" name="TextBox 3"/>
+          <p:cNvSpPr txBox="1"/>
+          <p:nvPr/>
+        </p:nvSpPr>
+        <p:spPr>
+          <a:xfrm>
+            <a:off x="342900" y="203200"/>
+            <a:ext cx="7035516" cy="523220"/>
+          </a:xfrm>
+          <a:prstGeom prst="rect">
+            <a:avLst/>
+          </a:prstGeom>
+          <a:noFill/>
+        </p:spPr>
+        <p:txBody>
+          <a:bodyPr wrap="none" rtlCol="0">
+            <a:spAutoFit/>
+          </a:bodyPr>
+          <a:lstStyle/>
+          <a:p>
+            <a:r>
+              <a:rPr lang="en-US" sz="2800" dirty="0"/>
+              <a:t>Simulation – Successful Master-&gt;Slave transfer </a:t>
+            </a:r>
+          </a:p>
+        </p:txBody>
+      </p:sp>
+      <p:sp>
+        <p:nvSpPr>
+          <p:cNvPr id="3" name="TextBox 2"/>
+          <p:cNvSpPr txBox="1"/>
+          <p:nvPr/>
+        </p:nvSpPr>
+        <p:spPr>
+          <a:xfrm>
+            <a:off x="504497" y="5808754"/>
+            <a:ext cx="8353954" cy="923330"/>
+          </a:xfrm>
+          <a:prstGeom prst="rect">
+            <a:avLst/>
+          </a:prstGeom>
+          <a:noFill/>
+        </p:spPr>
+        <p:txBody>
+          <a:bodyPr wrap="none" rtlCol="0">
+            <a:spAutoFit/>
+          </a:bodyPr>
+          <a:lstStyle/>
+          <a:p>
+            <a:r>
+              <a:rPr lang="en-US" dirty="0"/>
+              <a:t>Strobe to master loads 11110001 and slave select[1:0]=“01”</a:t>
+            </a:r>
+          </a:p>
+          <a:p>
+            <a:r>
+              <a:rPr lang="en-US" dirty="0"/>
+              <a:t>SPI </a:t>
+            </a:r>
+            <a:r>
+              <a:rPr lang="en-US" dirty="0" err="1"/>
+              <a:t>sck</a:t>
+            </a:r>
+            <a:r>
+              <a:rPr lang="en-US" dirty="0"/>
+              <a:t> and </a:t>
+            </a:r>
+            <a:r>
+              <a:rPr lang="en-US" dirty="0" err="1"/>
+              <a:t>mosi</a:t>
+            </a:r>
+            <a:r>
+              <a:rPr lang="en-US" dirty="0"/>
+              <a:t> proceed to send data to slave 0. Slave 0 Ready indicates data received.</a:t>
+            </a:r>
+          </a:p>
+          <a:p>
+            <a:r>
+              <a:rPr lang="en-US" dirty="0"/>
+              <a:t>Data appears on Slave 0 Rcvd. </a:t>
+            </a:r>
+          </a:p>
+        </p:txBody>
+      </p:sp>
+      <p:sp>
+        <p:nvSpPr>
+          <p:cNvPr id="5" name="Oval 4"/>
+          <p:cNvSpPr/>
+          <p:nvPr/>
+        </p:nvSpPr>
+        <p:spPr>
+          <a:xfrm>
+            <a:off x="2269864" y="1947134"/>
+            <a:ext cx="860611" cy="753035"/>
+          </a:xfrm>
+          <a:prstGeom prst="ellipse">
+            <a:avLst/>
+          </a:prstGeom>
+          <a:noFill/>
+          <a:ln>
+            <a:solidFill>
+              <a:srgbClr val="FF0000"/>
+            </a:solidFill>
+          </a:ln>
+        </p:spPr>
+        <p:style>
+          <a:lnRef idx="2">
+            <a:schemeClr val="accent1">
+              <a:shade val="50000"/>
+            </a:schemeClr>
+          </a:lnRef>
+          <a:fillRef idx="1">
+            <a:schemeClr val="accent1"/>
+          </a:fillRef>
+          <a:effectRef idx="0">
+            <a:schemeClr val="accent1"/>
+          </a:effectRef>
+          <a:fontRef idx="minor">
+            <a:schemeClr val="lt1"/>
+          </a:fontRef>
+        </p:style>
+        <p:txBody>
+          <a:bodyPr rtlCol="0" anchor="ctr"/>
+          <a:lstStyle/>
+          <a:p>
+            <a:pPr algn="ctr"/>
+            <a:endParaRPr lang="en-US"/>
+          </a:p>
+        </p:txBody>
+      </p:sp>
+      <p:sp>
+        <p:nvSpPr>
+          <p:cNvPr id="6" name="Oval 5"/>
+          <p:cNvSpPr/>
+          <p:nvPr/>
+        </p:nvSpPr>
+        <p:spPr>
+          <a:xfrm>
+            <a:off x="2558134" y="4303059"/>
+            <a:ext cx="5800558" cy="613186"/>
+          </a:xfrm>
+          <a:prstGeom prst="ellipse">
+            <a:avLst/>
+          </a:prstGeom>
+          <a:noFill/>
+          <a:ln>
+            <a:solidFill>
+              <a:srgbClr val="FF0000"/>
+            </a:solidFill>
+          </a:ln>
+        </p:spPr>
+        <p:style>
+          <a:lnRef idx="2">
+            <a:schemeClr val="accent1">
+              <a:shade val="50000"/>
+            </a:schemeClr>
+          </a:lnRef>
+          <a:fillRef idx="1">
+            <a:schemeClr val="accent1"/>
+          </a:fillRef>
+          <a:effectRef idx="0">
+            <a:schemeClr val="accent1"/>
+          </a:effectRef>
+          <a:fontRef idx="minor">
+            <a:schemeClr val="lt1"/>
+          </a:fontRef>
+        </p:style>
+        <p:txBody>
+          <a:bodyPr rtlCol="0" anchor="ctr"/>
+          <a:lstStyle/>
+          <a:p>
+            <a:pPr algn="ctr"/>
+            <a:endParaRPr lang="en-US"/>
+          </a:p>
+        </p:txBody>
+      </p:sp>
+      <p:sp>
+        <p:nvSpPr>
+          <p:cNvPr id="7" name="Oval 6"/>
+          <p:cNvSpPr/>
+          <p:nvPr/>
+        </p:nvSpPr>
+        <p:spPr>
+          <a:xfrm>
+            <a:off x="7799294" y="3562570"/>
+            <a:ext cx="559398" cy="333487"/>
+          </a:xfrm>
+          <a:prstGeom prst="ellipse">
+            <a:avLst/>
+          </a:prstGeom>
+          <a:noFill/>
+          <a:ln>
+            <a:solidFill>
+              <a:srgbClr val="FF0000"/>
+            </a:solidFill>
+          </a:ln>
+        </p:spPr>
+        <p:style>
+          <a:lnRef idx="2">
+            <a:schemeClr val="accent1">
+              <a:shade val="50000"/>
+            </a:schemeClr>
+          </a:lnRef>
+          <a:fillRef idx="1">
+            <a:schemeClr val="accent1"/>
+          </a:fillRef>
+          <a:effectRef idx="0">
+            <a:schemeClr val="accent1"/>
+          </a:effectRef>
+          <a:fontRef idx="minor">
+            <a:schemeClr val="lt1"/>
+          </a:fontRef>
+        </p:style>
+        <p:txBody>
+          <a:bodyPr rtlCol="0" anchor="ctr"/>
+          <a:lstStyle/>
+          <a:p>
+            <a:pPr algn="ctr"/>
+            <a:endParaRPr lang="en-US"/>
+          </a:p>
+        </p:txBody>
+      </p:sp>
+      <p:sp>
+        <p:nvSpPr>
+          <p:cNvPr id="8" name="Oval 7"/>
+          <p:cNvSpPr/>
+          <p:nvPr/>
+        </p:nvSpPr>
+        <p:spPr>
+          <a:xfrm>
+            <a:off x="7801723" y="3355705"/>
+            <a:ext cx="860611" cy="209237"/>
+          </a:xfrm>
+          <a:prstGeom prst="ellipse">
+            <a:avLst/>
+          </a:prstGeom>
+          <a:noFill/>
+          <a:ln>
+            <a:solidFill>
+              <a:srgbClr val="FF0000"/>
+            </a:solidFill>
+          </a:ln>
+        </p:spPr>
+        <p:style>
+          <a:lnRef idx="2">
+            <a:schemeClr val="accent1">
+              <a:shade val="50000"/>
+            </a:schemeClr>
+          </a:lnRef>
+          <a:fillRef idx="1">
+            <a:schemeClr val="accent1"/>
+          </a:fillRef>
+          <a:effectRef idx="0">
+            <a:schemeClr val="accent1"/>
+          </a:effectRef>
+          <a:fontRef idx="minor">
+            <a:schemeClr val="lt1"/>
+          </a:fontRef>
+        </p:style>
+        <p:txBody>
+          <a:bodyPr rtlCol="0" anchor="ctr"/>
+          <a:lstStyle/>
+          <a:p>
+            <a:pPr algn="ctr"/>
+            <a:endParaRPr lang="en-US"/>
+          </a:p>
+        </p:txBody>
+      </p:sp>
+    </p:spTree>
+    <p:extLst>
+      <p:ext uri="{BB962C8B-B14F-4D97-AF65-F5344CB8AC3E}">
+        <p14:creationId xmlns:p14="http://schemas.microsoft.com/office/powerpoint/2010/main" val="3051476123"/>
+      </p:ext>
+    </p:extLst>
+  </p:cSld>
+  <p:clrMapOvr>
+    <a:masterClrMapping/>
+  </p:clrMapOvr>
+</p:sld>
+</file>
+
+<file path=ppt/slides/slide15.xml><?xml version="1.0" encoding="utf-8"?>
+<p:sld xmlns:a="http://schemas.openxmlformats.org/drawingml/2006/main" xmlns:r="http://schemas.openxmlformats.org/officeDocument/2006/relationships" xmlns:p="http://schemas.openxmlformats.org/presentationml/2006/main">
+  <p:cSld>
+    <p:spTree>
+      <p:nvGrpSpPr>
+        <p:cNvPr id="1" name=""/>
+        <p:cNvGrpSpPr/>
+        <p:nvPr/>
+      </p:nvGrpSpPr>
+      <p:grpSpPr>
+        <a:xfrm>
+          <a:off x="0" y="0"/>
+          <a:ext cx="0" cy="0"/>
+          <a:chOff x="0" y="0"/>
+          <a:chExt cx="0" cy="0"/>
+        </a:xfrm>
+      </p:grpSpPr>
+      <p:sp>
+        <p:nvSpPr>
+          <p:cNvPr id="4" name="TextBox 3"/>
+          <p:cNvSpPr txBox="1"/>
+          <p:nvPr/>
+        </p:nvSpPr>
+        <p:spPr>
+          <a:xfrm>
+            <a:off x="342900" y="203200"/>
+            <a:ext cx="6397649" cy="523220"/>
+          </a:xfrm>
+          <a:prstGeom prst="rect">
+            <a:avLst/>
+          </a:prstGeom>
+          <a:noFill/>
+        </p:spPr>
+        <p:txBody>
+          <a:bodyPr wrap="none" rtlCol="0">
+            <a:spAutoFit/>
+          </a:bodyPr>
+          <a:lstStyle/>
+          <a:p>
+            <a:r>
+              <a:rPr lang="en-US" sz="2800" dirty="0"/>
+              <a:t>Simulation – Failed Master-&gt;Slave transfer </a:t>
+            </a:r>
+          </a:p>
+        </p:txBody>
+      </p:sp>
+      <p:pic>
+        <p:nvPicPr>
+          <p:cNvPr id="3" name="Picture 2"/>
+          <p:cNvPicPr>
+            <a:picLocks noChangeAspect="1"/>
+          </p:cNvPicPr>
+          <p:nvPr/>
+        </p:nvPicPr>
+        <p:blipFill>
+          <a:blip r:embed="rId2">
+            <a:extLst>
+              <a:ext uri="{28A0092B-C50C-407E-A947-70E740481C1C}">
+                <a14:useLocalDpi xmlns:a14="http://schemas.microsoft.com/office/drawing/2010/main" val="0"/>
+              </a:ext>
+            </a:extLst>
+          </a:blip>
+          <a:stretch>
+            <a:fillRect/>
+          </a:stretch>
+        </p:blipFill>
+        <p:spPr>
+          <a:xfrm>
+            <a:off x="192365" y="915357"/>
+            <a:ext cx="8741934" cy="4600535"/>
+          </a:xfrm>
+          <a:prstGeom prst="rect">
+            <a:avLst/>
+          </a:prstGeom>
+        </p:spPr>
+      </p:pic>
+      <p:sp>
+        <p:nvSpPr>
+          <p:cNvPr id="5" name="TextBox 4"/>
+          <p:cNvSpPr txBox="1"/>
+          <p:nvPr/>
+        </p:nvSpPr>
+        <p:spPr>
+          <a:xfrm>
+            <a:off x="527125" y="5848606"/>
+            <a:ext cx="8899872" cy="923330"/>
+          </a:xfrm>
+          <a:prstGeom prst="rect">
+            <a:avLst/>
+          </a:prstGeom>
+          <a:noFill/>
+        </p:spPr>
+        <p:txBody>
+          <a:bodyPr wrap="none" rtlCol="0">
+            <a:spAutoFit/>
+          </a:bodyPr>
+          <a:lstStyle/>
+          <a:p>
+            <a:r>
+              <a:rPr lang="en-US" dirty="0"/>
+              <a:t>Same sequence as successful transfer except that value saved by test bench is deliberately</a:t>
+            </a:r>
+          </a:p>
+          <a:p>
+            <a:r>
+              <a:rPr lang="en-US" dirty="0"/>
+              <a:t>inverted so that when received value doesn’t match, an error is reported.</a:t>
+            </a:r>
+          </a:p>
+          <a:p>
+            <a:r>
+              <a:rPr lang="en-US" dirty="0"/>
+              <a:t>See </a:t>
+            </a:r>
+            <a:r>
+              <a:rPr lang="en-US" dirty="0" err="1"/>
+              <a:t>checkMXmit</a:t>
+            </a:r>
+            <a:r>
+              <a:rPr lang="en-US" dirty="0"/>
+              <a:t> and </a:t>
+            </a:r>
+            <a:r>
+              <a:rPr lang="en-US" dirty="0" err="1"/>
+              <a:t>assertm_fail</a:t>
+            </a:r>
+            <a:r>
+              <a:rPr lang="en-US" dirty="0"/>
+              <a:t>.</a:t>
+            </a:r>
+          </a:p>
+        </p:txBody>
+      </p:sp>
+      <p:sp>
+        <p:nvSpPr>
+          <p:cNvPr id="6" name="Oval 5"/>
+          <p:cNvSpPr/>
+          <p:nvPr/>
+        </p:nvSpPr>
+        <p:spPr>
+          <a:xfrm>
+            <a:off x="2065464" y="1452289"/>
+            <a:ext cx="860611" cy="753035"/>
+          </a:xfrm>
+          <a:prstGeom prst="ellipse">
+            <a:avLst/>
+          </a:prstGeom>
+          <a:noFill/>
+          <a:ln>
+            <a:solidFill>
+              <a:srgbClr val="FF0000"/>
+            </a:solidFill>
+          </a:ln>
+        </p:spPr>
+        <p:style>
+          <a:lnRef idx="2">
+            <a:schemeClr val="accent1">
+              <a:shade val="50000"/>
+            </a:schemeClr>
+          </a:lnRef>
+          <a:fillRef idx="1">
+            <a:schemeClr val="accent1"/>
+          </a:fillRef>
+          <a:effectRef idx="0">
+            <a:schemeClr val="accent1"/>
+          </a:effectRef>
+          <a:fontRef idx="minor">
+            <a:schemeClr val="lt1"/>
+          </a:fontRef>
+        </p:style>
+        <p:txBody>
+          <a:bodyPr rtlCol="0" anchor="ctr"/>
+          <a:lstStyle/>
+          <a:p>
+            <a:pPr algn="ctr"/>
+            <a:endParaRPr lang="en-US"/>
+          </a:p>
+        </p:txBody>
+      </p:sp>
+      <p:sp>
+        <p:nvSpPr>
+          <p:cNvPr id="7" name="Oval 6"/>
+          <p:cNvSpPr/>
+          <p:nvPr/>
+        </p:nvSpPr>
+        <p:spPr>
+          <a:xfrm>
+            <a:off x="2558134" y="4453671"/>
+            <a:ext cx="5800558" cy="613186"/>
+          </a:xfrm>
+          <a:prstGeom prst="ellipse">
+            <a:avLst/>
+          </a:prstGeom>
+          <a:noFill/>
+          <a:ln>
+            <a:solidFill>
+              <a:srgbClr val="FF0000"/>
+            </a:solidFill>
+          </a:ln>
+        </p:spPr>
+        <p:style>
+          <a:lnRef idx="2">
+            <a:schemeClr val="accent1">
+              <a:shade val="50000"/>
+            </a:schemeClr>
+          </a:lnRef>
+          <a:fillRef idx="1">
+            <a:schemeClr val="accent1"/>
+          </a:fillRef>
+          <a:effectRef idx="0">
+            <a:schemeClr val="accent1"/>
+          </a:effectRef>
+          <a:fontRef idx="minor">
+            <a:schemeClr val="lt1"/>
+          </a:fontRef>
+        </p:style>
+        <p:txBody>
+          <a:bodyPr rtlCol="0" anchor="ctr"/>
+          <a:lstStyle/>
+          <a:p>
+            <a:pPr algn="ctr"/>
+            <a:endParaRPr lang="en-US"/>
+          </a:p>
+        </p:txBody>
+      </p:sp>
+      <p:sp>
+        <p:nvSpPr>
+          <p:cNvPr id="8" name="Oval 7"/>
+          <p:cNvSpPr/>
+          <p:nvPr/>
+        </p:nvSpPr>
+        <p:spPr>
+          <a:xfrm>
+            <a:off x="7573391" y="3498022"/>
+            <a:ext cx="559398" cy="333487"/>
+          </a:xfrm>
+          <a:prstGeom prst="ellipse">
+            <a:avLst/>
+          </a:prstGeom>
+          <a:noFill/>
+          <a:ln>
+            <a:solidFill>
+              <a:srgbClr val="FF0000"/>
+            </a:solidFill>
+          </a:ln>
+        </p:spPr>
+        <p:style>
+          <a:lnRef idx="2">
+            <a:schemeClr val="accent1">
+              <a:shade val="50000"/>
+            </a:schemeClr>
+          </a:lnRef>
+          <a:fillRef idx="1">
+            <a:schemeClr val="accent1"/>
+          </a:fillRef>
+          <a:effectRef idx="0">
+            <a:schemeClr val="accent1"/>
+          </a:effectRef>
+          <a:fontRef idx="minor">
+            <a:schemeClr val="lt1"/>
+          </a:fontRef>
+        </p:style>
+        <p:txBody>
+          <a:bodyPr rtlCol="0" anchor="ctr"/>
+          <a:lstStyle/>
+          <a:p>
+            <a:pPr algn="ctr"/>
+            <a:endParaRPr lang="en-US"/>
+          </a:p>
+        </p:txBody>
+      </p:sp>
+      <p:sp>
+        <p:nvSpPr>
+          <p:cNvPr id="9" name="Oval 8"/>
+          <p:cNvSpPr/>
+          <p:nvPr/>
+        </p:nvSpPr>
+        <p:spPr>
+          <a:xfrm>
+            <a:off x="7726417" y="3194339"/>
+            <a:ext cx="860611" cy="209237"/>
+          </a:xfrm>
+          <a:prstGeom prst="ellipse">
+            <a:avLst/>
+          </a:prstGeom>
+          <a:noFill/>
+          <a:ln>
+            <a:solidFill>
+              <a:srgbClr val="FF0000"/>
+            </a:solidFill>
+          </a:ln>
+        </p:spPr>
+        <p:style>
+          <a:lnRef idx="2">
+            <a:schemeClr val="accent1">
+              <a:shade val="50000"/>
+            </a:schemeClr>
+          </a:lnRef>
+          <a:fillRef idx="1">
+            <a:schemeClr val="accent1"/>
+          </a:fillRef>
+          <a:effectRef idx="0">
+            <a:schemeClr val="accent1"/>
+          </a:effectRef>
+          <a:fontRef idx="minor">
+            <a:schemeClr val="lt1"/>
+          </a:fontRef>
+        </p:style>
+        <p:txBody>
+          <a:bodyPr rtlCol="0" anchor="ctr"/>
+          <a:lstStyle/>
+          <a:p>
+            <a:pPr algn="ctr"/>
+            <a:endParaRPr lang="en-US"/>
+          </a:p>
+        </p:txBody>
+      </p:sp>
+      <p:sp>
+        <p:nvSpPr>
+          <p:cNvPr id="10" name="Oval 9"/>
+          <p:cNvSpPr/>
+          <p:nvPr/>
+        </p:nvSpPr>
+        <p:spPr>
+          <a:xfrm>
+            <a:off x="2284840" y="1119575"/>
+            <a:ext cx="860611" cy="209237"/>
+          </a:xfrm>
+          <a:prstGeom prst="ellipse">
+            <a:avLst/>
+          </a:prstGeom>
+          <a:noFill/>
+          <a:ln>
+            <a:solidFill>
+              <a:srgbClr val="FF0000"/>
+            </a:solidFill>
+          </a:ln>
+        </p:spPr>
+        <p:style>
+          <a:lnRef idx="2">
+            <a:schemeClr val="accent1">
+              <a:shade val="50000"/>
+            </a:schemeClr>
+          </a:lnRef>
+          <a:fillRef idx="1">
+            <a:schemeClr val="accent1"/>
+          </a:fillRef>
+          <a:effectRef idx="0">
+            <a:schemeClr val="accent1"/>
+          </a:effectRef>
+          <a:fontRef idx="minor">
+            <a:schemeClr val="lt1"/>
+          </a:fontRef>
+        </p:style>
+        <p:txBody>
+          <a:bodyPr rtlCol="0" anchor="ctr"/>
+          <a:lstStyle/>
+          <a:p>
+            <a:pPr algn="ctr"/>
+            <a:endParaRPr lang="en-US"/>
+          </a:p>
+        </p:txBody>
+      </p:sp>
+      <p:sp>
+        <p:nvSpPr>
+          <p:cNvPr id="11" name="Oval 10"/>
+          <p:cNvSpPr/>
+          <p:nvPr/>
+        </p:nvSpPr>
+        <p:spPr>
+          <a:xfrm>
+            <a:off x="7726417" y="890120"/>
+            <a:ext cx="559398" cy="333487"/>
+          </a:xfrm>
+          <a:prstGeom prst="ellipse">
+            <a:avLst/>
+          </a:prstGeom>
+          <a:noFill/>
+          <a:ln>
+            <a:solidFill>
+              <a:srgbClr val="FF0000"/>
+            </a:solidFill>
+          </a:ln>
+        </p:spPr>
+        <p:style>
+          <a:lnRef idx="2">
+            <a:schemeClr val="accent1">
+              <a:shade val="50000"/>
+            </a:schemeClr>
+          </a:lnRef>
+          <a:fillRef idx="1">
+            <a:schemeClr val="accent1"/>
+          </a:fillRef>
+          <a:effectRef idx="0">
+            <a:schemeClr val="accent1"/>
+          </a:effectRef>
+          <a:fontRef idx="minor">
+            <a:schemeClr val="lt1"/>
+          </a:fontRef>
+        </p:style>
+        <p:txBody>
+          <a:bodyPr rtlCol="0" anchor="ctr"/>
+          <a:lstStyle/>
+          <a:p>
+            <a:pPr algn="ctr"/>
+            <a:endParaRPr lang="en-US"/>
+          </a:p>
+        </p:txBody>
+      </p:sp>
+    </p:spTree>
+    <p:extLst>
+      <p:ext uri="{BB962C8B-B14F-4D97-AF65-F5344CB8AC3E}">
+        <p14:creationId xmlns:p14="http://schemas.microsoft.com/office/powerpoint/2010/main" val="3454319554"/>
+      </p:ext>
+    </p:extLst>
+  </p:cSld>
+  <p:clrMapOvr>
+    <a:masterClrMapping/>
+  </p:clrMapOvr>
+</p:sld>
+</file>
+
+<file path=ppt/slides/slide16.xml><?xml version="1.0" encoding="utf-8"?>
+<p:sld xmlns:a="http://schemas.openxmlformats.org/drawingml/2006/main" xmlns:r="http://schemas.openxmlformats.org/officeDocument/2006/relationships" xmlns:p="http://schemas.openxmlformats.org/presentationml/2006/main">
+  <p:cSld>
+    <p:spTree>
+      <p:nvGrpSpPr>
+        <p:cNvPr id="1" name=""/>
+        <p:cNvGrpSpPr/>
+        <p:nvPr/>
+      </p:nvGrpSpPr>
+      <p:grpSpPr>
+        <a:xfrm>
+          <a:off x="0" y="0"/>
+          <a:ext cx="0" cy="0"/>
+          <a:chOff x="0" y="0"/>
+          <a:chExt cx="0" cy="0"/>
+        </a:xfrm>
+      </p:grpSpPr>
+      <p:sp>
+        <p:nvSpPr>
+          <p:cNvPr id="4" name="TextBox 3"/>
+          <p:cNvSpPr txBox="1"/>
+          <p:nvPr/>
+        </p:nvSpPr>
+        <p:spPr>
+          <a:xfrm>
+            <a:off x="342900" y="203200"/>
+            <a:ext cx="7381764" cy="523220"/>
+          </a:xfrm>
+          <a:prstGeom prst="rect">
+            <a:avLst/>
+          </a:prstGeom>
+          <a:noFill/>
+        </p:spPr>
+        <p:txBody>
+          <a:bodyPr wrap="none" rtlCol="0">
+            <a:spAutoFit/>
+          </a:bodyPr>
+          <a:lstStyle/>
+          <a:p>
+            <a:r>
+              <a:rPr lang="en-US" sz="2800" dirty="0"/>
+              <a:t>Simulation – Successful Slave 1 -&gt;Master transfer </a:t>
+            </a:r>
+          </a:p>
+        </p:txBody>
+      </p:sp>
+      <p:pic>
+        <p:nvPicPr>
+          <p:cNvPr id="2" name="Picture 1"/>
+          <p:cNvPicPr>
+            <a:picLocks noChangeAspect="1"/>
+          </p:cNvPicPr>
+          <p:nvPr/>
+        </p:nvPicPr>
+        <p:blipFill rotWithShape="1">
+          <a:blip r:embed="rId2">
+            <a:extLst>
+              <a:ext uri="{28A0092B-C50C-407E-A947-70E740481C1C}">
+                <a14:useLocalDpi xmlns:a14="http://schemas.microsoft.com/office/drawing/2010/main" val="0"/>
+              </a:ext>
+            </a:extLst>
+          </a:blip>
+          <a:srcRect t="2282" b="3581"/>
+          <a:stretch/>
+        </p:blipFill>
+        <p:spPr>
+          <a:xfrm>
+            <a:off x="199697" y="809300"/>
+            <a:ext cx="8646236" cy="4698124"/>
+          </a:xfrm>
+          <a:prstGeom prst="rect">
+            <a:avLst/>
+          </a:prstGeom>
+        </p:spPr>
+      </p:pic>
+      <p:sp>
+        <p:nvSpPr>
+          <p:cNvPr id="5" name="TextBox 4"/>
+          <p:cNvSpPr txBox="1"/>
+          <p:nvPr/>
+        </p:nvSpPr>
+        <p:spPr>
+          <a:xfrm>
+            <a:off x="342900" y="5715762"/>
+            <a:ext cx="8192179" cy="646331"/>
+          </a:xfrm>
+          <a:prstGeom prst="rect">
+            <a:avLst/>
+          </a:prstGeom>
+          <a:noFill/>
+        </p:spPr>
+        <p:txBody>
+          <a:bodyPr wrap="none" rtlCol="0">
+            <a:spAutoFit/>
+          </a:bodyPr>
+          <a:lstStyle/>
+          <a:p>
+            <a:r>
+              <a:rPr lang="en-US" dirty="0"/>
+              <a:t>Strobe to slave 1 loads value 01001111 to be transmitted next time slave 1 is selected</a:t>
+            </a:r>
+          </a:p>
+          <a:p>
+            <a:r>
+              <a:rPr lang="en-US" dirty="0"/>
+              <a:t>(i.e., </a:t>
+            </a:r>
+            <a:r>
+              <a:rPr lang="en-US" dirty="0" err="1"/>
+              <a:t>ss</a:t>
+            </a:r>
+            <a:r>
+              <a:rPr lang="en-US" dirty="0"/>
+              <a:t> = 10) and master cycles </a:t>
+            </a:r>
+            <a:r>
+              <a:rPr lang="en-US" dirty="0" err="1"/>
+              <a:t>sck</a:t>
+            </a:r>
+            <a:r>
+              <a:rPr lang="en-US" dirty="0"/>
+              <a:t> eight times. </a:t>
+            </a:r>
+          </a:p>
+        </p:txBody>
+      </p:sp>
+      <p:sp>
+        <p:nvSpPr>
+          <p:cNvPr id="6" name="Oval 5"/>
+          <p:cNvSpPr/>
+          <p:nvPr/>
+        </p:nvSpPr>
+        <p:spPr>
+          <a:xfrm>
+            <a:off x="2775480" y="3562568"/>
+            <a:ext cx="559398" cy="333487"/>
+          </a:xfrm>
+          <a:prstGeom prst="ellipse">
+            <a:avLst/>
+          </a:prstGeom>
+          <a:noFill/>
+          <a:ln>
+            <a:solidFill>
+              <a:srgbClr val="FF0000"/>
+            </a:solidFill>
+          </a:ln>
+        </p:spPr>
+        <p:style>
+          <a:lnRef idx="2">
+            <a:schemeClr val="accent1">
+              <a:shade val="50000"/>
+            </a:schemeClr>
+          </a:lnRef>
+          <a:fillRef idx="1">
+            <a:schemeClr val="accent1"/>
+          </a:fillRef>
+          <a:effectRef idx="0">
+            <a:schemeClr val="accent1"/>
+          </a:effectRef>
+          <a:fontRef idx="minor">
+            <a:schemeClr val="lt1"/>
+          </a:fontRef>
+        </p:style>
+        <p:txBody>
+          <a:bodyPr rtlCol="0" anchor="ctr"/>
+          <a:lstStyle/>
+          <a:p>
+            <a:pPr algn="ctr"/>
+            <a:endParaRPr lang="en-US"/>
+          </a:p>
+        </p:txBody>
+      </p:sp>
+      <p:sp>
+        <p:nvSpPr>
+          <p:cNvPr id="7" name="Oval 6"/>
+          <p:cNvSpPr/>
+          <p:nvPr/>
+        </p:nvSpPr>
+        <p:spPr>
+          <a:xfrm>
+            <a:off x="2904572" y="3144544"/>
+            <a:ext cx="860611" cy="209237"/>
+          </a:xfrm>
+          <a:prstGeom prst="ellipse">
+            <a:avLst/>
+          </a:prstGeom>
+          <a:noFill/>
+          <a:ln>
+            <a:solidFill>
+              <a:srgbClr val="FF0000"/>
+            </a:solidFill>
+          </a:ln>
+        </p:spPr>
+        <p:style>
+          <a:lnRef idx="2">
+            <a:schemeClr val="accent1">
+              <a:shade val="50000"/>
+            </a:schemeClr>
+          </a:lnRef>
+          <a:fillRef idx="1">
+            <a:schemeClr val="accent1"/>
+          </a:fillRef>
+          <a:effectRef idx="0">
+            <a:schemeClr val="accent1"/>
+          </a:effectRef>
+          <a:fontRef idx="minor">
+            <a:schemeClr val="lt1"/>
+          </a:fontRef>
+        </p:style>
+        <p:txBody>
+          <a:bodyPr rtlCol="0" anchor="ctr"/>
+          <a:lstStyle/>
+          <a:p>
+            <a:pPr algn="ctr"/>
+            <a:endParaRPr lang="en-US"/>
+          </a:p>
+        </p:txBody>
+      </p:sp>
+      <p:sp>
+        <p:nvSpPr>
+          <p:cNvPr id="8" name="Oval 7"/>
+          <p:cNvSpPr/>
+          <p:nvPr/>
+        </p:nvSpPr>
+        <p:spPr>
+          <a:xfrm>
+            <a:off x="2926088" y="1012417"/>
+            <a:ext cx="860611" cy="209237"/>
+          </a:xfrm>
+          <a:prstGeom prst="ellipse">
+            <a:avLst/>
+          </a:prstGeom>
+          <a:noFill/>
+          <a:ln>
+            <a:solidFill>
+              <a:srgbClr val="FF0000"/>
+            </a:solidFill>
+          </a:ln>
+        </p:spPr>
+        <p:style>
+          <a:lnRef idx="2">
+            <a:schemeClr val="accent1">
+              <a:shade val="50000"/>
+            </a:schemeClr>
+          </a:lnRef>
+          <a:fillRef idx="1">
+            <a:schemeClr val="accent1"/>
+          </a:fillRef>
+          <a:effectRef idx="0">
+            <a:schemeClr val="accent1"/>
+          </a:effectRef>
+          <a:fontRef idx="minor">
+            <a:schemeClr val="lt1"/>
+          </a:fontRef>
+        </p:style>
+        <p:txBody>
+          <a:bodyPr rtlCol="0" anchor="ctr"/>
+          <a:lstStyle/>
+          <a:p>
+            <a:pPr algn="ctr"/>
+            <a:endParaRPr lang="en-US"/>
+          </a:p>
+        </p:txBody>
+      </p:sp>
+      <p:sp>
+        <p:nvSpPr>
+          <p:cNvPr id="9" name="Oval 8"/>
+          <p:cNvSpPr/>
+          <p:nvPr/>
+        </p:nvSpPr>
+        <p:spPr>
+          <a:xfrm>
+            <a:off x="6230477" y="2176625"/>
+            <a:ext cx="559398" cy="333487"/>
+          </a:xfrm>
+          <a:prstGeom prst="ellipse">
+            <a:avLst/>
+          </a:prstGeom>
+          <a:noFill/>
+          <a:ln>
+            <a:solidFill>
+              <a:srgbClr val="FF0000"/>
+            </a:solidFill>
+          </a:ln>
+        </p:spPr>
+        <p:style>
+          <a:lnRef idx="2">
+            <a:schemeClr val="accent1">
+              <a:shade val="50000"/>
+            </a:schemeClr>
+          </a:lnRef>
+          <a:fillRef idx="1">
+            <a:schemeClr val="accent1"/>
+          </a:fillRef>
+          <a:effectRef idx="0">
+            <a:schemeClr val="accent1"/>
+          </a:effectRef>
+          <a:fontRef idx="minor">
+            <a:schemeClr val="lt1"/>
+          </a:fontRef>
+        </p:style>
+        <p:txBody>
+          <a:bodyPr rtlCol="0" anchor="ctr"/>
+          <a:lstStyle/>
+          <a:p>
+            <a:pPr algn="ctr"/>
+            <a:endParaRPr lang="en-US"/>
+          </a:p>
+        </p:txBody>
+      </p:sp>
+      <p:sp>
+        <p:nvSpPr>
+          <p:cNvPr id="10" name="Oval 9"/>
+          <p:cNvSpPr/>
+          <p:nvPr/>
+        </p:nvSpPr>
+        <p:spPr>
+          <a:xfrm>
+            <a:off x="6375273" y="4618857"/>
+            <a:ext cx="2011982" cy="552233"/>
+          </a:xfrm>
+          <a:prstGeom prst="ellipse">
+            <a:avLst/>
+          </a:prstGeom>
+          <a:noFill/>
+          <a:ln>
+            <a:solidFill>
+              <a:srgbClr val="FF0000"/>
+            </a:solidFill>
+          </a:ln>
+        </p:spPr>
+        <p:style>
+          <a:lnRef idx="2">
+            <a:schemeClr val="accent1">
+              <a:shade val="50000"/>
+            </a:schemeClr>
+          </a:lnRef>
+          <a:fillRef idx="1">
+            <a:schemeClr val="accent1"/>
+          </a:fillRef>
+          <a:effectRef idx="0">
+            <a:schemeClr val="accent1"/>
+          </a:effectRef>
+          <a:fontRef idx="minor">
+            <a:schemeClr val="lt1"/>
+          </a:fontRef>
+        </p:style>
+        <p:txBody>
+          <a:bodyPr rtlCol="0" anchor="ctr"/>
+          <a:lstStyle/>
+          <a:p>
+            <a:pPr algn="ctr"/>
+            <a:endParaRPr lang="en-US"/>
+          </a:p>
+        </p:txBody>
+      </p:sp>
+      <p:sp>
+        <p:nvSpPr>
+          <p:cNvPr id="11" name="Oval 10"/>
+          <p:cNvSpPr/>
+          <p:nvPr/>
+        </p:nvSpPr>
+        <p:spPr>
+          <a:xfrm>
+            <a:off x="7902301" y="1985797"/>
+            <a:ext cx="559398" cy="333487"/>
+          </a:xfrm>
+          <a:prstGeom prst="ellipse">
+            <a:avLst/>
+          </a:prstGeom>
+          <a:noFill/>
+          <a:ln>
+            <a:solidFill>
+              <a:srgbClr val="FF0000"/>
+            </a:solidFill>
+          </a:ln>
+        </p:spPr>
+        <p:style>
+          <a:lnRef idx="2">
+            <a:schemeClr val="accent1">
+              <a:shade val="50000"/>
+            </a:schemeClr>
+          </a:lnRef>
+          <a:fillRef idx="1">
+            <a:schemeClr val="accent1"/>
+          </a:fillRef>
+          <a:effectRef idx="0">
+            <a:schemeClr val="accent1"/>
+          </a:effectRef>
+          <a:fontRef idx="minor">
+            <a:schemeClr val="lt1"/>
+          </a:fontRef>
+        </p:style>
+        <p:txBody>
+          <a:bodyPr rtlCol="0" anchor="ctr"/>
+          <a:lstStyle/>
+          <a:p>
+            <a:pPr algn="ctr"/>
+            <a:endParaRPr lang="en-US"/>
+          </a:p>
+        </p:txBody>
+      </p:sp>
+      <p:sp>
+        <p:nvSpPr>
+          <p:cNvPr id="12" name="Oval 11"/>
+          <p:cNvSpPr/>
+          <p:nvPr/>
+        </p:nvSpPr>
+        <p:spPr>
+          <a:xfrm>
+            <a:off x="8031393" y="1735120"/>
+            <a:ext cx="860611" cy="209237"/>
+          </a:xfrm>
+          <a:prstGeom prst="ellipse">
+            <a:avLst/>
+          </a:prstGeom>
+          <a:noFill/>
+          <a:ln>
+            <a:solidFill>
+              <a:srgbClr val="FF0000"/>
+            </a:solidFill>
+          </a:ln>
+        </p:spPr>
+        <p:style>
+          <a:lnRef idx="2">
+            <a:schemeClr val="accent1">
+              <a:shade val="50000"/>
+            </a:schemeClr>
+          </a:lnRef>
+          <a:fillRef idx="1">
+            <a:schemeClr val="accent1"/>
+          </a:fillRef>
+          <a:effectRef idx="0">
+            <a:schemeClr val="accent1"/>
+          </a:effectRef>
+          <a:fontRef idx="minor">
+            <a:schemeClr val="lt1"/>
+          </a:fontRef>
+        </p:style>
+        <p:txBody>
+          <a:bodyPr rtlCol="0" anchor="ctr"/>
+          <a:lstStyle/>
+          <a:p>
+            <a:pPr algn="ctr"/>
+            <a:endParaRPr lang="en-US"/>
+          </a:p>
+        </p:txBody>
+      </p:sp>
+    </p:spTree>
+    <p:extLst>
+      <p:ext uri="{BB962C8B-B14F-4D97-AF65-F5344CB8AC3E}">
+        <p14:creationId xmlns:p14="http://schemas.microsoft.com/office/powerpoint/2010/main" val="1559318179"/>
+      </p:ext>
+    </p:extLst>
+  </p:cSld>
+  <p:clrMapOvr>
+    <a:masterClrMapping/>
+  </p:clrMapOvr>
+</p:sld>
+</file>
+
+<file path=ppt/slides/slide17.xml><?xml version="1.0" encoding="utf-8"?>
+<p:sld xmlns:a="http://schemas.openxmlformats.org/drawingml/2006/main" xmlns:r="http://schemas.openxmlformats.org/officeDocument/2006/relationships" xmlns:p="http://schemas.openxmlformats.org/presentationml/2006/main">
+  <p:cSld>
+    <p:spTree>
+      <p:nvGrpSpPr>
+        <p:cNvPr id="1" name=""/>
+        <p:cNvGrpSpPr/>
+        <p:nvPr/>
+      </p:nvGrpSpPr>
+      <p:grpSpPr>
+        <a:xfrm>
+          <a:off x="0" y="0"/>
+          <a:ext cx="0" cy="0"/>
+          <a:chOff x="0" y="0"/>
+          <a:chExt cx="0" cy="0"/>
+        </a:xfrm>
+      </p:grpSpPr>
+      <p:sp>
+        <p:nvSpPr>
+          <p:cNvPr id="2" name="Title 1"/>
+          <p:cNvSpPr>
+            <a:spLocks noGrp="1"/>
+          </p:cNvSpPr>
+          <p:nvPr>
+            <p:ph type="title"/>
+          </p:nvPr>
+        </p:nvSpPr>
+        <p:spPr/>
+        <p:txBody>
+          <a:bodyPr/>
+          <a:lstStyle/>
+          <a:p>
+            <a:r>
+              <a:rPr lang="en-US" dirty="0"/>
+              <a:t>What you have learned (I hope)</a:t>
+            </a:r>
+          </a:p>
+        </p:txBody>
+      </p:sp>
+      <p:sp>
+        <p:nvSpPr>
+          <p:cNvPr id="3" name="Content Placeholder 2"/>
+          <p:cNvSpPr>
+            <a:spLocks noGrp="1"/>
+          </p:cNvSpPr>
+          <p:nvPr>
+            <p:ph idx="1"/>
+          </p:nvPr>
+        </p:nvSpPr>
+        <p:spPr>
+          <a:xfrm>
+            <a:off x="628650" y="1376855"/>
+            <a:ext cx="7886700" cy="4800108"/>
+          </a:xfrm>
+        </p:spPr>
+        <p:txBody>
+          <a:bodyPr>
+            <a:noAutofit/>
+          </a:bodyPr>
+          <a:lstStyle/>
+          <a:p>
+            <a:r>
+              <a:rPr lang="en-US" sz="3200" dirty="0"/>
+              <a:t>Purpose of System Verilog Interfaces</a:t>
+            </a:r>
+          </a:p>
+          <a:p>
+            <a:r>
+              <a:rPr lang="en-US" sz="3200" dirty="0"/>
+              <a:t>Basic interface syntax</a:t>
+            </a:r>
+          </a:p>
+          <a:p>
+            <a:r>
+              <a:rPr lang="en-US" sz="3200" dirty="0"/>
+              <a:t>Use of interface in test bench and design code</a:t>
+            </a:r>
+          </a:p>
+          <a:p>
+            <a:r>
+              <a:rPr lang="en-US" sz="3200" dirty="0"/>
+              <a:t>Use of interface in simulation and verification</a:t>
+            </a:r>
+          </a:p>
+          <a:p>
+            <a:r>
+              <a:rPr lang="en-US" sz="3200" dirty="0"/>
+              <a:t>Benefits of interfaces</a:t>
+            </a:r>
+          </a:p>
+          <a:p>
+            <a:pPr lvl="1"/>
+            <a:r>
+              <a:rPr lang="en-US" sz="2800" dirty="0"/>
+              <a:t>Improved modularity of code</a:t>
+            </a:r>
+          </a:p>
+          <a:p>
+            <a:pPr lvl="1"/>
+            <a:r>
+              <a:rPr lang="en-US" sz="2800" dirty="0"/>
+              <a:t>Improved readability of code</a:t>
+            </a:r>
+          </a:p>
+        </p:txBody>
+      </p:sp>
+    </p:spTree>
+    <p:extLst>
+      <p:ext uri="{BB962C8B-B14F-4D97-AF65-F5344CB8AC3E}">
+        <p14:creationId xmlns:p14="http://schemas.microsoft.com/office/powerpoint/2010/main" val="2553602267"/>
       </p:ext>
     </p:extLst>
   </p:cSld>
@@ -3072,33 +7209,6 @@
           </p:nvPr>
         </p:nvPicPr>
         <p:blipFill>
-          <a:blip r:embed="rId2">
-            <a:extLst>
-              <a:ext uri="{28A0092B-C50C-407E-A947-70E740481C1C}">
-                <a14:useLocalDpi xmlns:a14="http://schemas.microsoft.com/office/drawing/2010/main" val="0"/>
-              </a:ext>
-            </a:extLst>
-          </a:blip>
-          <a:stretch>
-            <a:fillRect/>
-          </a:stretch>
-        </p:blipFill>
-        <p:spPr>
-          <a:xfrm>
-            <a:off x="892271" y="657346"/>
-            <a:ext cx="4545563" cy="3412947"/>
-          </a:xfrm>
-        </p:spPr>
-      </p:pic>
-      <p:pic>
-        <p:nvPicPr>
-          <p:cNvPr id="5" name="Picture 4"/>
-          <p:cNvPicPr>
-            <a:picLocks noChangeAspect="1"/>
-          </p:cNvPicPr>
-          <p:nvPr/>
-        </p:nvPicPr>
-        <p:blipFill>
           <a:blip r:embed="rId3">
             <a:extLst>
               <a:ext uri="{28A0092B-C50C-407E-A947-70E740481C1C}">
@@ -3112,6 +7222,33 @@
         </p:blipFill>
         <p:spPr>
           <a:xfrm>
+            <a:off x="892271" y="657346"/>
+            <a:ext cx="4545563" cy="3412947"/>
+          </a:xfrm>
+        </p:spPr>
+      </p:pic>
+      <p:pic>
+        <p:nvPicPr>
+          <p:cNvPr id="5" name="Picture 4"/>
+          <p:cNvPicPr>
+            <a:picLocks noChangeAspect="1"/>
+          </p:cNvPicPr>
+          <p:nvPr/>
+        </p:nvPicPr>
+        <p:blipFill>
+          <a:blip r:embed="rId4">
+            <a:extLst>
+              <a:ext uri="{28A0092B-C50C-407E-A947-70E740481C1C}">
+                <a14:useLocalDpi xmlns:a14="http://schemas.microsoft.com/office/drawing/2010/main" val="0"/>
+              </a:ext>
+            </a:extLst>
+          </a:blip>
+          <a:stretch>
+            <a:fillRect/>
+          </a:stretch>
+        </p:blipFill>
+        <p:spPr>
+          <a:xfrm>
             <a:off x="651999" y="4568164"/>
             <a:ext cx="7791450" cy="1476375"/>
           </a:xfrm>
@@ -3143,19 +7280,19 @@
           <a:lstStyle/>
           <a:p>
             <a:r>
-              <a:rPr lang="en-US" sz="2800" dirty="0" smtClean="0"/>
+              <a:rPr lang="en-US" sz="2800" dirty="0"/>
               <a:t>SPI Interconnect without</a:t>
             </a:r>
           </a:p>
           <a:p>
             <a:r>
-              <a:rPr lang="en-US" sz="2800" dirty="0" smtClean="0"/>
+              <a:rPr lang="en-US" sz="2800" dirty="0"/>
               <a:t>using modular interface</a:t>
             </a:r>
           </a:p>
           <a:p>
             <a:r>
-              <a:rPr lang="en-US" sz="2800" dirty="0" smtClean="0"/>
+              <a:rPr lang="en-US" sz="2800" dirty="0"/>
               <a:t>definition.</a:t>
             </a:r>
           </a:p>
@@ -3200,7 +7337,7 @@
           <p:nvPr/>
         </p:nvPicPr>
         <p:blipFill>
-          <a:blip r:embed="rId2">
+          <a:blip r:embed="rId3">
             <a:extLst>
               <a:ext uri="{28A0092B-C50C-407E-A947-70E740481C1C}">
                 <a14:useLocalDpi xmlns:a14="http://schemas.microsoft.com/office/drawing/2010/main" val="0"/>
@@ -3244,13 +7381,13 @@
           <a:lstStyle/>
           <a:p>
             <a:r>
-              <a:rPr lang="en-US" sz="2800" dirty="0" smtClean="0"/>
+              <a:rPr lang="en-US" sz="2800" dirty="0"/>
               <a:t>SPI Interconnect with modular interface</a:t>
             </a:r>
           </a:p>
           <a:p>
             <a:r>
-              <a:rPr lang="en-US" sz="2800" dirty="0" smtClean="0"/>
+              <a:rPr lang="en-US" sz="2800" dirty="0"/>
               <a:t>definition.</a:t>
             </a:r>
           </a:p>
@@ -3265,7 +7402,7 @@
           <p:nvPr/>
         </p:nvPicPr>
         <p:blipFill>
-          <a:blip r:embed="rId3">
+          <a:blip r:embed="rId4">
             <a:extLst>
               <a:ext uri="{28A0092B-C50C-407E-A947-70E740481C1C}">
                 <a14:useLocalDpi xmlns:a14="http://schemas.microsoft.com/office/drawing/2010/main" val="0"/>
@@ -3325,7 +7462,7 @@
           <p:nvPr/>
         </p:nvPicPr>
         <p:blipFill>
-          <a:blip r:embed="rId2">
+          <a:blip r:embed="rId3">
             <a:extLst>
               <a:ext uri="{28A0092B-C50C-407E-A947-70E740481C1C}">
                 <a14:useLocalDpi xmlns:a14="http://schemas.microsoft.com/office/drawing/2010/main" val="0"/>
@@ -3369,10 +7506,9 @@
           <a:lstStyle/>
           <a:p>
             <a:r>
-              <a:rPr lang="en-US" sz="2800" dirty="0" smtClean="0"/>
+              <a:rPr lang="en-US" sz="2800" dirty="0"/>
               <a:t>Organization of test bench using SV interfaces. </a:t>
             </a:r>
-            <a:endParaRPr lang="en-US" sz="2800" dirty="0"/>
           </a:p>
         </p:txBody>
       </p:sp>
@@ -3414,8 +7550,8 @@
         </p:nvSpPr>
         <p:spPr>
           <a:xfrm>
-            <a:off x="1302818" y="1715512"/>
-            <a:ext cx="7045134" cy="2554545"/>
+            <a:off x="342900" y="203200"/>
+            <a:ext cx="6615914" cy="523220"/>
           </a:xfrm>
           <a:prstGeom prst="rect">
             <a:avLst/>
@@ -3429,35 +7565,1208 @@
           <a:lstStyle/>
           <a:p>
             <a:r>
-              <a:rPr lang="en-US" sz="4000" dirty="0" smtClean="0"/>
-              <a:t>Walk-through of code for</a:t>
-            </a:r>
-          </a:p>
-          <a:p>
-            <a:r>
-              <a:rPr lang="en-US" sz="4000" dirty="0" smtClean="0"/>
-              <a:t>Interface definition</a:t>
-            </a:r>
-          </a:p>
-          <a:p>
-            <a:r>
-              <a:rPr lang="en-US" sz="4000" dirty="0" smtClean="0"/>
-              <a:t>Design of SPI master &amp; slave</a:t>
-            </a:r>
-          </a:p>
-          <a:p>
-            <a:r>
-              <a:rPr lang="en-US" sz="4000" dirty="0" smtClean="0"/>
-              <a:t>Test bench for SPI master &amp; slave</a:t>
-            </a:r>
-            <a:endParaRPr lang="en-US" sz="4000" dirty="0"/>
-          </a:p>
-        </p:txBody>
-      </p:sp>
+              <a:rPr lang="en-US" sz="2800" dirty="0"/>
+              <a:t>Code to define interface, put in a header file</a:t>
+            </a:r>
+          </a:p>
+        </p:txBody>
+      </p:sp>
+      <p:pic>
+        <p:nvPicPr>
+          <p:cNvPr id="2" name="Picture 1" descr="Screen Clipping"/>
+          <p:cNvPicPr>
+            <a:picLocks noChangeAspect="1"/>
+          </p:cNvPicPr>
+          <p:nvPr/>
+        </p:nvPicPr>
+        <p:blipFill>
+          <a:blip r:embed="rId3">
+            <a:extLst>
+              <a:ext uri="{BEBA8EAE-BF5A-486C-A8C5-ECC9F3942E4B}">
+                <a14:imgProps xmlns:a14="http://schemas.microsoft.com/office/drawing/2010/main">
+                  <a14:imgLayer r:embed="rId4">
+                    <a14:imgEffect>
+                      <a14:brightnessContrast bright="-35000" contrast="70000"/>
+                    </a14:imgEffect>
+                  </a14:imgLayer>
+                </a14:imgProps>
+              </a:ext>
+              <a:ext uri="{28A0092B-C50C-407E-A947-70E740481C1C}">
+                <a14:useLocalDpi xmlns:a14="http://schemas.microsoft.com/office/drawing/2010/main" val="0"/>
+              </a:ext>
+            </a:extLst>
+          </a:blip>
+          <a:stretch>
+            <a:fillRect/>
+          </a:stretch>
+        </p:blipFill>
+        <p:spPr>
+          <a:xfrm>
+            <a:off x="147020" y="973537"/>
+            <a:ext cx="8849960" cy="4553585"/>
+          </a:xfrm>
+          <a:prstGeom prst="rect">
+            <a:avLst/>
+          </a:prstGeom>
+        </p:spPr>
+      </p:pic>
     </p:spTree>
     <p:extLst>
       <p:ext uri="{BB962C8B-B14F-4D97-AF65-F5344CB8AC3E}">
-        <p14:creationId xmlns:p14="http://schemas.microsoft.com/office/powerpoint/2010/main" val="1282343046"/>
+        <p14:creationId xmlns:p14="http://schemas.microsoft.com/office/powerpoint/2010/main" val="1837278882"/>
+      </p:ext>
+    </p:extLst>
+  </p:cSld>
+  <p:clrMapOvr>
+    <a:masterClrMapping/>
+  </p:clrMapOvr>
+</p:sld>
+</file>
+
+<file path=ppt/slides/slide6.xml><?xml version="1.0" encoding="utf-8"?>
+<p:sld xmlns:a="http://schemas.openxmlformats.org/drawingml/2006/main" xmlns:r="http://schemas.openxmlformats.org/officeDocument/2006/relationships" xmlns:p="http://schemas.openxmlformats.org/presentationml/2006/main">
+  <p:cSld>
+    <p:spTree>
+      <p:nvGrpSpPr>
+        <p:cNvPr id="1" name=""/>
+        <p:cNvGrpSpPr/>
+        <p:nvPr/>
+      </p:nvGrpSpPr>
+      <p:grpSpPr>
+        <a:xfrm>
+          <a:off x="0" y="0"/>
+          <a:ext cx="0" cy="0"/>
+          <a:chOff x="0" y="0"/>
+          <a:chExt cx="0" cy="0"/>
+        </a:xfrm>
+      </p:grpSpPr>
+      <p:sp>
+        <p:nvSpPr>
+          <p:cNvPr id="4" name="TextBox 3"/>
+          <p:cNvSpPr txBox="1"/>
+          <p:nvPr/>
+        </p:nvSpPr>
+        <p:spPr>
+          <a:xfrm>
+            <a:off x="342900" y="203200"/>
+            <a:ext cx="4458656" cy="523220"/>
+          </a:xfrm>
+          <a:prstGeom prst="rect">
+            <a:avLst/>
+          </a:prstGeom>
+          <a:noFill/>
+        </p:spPr>
+        <p:txBody>
+          <a:bodyPr wrap="none" rtlCol="0">
+            <a:spAutoFit/>
+          </a:bodyPr>
+          <a:lstStyle/>
+          <a:p>
+            <a:r>
+              <a:rPr lang="en-US" sz="2800" dirty="0"/>
+              <a:t>Use of interface in SPI master</a:t>
+            </a:r>
+          </a:p>
+        </p:txBody>
+      </p:sp>
+      <p:pic>
+        <p:nvPicPr>
+          <p:cNvPr id="2" name="Picture 1" descr="Screen Clipping"/>
+          <p:cNvPicPr>
+            <a:picLocks noChangeAspect="1"/>
+          </p:cNvPicPr>
+          <p:nvPr/>
+        </p:nvPicPr>
+        <p:blipFill rotWithShape="1">
+          <a:blip r:embed="rId3">
+            <a:extLst>
+              <a:ext uri="{BEBA8EAE-BF5A-486C-A8C5-ECC9F3942E4B}">
+                <a14:imgProps xmlns:a14="http://schemas.microsoft.com/office/drawing/2010/main">
+                  <a14:imgLayer r:embed="rId4">
+                    <a14:imgEffect>
+                      <a14:brightnessContrast bright="-35000" contrast="70000"/>
+                    </a14:imgEffect>
+                  </a14:imgLayer>
+                </a14:imgProps>
+              </a:ext>
+              <a:ext uri="{28A0092B-C50C-407E-A947-70E740481C1C}">
+                <a14:useLocalDpi xmlns:a14="http://schemas.microsoft.com/office/drawing/2010/main" val="0"/>
+              </a:ext>
+            </a:extLst>
+          </a:blip>
+          <a:srcRect l="8032" b="21191"/>
+          <a:stretch/>
+        </p:blipFill>
+        <p:spPr>
+          <a:xfrm>
+            <a:off x="534074" y="1039182"/>
+            <a:ext cx="4968510" cy="312189"/>
+          </a:xfrm>
+          <a:prstGeom prst="rect">
+            <a:avLst/>
+          </a:prstGeom>
+        </p:spPr>
+      </p:pic>
+      <p:sp>
+        <p:nvSpPr>
+          <p:cNvPr id="3" name="TextBox 2"/>
+          <p:cNvSpPr txBox="1"/>
+          <p:nvPr/>
+        </p:nvSpPr>
+        <p:spPr>
+          <a:xfrm>
+            <a:off x="1561762" y="1495734"/>
+            <a:ext cx="4978029" cy="369332"/>
+          </a:xfrm>
+          <a:prstGeom prst="rect">
+            <a:avLst/>
+          </a:prstGeom>
+          <a:noFill/>
+        </p:spPr>
+        <p:txBody>
+          <a:bodyPr wrap="none" rtlCol="0">
+            <a:spAutoFit/>
+          </a:bodyPr>
+          <a:lstStyle/>
+          <a:p>
+            <a:r>
+              <a:rPr lang="en-US" dirty="0"/>
+              <a:t>commented out because already loaded elsewhere</a:t>
+            </a:r>
+          </a:p>
+        </p:txBody>
+      </p:sp>
+      <p:pic>
+        <p:nvPicPr>
+          <p:cNvPr id="5" name="Picture 4" descr="Screen Clipping"/>
+          <p:cNvPicPr>
+            <a:picLocks noChangeAspect="1"/>
+          </p:cNvPicPr>
+          <p:nvPr/>
+        </p:nvPicPr>
+        <p:blipFill>
+          <a:blip r:embed="rId5">
+            <a:extLst>
+              <a:ext uri="{BEBA8EAE-BF5A-486C-A8C5-ECC9F3942E4B}">
+                <a14:imgProps xmlns:a14="http://schemas.microsoft.com/office/drawing/2010/main">
+                  <a14:imgLayer r:embed="rId6">
+                    <a14:imgEffect>
+                      <a14:brightnessContrast bright="-40000" contrast="80000"/>
+                    </a14:imgEffect>
+                  </a14:imgLayer>
+                </a14:imgProps>
+              </a:ext>
+              <a:ext uri="{28A0092B-C50C-407E-A947-70E740481C1C}">
+                <a14:useLocalDpi xmlns:a14="http://schemas.microsoft.com/office/drawing/2010/main" val="0"/>
+              </a:ext>
+            </a:extLst>
+          </a:blip>
+          <a:stretch>
+            <a:fillRect/>
+          </a:stretch>
+        </p:blipFill>
+        <p:spPr>
+          <a:xfrm>
+            <a:off x="534074" y="2009429"/>
+            <a:ext cx="8019207" cy="637537"/>
+          </a:xfrm>
+          <a:prstGeom prst="rect">
+            <a:avLst/>
+          </a:prstGeom>
+        </p:spPr>
+      </p:pic>
+      <p:sp>
+        <p:nvSpPr>
+          <p:cNvPr id="6" name="TextBox 5"/>
+          <p:cNvSpPr txBox="1"/>
+          <p:nvPr/>
+        </p:nvSpPr>
+        <p:spPr>
+          <a:xfrm>
+            <a:off x="1561762" y="2791329"/>
+            <a:ext cx="6592382" cy="646331"/>
+          </a:xfrm>
+          <a:prstGeom prst="rect">
+            <a:avLst/>
+          </a:prstGeom>
+          <a:noFill/>
+        </p:spPr>
+        <p:txBody>
+          <a:bodyPr wrap="none" rtlCol="0">
+            <a:spAutoFit/>
+          </a:bodyPr>
+          <a:lstStyle/>
+          <a:p>
+            <a:r>
+              <a:rPr lang="en-US" dirty="0"/>
+              <a:t>Ctrl is an instance of </a:t>
+            </a:r>
+            <a:r>
+              <a:rPr lang="en-US" dirty="0" err="1"/>
+              <a:t>SPIctrl</a:t>
+            </a:r>
+            <a:r>
+              <a:rPr lang="en-US" dirty="0"/>
+              <a:t> with input/output as given by </a:t>
+            </a:r>
+          </a:p>
+          <a:p>
+            <a:r>
+              <a:rPr lang="en-US" dirty="0"/>
+              <a:t>master </a:t>
+            </a:r>
+            <a:r>
+              <a:rPr lang="en-US" dirty="0" err="1"/>
+              <a:t>modport</a:t>
+            </a:r>
+            <a:r>
+              <a:rPr lang="en-US" dirty="0"/>
+              <a:t>. </a:t>
+            </a:r>
+            <a:r>
+              <a:rPr lang="en-US" dirty="0" err="1"/>
+              <a:t>Spim</a:t>
+            </a:r>
+            <a:r>
+              <a:rPr lang="en-US" dirty="0"/>
+              <a:t> is an instance of </a:t>
+            </a:r>
+            <a:r>
+              <a:rPr lang="en-US" dirty="0" err="1"/>
+              <a:t>SPIbus</a:t>
+            </a:r>
+            <a:r>
+              <a:rPr lang="en-US" dirty="0"/>
+              <a:t> with Master </a:t>
+            </a:r>
+            <a:r>
+              <a:rPr lang="en-US" dirty="0" err="1"/>
+              <a:t>modport</a:t>
+            </a:r>
+            <a:endParaRPr lang="en-US" dirty="0"/>
+          </a:p>
+        </p:txBody>
+      </p:sp>
+      <p:pic>
+        <p:nvPicPr>
+          <p:cNvPr id="7" name="Picture 6" descr="Screen Clipping"/>
+          <p:cNvPicPr>
+            <a:picLocks noChangeAspect="1"/>
+          </p:cNvPicPr>
+          <p:nvPr/>
+        </p:nvPicPr>
+        <p:blipFill>
+          <a:blip r:embed="rId7">
+            <a:extLst>
+              <a:ext uri="{BEBA8EAE-BF5A-486C-A8C5-ECC9F3942E4B}">
+                <a14:imgProps xmlns:a14="http://schemas.microsoft.com/office/drawing/2010/main">
+                  <a14:imgLayer r:embed="rId8">
+                    <a14:imgEffect>
+                      <a14:brightnessContrast bright="-40000" contrast="80000"/>
+                    </a14:imgEffect>
+                  </a14:imgLayer>
+                </a14:imgProps>
+              </a:ext>
+              <a:ext uri="{28A0092B-C50C-407E-A947-70E740481C1C}">
+                <a14:useLocalDpi xmlns:a14="http://schemas.microsoft.com/office/drawing/2010/main" val="0"/>
+              </a:ext>
+            </a:extLst>
+          </a:blip>
+          <a:stretch>
+            <a:fillRect/>
+          </a:stretch>
+        </p:blipFill>
+        <p:spPr>
+          <a:xfrm>
+            <a:off x="534074" y="3622482"/>
+            <a:ext cx="5100726" cy="2635813"/>
+          </a:xfrm>
+          <a:prstGeom prst="rect">
+            <a:avLst/>
+          </a:prstGeom>
+        </p:spPr>
+      </p:pic>
+      <p:sp>
+        <p:nvSpPr>
+          <p:cNvPr id="8" name="TextBox 7"/>
+          <p:cNvSpPr txBox="1"/>
+          <p:nvPr/>
+        </p:nvSpPr>
+        <p:spPr>
+          <a:xfrm>
+            <a:off x="5934786" y="4288779"/>
+            <a:ext cx="2539991" cy="646331"/>
+          </a:xfrm>
+          <a:prstGeom prst="rect">
+            <a:avLst/>
+          </a:prstGeom>
+          <a:noFill/>
+        </p:spPr>
+        <p:txBody>
+          <a:bodyPr wrap="none" rtlCol="0">
+            <a:spAutoFit/>
+          </a:bodyPr>
+          <a:lstStyle/>
+          <a:p>
+            <a:r>
+              <a:rPr lang="en-US" dirty="0"/>
+              <a:t>References to elements</a:t>
+            </a:r>
+          </a:p>
+          <a:p>
+            <a:r>
+              <a:rPr lang="en-US" dirty="0"/>
+              <a:t>of Ctrl interface as inputs</a:t>
+            </a:r>
+          </a:p>
+        </p:txBody>
+      </p:sp>
+    </p:spTree>
+    <p:extLst>
+      <p:ext uri="{BB962C8B-B14F-4D97-AF65-F5344CB8AC3E}">
+        <p14:creationId xmlns:p14="http://schemas.microsoft.com/office/powerpoint/2010/main" val="1708377630"/>
+      </p:ext>
+    </p:extLst>
+  </p:cSld>
+  <p:clrMapOvr>
+    <a:masterClrMapping/>
+  </p:clrMapOvr>
+</p:sld>
+</file>
+
+<file path=ppt/slides/slide7.xml><?xml version="1.0" encoding="utf-8"?>
+<p:sld xmlns:a="http://schemas.openxmlformats.org/drawingml/2006/main" xmlns:r="http://schemas.openxmlformats.org/officeDocument/2006/relationships" xmlns:p="http://schemas.openxmlformats.org/presentationml/2006/main">
+  <p:cSld>
+    <p:spTree>
+      <p:nvGrpSpPr>
+        <p:cNvPr id="1" name=""/>
+        <p:cNvGrpSpPr/>
+        <p:nvPr/>
+      </p:nvGrpSpPr>
+      <p:grpSpPr>
+        <a:xfrm>
+          <a:off x="0" y="0"/>
+          <a:ext cx="0" cy="0"/>
+          <a:chOff x="0" y="0"/>
+          <a:chExt cx="0" cy="0"/>
+        </a:xfrm>
+      </p:grpSpPr>
+      <p:sp>
+        <p:nvSpPr>
+          <p:cNvPr id="4" name="TextBox 3"/>
+          <p:cNvSpPr txBox="1"/>
+          <p:nvPr/>
+        </p:nvSpPr>
+        <p:spPr>
+          <a:xfrm>
+            <a:off x="342900" y="203200"/>
+            <a:ext cx="4458656" cy="523220"/>
+          </a:xfrm>
+          <a:prstGeom prst="rect">
+            <a:avLst/>
+          </a:prstGeom>
+          <a:noFill/>
+        </p:spPr>
+        <p:txBody>
+          <a:bodyPr wrap="none" rtlCol="0">
+            <a:spAutoFit/>
+          </a:bodyPr>
+          <a:lstStyle/>
+          <a:p>
+            <a:r>
+              <a:rPr lang="en-US" sz="2800" dirty="0"/>
+              <a:t>Use of interface in SPI master</a:t>
+            </a:r>
+          </a:p>
+        </p:txBody>
+      </p:sp>
+      <p:pic>
+        <p:nvPicPr>
+          <p:cNvPr id="9" name="Picture 8" descr="Screen Clipping"/>
+          <p:cNvPicPr>
+            <a:picLocks noChangeAspect="1"/>
+          </p:cNvPicPr>
+          <p:nvPr/>
+        </p:nvPicPr>
+        <p:blipFill>
+          <a:blip r:embed="rId3">
+            <a:extLst>
+              <a:ext uri="{BEBA8EAE-BF5A-486C-A8C5-ECC9F3942E4B}">
+                <a14:imgProps xmlns:a14="http://schemas.microsoft.com/office/drawing/2010/main">
+                  <a14:imgLayer r:embed="rId4">
+                    <a14:imgEffect>
+                      <a14:brightnessContrast bright="-40000" contrast="80000"/>
+                    </a14:imgEffect>
+                  </a14:imgLayer>
+                </a14:imgProps>
+              </a:ext>
+              <a:ext uri="{28A0092B-C50C-407E-A947-70E740481C1C}">
+                <a14:useLocalDpi xmlns:a14="http://schemas.microsoft.com/office/drawing/2010/main" val="0"/>
+              </a:ext>
+            </a:extLst>
+          </a:blip>
+          <a:stretch>
+            <a:fillRect/>
+          </a:stretch>
+        </p:blipFill>
+        <p:spPr>
+          <a:xfrm>
+            <a:off x="399915" y="1365103"/>
+            <a:ext cx="4204453" cy="982484"/>
+          </a:xfrm>
+          <a:prstGeom prst="rect">
+            <a:avLst/>
+          </a:prstGeom>
+        </p:spPr>
+      </p:pic>
+      <p:pic>
+        <p:nvPicPr>
+          <p:cNvPr id="10" name="Picture 9" descr="Screen Clipping"/>
+          <p:cNvPicPr>
+            <a:picLocks noChangeAspect="1"/>
+          </p:cNvPicPr>
+          <p:nvPr/>
+        </p:nvPicPr>
+        <p:blipFill>
+          <a:blip r:embed="rId5">
+            <a:extLst>
+              <a:ext uri="{BEBA8EAE-BF5A-486C-A8C5-ECC9F3942E4B}">
+                <a14:imgProps xmlns:a14="http://schemas.microsoft.com/office/drawing/2010/main">
+                  <a14:imgLayer r:embed="rId6">
+                    <a14:imgEffect>
+                      <a14:brightnessContrast bright="-40000" contrast="80000"/>
+                    </a14:imgEffect>
+                  </a14:imgLayer>
+                </a14:imgProps>
+              </a:ext>
+              <a:ext uri="{28A0092B-C50C-407E-A947-70E740481C1C}">
+                <a14:useLocalDpi xmlns:a14="http://schemas.microsoft.com/office/drawing/2010/main" val="0"/>
+              </a:ext>
+            </a:extLst>
+          </a:blip>
+          <a:stretch>
+            <a:fillRect/>
+          </a:stretch>
+        </p:blipFill>
+        <p:spPr>
+          <a:xfrm>
+            <a:off x="494977" y="2888784"/>
+            <a:ext cx="6208291" cy="3167632"/>
+          </a:xfrm>
+          <a:prstGeom prst="rect">
+            <a:avLst/>
+          </a:prstGeom>
+        </p:spPr>
+      </p:pic>
+      <p:sp>
+        <p:nvSpPr>
+          <p:cNvPr id="11" name="TextBox 10"/>
+          <p:cNvSpPr txBox="1"/>
+          <p:nvPr/>
+        </p:nvSpPr>
+        <p:spPr>
+          <a:xfrm>
+            <a:off x="5534952" y="1432290"/>
+            <a:ext cx="2584875" cy="646331"/>
+          </a:xfrm>
+          <a:prstGeom prst="rect">
+            <a:avLst/>
+          </a:prstGeom>
+          <a:noFill/>
+        </p:spPr>
+        <p:txBody>
+          <a:bodyPr wrap="none" rtlCol="0">
+            <a:spAutoFit/>
+          </a:bodyPr>
+          <a:lstStyle/>
+          <a:p>
+            <a:r>
+              <a:rPr lang="en-US" dirty="0"/>
+              <a:t>assign values to elements</a:t>
+            </a:r>
+          </a:p>
+          <a:p>
+            <a:r>
+              <a:rPr lang="en-US" dirty="0"/>
+              <a:t>of an interface as outputs</a:t>
+            </a:r>
+          </a:p>
+        </p:txBody>
+      </p:sp>
+      <p:cxnSp>
+        <p:nvCxnSpPr>
+          <p:cNvPr id="13" name="Straight Arrow Connector 12"/>
+          <p:cNvCxnSpPr/>
+          <p:nvPr/>
+        </p:nvCxnSpPr>
+        <p:spPr>
+          <a:xfrm flipH="1">
+            <a:off x="4313055" y="1780248"/>
+            <a:ext cx="1140977" cy="89012"/>
+          </a:xfrm>
+          <a:prstGeom prst="straightConnector1">
+            <a:avLst/>
+          </a:prstGeom>
+          <a:ln>
+            <a:solidFill>
+              <a:srgbClr val="FF0000"/>
+            </a:solidFill>
+            <a:tailEnd type="triangle"/>
+          </a:ln>
+        </p:spPr>
+        <p:style>
+          <a:lnRef idx="1">
+            <a:schemeClr val="accent1"/>
+          </a:lnRef>
+          <a:fillRef idx="0">
+            <a:schemeClr val="accent1"/>
+          </a:fillRef>
+          <a:effectRef idx="0">
+            <a:schemeClr val="accent1"/>
+          </a:effectRef>
+          <a:fontRef idx="minor">
+            <a:schemeClr val="tx1"/>
+          </a:fontRef>
+        </p:style>
+      </p:cxnSp>
+      <p:cxnSp>
+        <p:nvCxnSpPr>
+          <p:cNvPr id="14" name="Straight Arrow Connector 13"/>
+          <p:cNvCxnSpPr/>
+          <p:nvPr/>
+        </p:nvCxnSpPr>
+        <p:spPr>
+          <a:xfrm flipH="1">
+            <a:off x="4499172" y="1989609"/>
+            <a:ext cx="954860" cy="584070"/>
+          </a:xfrm>
+          <a:prstGeom prst="straightConnector1">
+            <a:avLst/>
+          </a:prstGeom>
+          <a:ln>
+            <a:solidFill>
+              <a:srgbClr val="FF0000"/>
+            </a:solidFill>
+            <a:tailEnd type="triangle"/>
+          </a:ln>
+        </p:spPr>
+        <p:style>
+          <a:lnRef idx="1">
+            <a:schemeClr val="accent1"/>
+          </a:lnRef>
+          <a:fillRef idx="0">
+            <a:schemeClr val="accent1"/>
+          </a:fillRef>
+          <a:effectRef idx="0">
+            <a:schemeClr val="accent1"/>
+          </a:effectRef>
+          <a:fontRef idx="minor">
+            <a:schemeClr val="tx1"/>
+          </a:fontRef>
+        </p:style>
+      </p:cxnSp>
+    </p:spTree>
+    <p:extLst>
+      <p:ext uri="{BB962C8B-B14F-4D97-AF65-F5344CB8AC3E}">
+        <p14:creationId xmlns:p14="http://schemas.microsoft.com/office/powerpoint/2010/main" val="975475564"/>
+      </p:ext>
+    </p:extLst>
+  </p:cSld>
+  <p:clrMapOvr>
+    <a:masterClrMapping/>
+  </p:clrMapOvr>
+</p:sld>
+</file>
+
+<file path=ppt/slides/slide8.xml><?xml version="1.0" encoding="utf-8"?>
+<p:sld xmlns:a="http://schemas.openxmlformats.org/drawingml/2006/main" xmlns:r="http://schemas.openxmlformats.org/officeDocument/2006/relationships" xmlns:p="http://schemas.openxmlformats.org/presentationml/2006/main">
+  <p:cSld>
+    <p:spTree>
+      <p:nvGrpSpPr>
+        <p:cNvPr id="1" name=""/>
+        <p:cNvGrpSpPr/>
+        <p:nvPr/>
+      </p:nvGrpSpPr>
+      <p:grpSpPr>
+        <a:xfrm>
+          <a:off x="0" y="0"/>
+          <a:ext cx="0" cy="0"/>
+          <a:chOff x="0" y="0"/>
+          <a:chExt cx="0" cy="0"/>
+        </a:xfrm>
+      </p:grpSpPr>
+      <p:sp>
+        <p:nvSpPr>
+          <p:cNvPr id="4" name="TextBox 3"/>
+          <p:cNvSpPr txBox="1"/>
+          <p:nvPr/>
+        </p:nvSpPr>
+        <p:spPr>
+          <a:xfrm>
+            <a:off x="342900" y="203200"/>
+            <a:ext cx="4168513" cy="523220"/>
+          </a:xfrm>
+          <a:prstGeom prst="rect">
+            <a:avLst/>
+          </a:prstGeom>
+          <a:noFill/>
+        </p:spPr>
+        <p:txBody>
+          <a:bodyPr wrap="none" rtlCol="0">
+            <a:spAutoFit/>
+          </a:bodyPr>
+          <a:lstStyle/>
+          <a:p>
+            <a:r>
+              <a:rPr lang="en-US" sz="2800" dirty="0"/>
+              <a:t>Use of interface in SPI slave</a:t>
+            </a:r>
+          </a:p>
+        </p:txBody>
+      </p:sp>
+      <p:sp>
+        <p:nvSpPr>
+          <p:cNvPr id="2" name="TextBox 1"/>
+          <p:cNvSpPr txBox="1"/>
+          <p:nvPr/>
+        </p:nvSpPr>
+        <p:spPr>
+          <a:xfrm>
+            <a:off x="817296" y="784928"/>
+            <a:ext cx="5140446" cy="369332"/>
+          </a:xfrm>
+          <a:prstGeom prst="rect">
+            <a:avLst/>
+          </a:prstGeom>
+          <a:noFill/>
+        </p:spPr>
+        <p:txBody>
+          <a:bodyPr wrap="none" rtlCol="0">
+            <a:spAutoFit/>
+          </a:bodyPr>
+          <a:lstStyle/>
+          <a:p>
+            <a:r>
+              <a:rPr lang="en-US" dirty="0"/>
+              <a:t>Very similar to interface use in SPI master (examples)</a:t>
+            </a:r>
+          </a:p>
+        </p:txBody>
+      </p:sp>
+      <p:pic>
+        <p:nvPicPr>
+          <p:cNvPr id="3" name="Picture 2" descr="Screen Clipping"/>
+          <p:cNvPicPr>
+            <a:picLocks noChangeAspect="1"/>
+          </p:cNvPicPr>
+          <p:nvPr/>
+        </p:nvPicPr>
+        <p:blipFill>
+          <a:blip r:embed="rId3">
+            <a:extLst>
+              <a:ext uri="{BEBA8EAE-BF5A-486C-A8C5-ECC9F3942E4B}">
+                <a14:imgProps xmlns:a14="http://schemas.microsoft.com/office/drawing/2010/main">
+                  <a14:imgLayer r:embed="rId4">
+                    <a14:imgEffect>
+                      <a14:brightnessContrast bright="-40000" contrast="80000"/>
+                    </a14:imgEffect>
+                  </a14:imgLayer>
+                </a14:imgProps>
+              </a:ext>
+              <a:ext uri="{28A0092B-C50C-407E-A947-70E740481C1C}">
+                <a14:useLocalDpi xmlns:a14="http://schemas.microsoft.com/office/drawing/2010/main" val="0"/>
+              </a:ext>
+            </a:extLst>
+          </a:blip>
+          <a:stretch>
+            <a:fillRect/>
+          </a:stretch>
+        </p:blipFill>
+        <p:spPr>
+          <a:xfrm>
+            <a:off x="817296" y="1350332"/>
+            <a:ext cx="4588184" cy="311818"/>
+          </a:xfrm>
+          <a:prstGeom prst="rect">
+            <a:avLst/>
+          </a:prstGeom>
+        </p:spPr>
+      </p:pic>
+      <p:pic>
+        <p:nvPicPr>
+          <p:cNvPr id="5" name="Picture 4" descr="Screen Clipping"/>
+          <p:cNvPicPr>
+            <a:picLocks noChangeAspect="1"/>
+          </p:cNvPicPr>
+          <p:nvPr/>
+        </p:nvPicPr>
+        <p:blipFill>
+          <a:blip r:embed="rId5">
+            <a:extLst>
+              <a:ext uri="{BEBA8EAE-BF5A-486C-A8C5-ECC9F3942E4B}">
+                <a14:imgProps xmlns:a14="http://schemas.microsoft.com/office/drawing/2010/main">
+                  <a14:imgLayer r:embed="rId6">
+                    <a14:imgEffect>
+                      <a14:brightnessContrast bright="-40000" contrast="80000"/>
+                    </a14:imgEffect>
+                  </a14:imgLayer>
+                </a14:imgProps>
+              </a:ext>
+              <a:ext uri="{28A0092B-C50C-407E-A947-70E740481C1C}">
+                <a14:useLocalDpi xmlns:a14="http://schemas.microsoft.com/office/drawing/2010/main" val="0"/>
+              </a:ext>
+            </a:extLst>
+          </a:blip>
+          <a:stretch>
+            <a:fillRect/>
+          </a:stretch>
+        </p:blipFill>
+        <p:spPr>
+          <a:xfrm>
+            <a:off x="841572" y="1925589"/>
+            <a:ext cx="7818139" cy="550573"/>
+          </a:xfrm>
+          <a:prstGeom prst="rect">
+            <a:avLst/>
+          </a:prstGeom>
+        </p:spPr>
+      </p:pic>
+      <p:pic>
+        <p:nvPicPr>
+          <p:cNvPr id="6" name="Picture 5" descr="Screen Clipping"/>
+          <p:cNvPicPr>
+            <a:picLocks noChangeAspect="1"/>
+          </p:cNvPicPr>
+          <p:nvPr/>
+        </p:nvPicPr>
+        <p:blipFill>
+          <a:blip r:embed="rId7">
+            <a:extLst>
+              <a:ext uri="{BEBA8EAE-BF5A-486C-A8C5-ECC9F3942E4B}">
+                <a14:imgProps xmlns:a14="http://schemas.microsoft.com/office/drawing/2010/main">
+                  <a14:imgLayer r:embed="rId8">
+                    <a14:imgEffect>
+                      <a14:brightnessContrast bright="-40000" contrast="80000"/>
+                    </a14:imgEffect>
+                  </a14:imgLayer>
+                </a14:imgProps>
+              </a:ext>
+              <a:ext uri="{28A0092B-C50C-407E-A947-70E740481C1C}">
+                <a14:useLocalDpi xmlns:a14="http://schemas.microsoft.com/office/drawing/2010/main" val="0"/>
+              </a:ext>
+            </a:extLst>
+          </a:blip>
+          <a:stretch>
+            <a:fillRect/>
+          </a:stretch>
+        </p:blipFill>
+        <p:spPr>
+          <a:xfrm>
+            <a:off x="752560" y="2622349"/>
+            <a:ext cx="6968677" cy="625141"/>
+          </a:xfrm>
+          <a:prstGeom prst="rect">
+            <a:avLst/>
+          </a:prstGeom>
+        </p:spPr>
+      </p:pic>
+      <p:pic>
+        <p:nvPicPr>
+          <p:cNvPr id="7" name="Picture 6" descr="Screen Clipping"/>
+          <p:cNvPicPr>
+            <a:picLocks noChangeAspect="1"/>
+          </p:cNvPicPr>
+          <p:nvPr/>
+        </p:nvPicPr>
+        <p:blipFill>
+          <a:blip r:embed="rId9">
+            <a:extLst>
+              <a:ext uri="{BEBA8EAE-BF5A-486C-A8C5-ECC9F3942E4B}">
+                <a14:imgProps xmlns:a14="http://schemas.microsoft.com/office/drawing/2010/main">
+                  <a14:imgLayer r:embed="rId10">
+                    <a14:imgEffect>
+                      <a14:brightnessContrast bright="-40000" contrast="80000"/>
+                    </a14:imgEffect>
+                  </a14:imgLayer>
+                </a14:imgProps>
+              </a:ext>
+              <a:ext uri="{28A0092B-C50C-407E-A947-70E740481C1C}">
+                <a14:useLocalDpi xmlns:a14="http://schemas.microsoft.com/office/drawing/2010/main" val="0"/>
+              </a:ext>
+            </a:extLst>
+          </a:blip>
+          <a:stretch>
+            <a:fillRect/>
+          </a:stretch>
+        </p:blipFill>
+        <p:spPr>
+          <a:xfrm>
+            <a:off x="740553" y="3386477"/>
+            <a:ext cx="6265008" cy="1263643"/>
+          </a:xfrm>
+          <a:prstGeom prst="rect">
+            <a:avLst/>
+          </a:prstGeom>
+        </p:spPr>
+      </p:pic>
+      <p:pic>
+        <p:nvPicPr>
+          <p:cNvPr id="8" name="Picture 7" descr="Screen Clipping"/>
+          <p:cNvPicPr>
+            <a:picLocks noChangeAspect="1"/>
+          </p:cNvPicPr>
+          <p:nvPr/>
+        </p:nvPicPr>
+        <p:blipFill>
+          <a:blip r:embed="rId11">
+            <a:extLst>
+              <a:ext uri="{BEBA8EAE-BF5A-486C-A8C5-ECC9F3942E4B}">
+                <a14:imgProps xmlns:a14="http://schemas.microsoft.com/office/drawing/2010/main">
+                  <a14:imgLayer r:embed="rId12">
+                    <a14:imgEffect>
+                      <a14:brightnessContrast bright="-40000" contrast="80000"/>
+                    </a14:imgEffect>
+                  </a14:imgLayer>
+                </a14:imgProps>
+              </a:ext>
+              <a:ext uri="{28A0092B-C50C-407E-A947-70E740481C1C}">
+                <a14:useLocalDpi xmlns:a14="http://schemas.microsoft.com/office/drawing/2010/main" val="0"/>
+              </a:ext>
+            </a:extLst>
+          </a:blip>
+          <a:stretch>
+            <a:fillRect/>
+          </a:stretch>
+        </p:blipFill>
+        <p:spPr>
+          <a:xfrm>
+            <a:off x="752560" y="4706472"/>
+            <a:ext cx="7389937" cy="673049"/>
+          </a:xfrm>
+          <a:prstGeom prst="rect">
+            <a:avLst/>
+          </a:prstGeom>
+        </p:spPr>
+      </p:pic>
+    </p:spTree>
+    <p:extLst>
+      <p:ext uri="{BB962C8B-B14F-4D97-AF65-F5344CB8AC3E}">
+        <p14:creationId xmlns:p14="http://schemas.microsoft.com/office/powerpoint/2010/main" val="256969763"/>
+      </p:ext>
+    </p:extLst>
+  </p:cSld>
+  <p:clrMapOvr>
+    <a:masterClrMapping/>
+  </p:clrMapOvr>
+</p:sld>
+</file>
+
+<file path=ppt/slides/slide9.xml><?xml version="1.0" encoding="utf-8"?>
+<p:sld xmlns:a="http://schemas.openxmlformats.org/drawingml/2006/main" xmlns:r="http://schemas.openxmlformats.org/officeDocument/2006/relationships" xmlns:p="http://schemas.openxmlformats.org/presentationml/2006/main">
+  <p:cSld>
+    <p:spTree>
+      <p:nvGrpSpPr>
+        <p:cNvPr id="1" name=""/>
+        <p:cNvGrpSpPr/>
+        <p:nvPr/>
+      </p:nvGrpSpPr>
+      <p:grpSpPr>
+        <a:xfrm>
+          <a:off x="0" y="0"/>
+          <a:ext cx="0" cy="0"/>
+          <a:chOff x="0" y="0"/>
+          <a:chExt cx="0" cy="0"/>
+        </a:xfrm>
+      </p:grpSpPr>
+      <p:sp>
+        <p:nvSpPr>
+          <p:cNvPr id="4" name="TextBox 3"/>
+          <p:cNvSpPr txBox="1"/>
+          <p:nvPr/>
+        </p:nvSpPr>
+        <p:spPr>
+          <a:xfrm>
+            <a:off x="342900" y="203200"/>
+            <a:ext cx="4452244" cy="523220"/>
+          </a:xfrm>
+          <a:prstGeom prst="rect">
+            <a:avLst/>
+          </a:prstGeom>
+          <a:noFill/>
+        </p:spPr>
+        <p:txBody>
+          <a:bodyPr wrap="none" rtlCol="0">
+            <a:spAutoFit/>
+          </a:bodyPr>
+          <a:lstStyle/>
+          <a:p>
+            <a:r>
+              <a:rPr lang="en-US" sz="2800" dirty="0"/>
+              <a:t>Use of interface in test bench</a:t>
+            </a:r>
+          </a:p>
+        </p:txBody>
+      </p:sp>
+      <p:sp>
+        <p:nvSpPr>
+          <p:cNvPr id="2" name="TextBox 1"/>
+          <p:cNvSpPr txBox="1"/>
+          <p:nvPr/>
+        </p:nvSpPr>
+        <p:spPr>
+          <a:xfrm>
+            <a:off x="5445940" y="244617"/>
+            <a:ext cx="3481338" cy="1354217"/>
+          </a:xfrm>
+          <a:prstGeom prst="rect">
+            <a:avLst/>
+          </a:prstGeom>
+          <a:noFill/>
+        </p:spPr>
+        <p:txBody>
+          <a:bodyPr wrap="none" rtlCol="0">
+            <a:spAutoFit/>
+          </a:bodyPr>
+          <a:lstStyle/>
+          <a:p>
+            <a:r>
+              <a:rPr lang="en-US" sz="1600" dirty="0"/>
+              <a:t>In this lecture we will just focus on the</a:t>
+            </a:r>
+          </a:p>
+          <a:p>
+            <a:r>
+              <a:rPr lang="en-US" sz="1600" dirty="0"/>
+              <a:t>use of interfaces. In another lecture we</a:t>
+            </a:r>
+          </a:p>
+          <a:p>
+            <a:r>
+              <a:rPr lang="en-US" sz="1600" dirty="0"/>
+              <a:t>will look at many other aspects of the </a:t>
+            </a:r>
+          </a:p>
+          <a:p>
+            <a:r>
+              <a:rPr lang="en-US" sz="1600" dirty="0"/>
+              <a:t>test bench design such as random input</a:t>
+            </a:r>
+          </a:p>
+          <a:p>
+            <a:r>
+              <a:rPr lang="en-US" sz="1600" dirty="0"/>
+              <a:t>generation, use of assertions, etc. </a:t>
+            </a:r>
+          </a:p>
+        </p:txBody>
+      </p:sp>
+      <p:pic>
+        <p:nvPicPr>
+          <p:cNvPr id="3" name="Picture 2" descr="Screen Clipping"/>
+          <p:cNvPicPr>
+            <a:picLocks noChangeAspect="1"/>
+          </p:cNvPicPr>
+          <p:nvPr/>
+        </p:nvPicPr>
+        <p:blipFill>
+          <a:blip r:embed="rId3">
+            <a:extLst>
+              <a:ext uri="{BEBA8EAE-BF5A-486C-A8C5-ECC9F3942E4B}">
+                <a14:imgProps xmlns:a14="http://schemas.microsoft.com/office/drawing/2010/main">
+                  <a14:imgLayer r:embed="rId4">
+                    <a14:imgEffect>
+                      <a14:brightnessContrast bright="-40000" contrast="80000"/>
+                    </a14:imgEffect>
+                  </a14:imgLayer>
+                </a14:imgProps>
+              </a:ext>
+              <a:ext uri="{28A0092B-C50C-407E-A947-70E740481C1C}">
+                <a14:useLocalDpi xmlns:a14="http://schemas.microsoft.com/office/drawing/2010/main" val="0"/>
+              </a:ext>
+            </a:extLst>
+          </a:blip>
+          <a:stretch>
+            <a:fillRect/>
+          </a:stretch>
+        </p:blipFill>
+        <p:spPr>
+          <a:xfrm>
+            <a:off x="483331" y="1250920"/>
+            <a:ext cx="4533731" cy="253681"/>
+          </a:xfrm>
+          <a:prstGeom prst="rect">
+            <a:avLst/>
+          </a:prstGeom>
+        </p:spPr>
+      </p:pic>
+      <p:pic>
+        <p:nvPicPr>
+          <p:cNvPr id="5" name="Picture 4" descr="Screen Clipping"/>
+          <p:cNvPicPr>
+            <a:picLocks noChangeAspect="1"/>
+          </p:cNvPicPr>
+          <p:nvPr/>
+        </p:nvPicPr>
+        <p:blipFill>
+          <a:blip r:embed="rId5">
+            <a:extLst>
+              <a:ext uri="{BEBA8EAE-BF5A-486C-A8C5-ECC9F3942E4B}">
+                <a14:imgProps xmlns:a14="http://schemas.microsoft.com/office/drawing/2010/main">
+                  <a14:imgLayer r:embed="rId6">
+                    <a14:imgEffect>
+                      <a14:brightnessContrast bright="-40000" contrast="80000"/>
+                    </a14:imgEffect>
+                  </a14:imgLayer>
+                </a14:imgProps>
+              </a:ext>
+              <a:ext uri="{28A0092B-C50C-407E-A947-70E740481C1C}">
+                <a14:useLocalDpi xmlns:a14="http://schemas.microsoft.com/office/drawing/2010/main" val="0"/>
+              </a:ext>
+            </a:extLst>
+          </a:blip>
+          <a:stretch>
+            <a:fillRect/>
+          </a:stretch>
+        </p:blipFill>
+        <p:spPr>
+          <a:xfrm>
+            <a:off x="523791" y="1700664"/>
+            <a:ext cx="8002680" cy="1631797"/>
+          </a:xfrm>
+          <a:prstGeom prst="rect">
+            <a:avLst/>
+          </a:prstGeom>
+        </p:spPr>
+      </p:pic>
+      <p:sp>
+        <p:nvSpPr>
+          <p:cNvPr id="6" name="TextBox 5"/>
+          <p:cNvSpPr txBox="1"/>
+          <p:nvPr/>
+        </p:nvSpPr>
+        <p:spPr>
+          <a:xfrm>
+            <a:off x="1323359" y="3275570"/>
+            <a:ext cx="3378425" cy="369332"/>
+          </a:xfrm>
+          <a:prstGeom prst="rect">
+            <a:avLst/>
+          </a:prstGeom>
+          <a:noFill/>
+        </p:spPr>
+        <p:txBody>
+          <a:bodyPr wrap="none" rtlCol="0">
+            <a:spAutoFit/>
+          </a:bodyPr>
+          <a:lstStyle/>
+          <a:p>
+            <a:r>
+              <a:rPr lang="en-US" dirty="0"/>
+              <a:t>Interfaces are used as a data type </a:t>
+            </a:r>
+          </a:p>
+        </p:txBody>
+      </p:sp>
+      <p:pic>
+        <p:nvPicPr>
+          <p:cNvPr id="7" name="Picture 6" descr="Screen Clipping"/>
+          <p:cNvPicPr>
+            <a:picLocks noChangeAspect="1"/>
+          </p:cNvPicPr>
+          <p:nvPr/>
+        </p:nvPicPr>
+        <p:blipFill>
+          <a:blip r:embed="rId7">
+            <a:extLst>
+              <a:ext uri="{BEBA8EAE-BF5A-486C-A8C5-ECC9F3942E4B}">
+                <a14:imgProps xmlns:a14="http://schemas.microsoft.com/office/drawing/2010/main">
+                  <a14:imgLayer r:embed="rId8">
+                    <a14:imgEffect>
+                      <a14:brightnessContrast bright="-40000" contrast="80000"/>
+                    </a14:imgEffect>
+                  </a14:imgLayer>
+                </a14:imgProps>
+              </a:ext>
+              <a:ext uri="{28A0092B-C50C-407E-A947-70E740481C1C}">
+                <a14:useLocalDpi xmlns:a14="http://schemas.microsoft.com/office/drawing/2010/main" val="0"/>
+              </a:ext>
+            </a:extLst>
+          </a:blip>
+          <a:stretch>
+            <a:fillRect/>
+          </a:stretch>
+        </p:blipFill>
+        <p:spPr>
+          <a:xfrm>
+            <a:off x="639271" y="3790912"/>
+            <a:ext cx="7887200" cy="1552984"/>
+          </a:xfrm>
+          <a:prstGeom prst="rect">
+            <a:avLst/>
+          </a:prstGeom>
+        </p:spPr>
+      </p:pic>
+      <p:sp>
+        <p:nvSpPr>
+          <p:cNvPr id="8" name="TextBox 7"/>
+          <p:cNvSpPr txBox="1"/>
+          <p:nvPr/>
+        </p:nvSpPr>
+        <p:spPr>
+          <a:xfrm>
+            <a:off x="1326379" y="5445725"/>
+            <a:ext cx="6718442" cy="923330"/>
+          </a:xfrm>
+          <a:prstGeom prst="rect">
+            <a:avLst/>
+          </a:prstGeom>
+          <a:noFill/>
+        </p:spPr>
+        <p:txBody>
+          <a:bodyPr wrap="none" rtlCol="0">
+            <a:spAutoFit/>
+          </a:bodyPr>
+          <a:lstStyle/>
+          <a:p>
+            <a:r>
+              <a:rPr lang="en-US" dirty="0"/>
+              <a:t>For course code simulation, interfaces can be used as ports in and out</a:t>
+            </a:r>
+          </a:p>
+          <a:p>
+            <a:r>
+              <a:rPr lang="en-US" dirty="0"/>
+              <a:t>of the device under test. The </a:t>
+            </a:r>
+            <a:r>
+              <a:rPr lang="en-US" dirty="0" err="1"/>
+              <a:t>modports</a:t>
+            </a:r>
+            <a:r>
+              <a:rPr lang="en-US" dirty="0"/>
+              <a:t> (Slave, Master) are specified</a:t>
+            </a:r>
+          </a:p>
+          <a:p>
+            <a:r>
+              <a:rPr lang="en-US" dirty="0"/>
+              <a:t>since the </a:t>
+            </a:r>
+            <a:r>
+              <a:rPr lang="en-US" dirty="0" err="1"/>
+              <a:t>modports</a:t>
+            </a:r>
+            <a:r>
+              <a:rPr lang="en-US" dirty="0"/>
+              <a:t> define the direction of elements in the interface. </a:t>
+            </a:r>
+          </a:p>
+        </p:txBody>
+      </p:sp>
+    </p:spTree>
+    <p:extLst>
+      <p:ext uri="{BB962C8B-B14F-4D97-AF65-F5344CB8AC3E}">
+        <p14:creationId xmlns:p14="http://schemas.microsoft.com/office/powerpoint/2010/main" val="739195282"/>
       </p:ext>
     </p:extLst>
   </p:cSld>
@@ -3726,4 +9035,265 @@
     </a:ext>
   </a:extLst>
 </a:theme>
+</file>
+
+<file path=ppt/theme/theme2.xml><?xml version="1.0" encoding="utf-8"?>
+<a:theme xmlns:a="http://schemas.openxmlformats.org/drawingml/2006/main" name="Office Theme">
+  <a:themeElements>
+    <a:clrScheme name="Office">
+      <a:dk1>
+        <a:sysClr val="windowText" lastClr="000000"/>
+      </a:dk1>
+      <a:lt1>
+        <a:sysClr val="window" lastClr="FFFFFF"/>
+      </a:lt1>
+      <a:dk2>
+        <a:srgbClr val="44546A"/>
+      </a:dk2>
+      <a:lt2>
+        <a:srgbClr val="E7E6E6"/>
+      </a:lt2>
+      <a:accent1>
+        <a:srgbClr val="5B9BD5"/>
+      </a:accent1>
+      <a:accent2>
+        <a:srgbClr val="ED7D31"/>
+      </a:accent2>
+      <a:accent3>
+        <a:srgbClr val="A5A5A5"/>
+      </a:accent3>
+      <a:accent4>
+        <a:srgbClr val="FFC000"/>
+      </a:accent4>
+      <a:accent5>
+        <a:srgbClr val="4472C4"/>
+      </a:accent5>
+      <a:accent6>
+        <a:srgbClr val="70AD47"/>
+      </a:accent6>
+      <a:hlink>
+        <a:srgbClr val="0563C1"/>
+      </a:hlink>
+      <a:folHlink>
+        <a:srgbClr val="954F72"/>
+      </a:folHlink>
+    </a:clrScheme>
+    <a:fontScheme name="Office">
+      <a:majorFont>
+        <a:latin typeface="Calibri Light" panose="020F0302020204030204"/>
+        <a:ea typeface=""/>
+        <a:cs typeface=""/>
+        <a:font script="Jpan" typeface="ＭＳ Ｐゴシック"/>
+        <a:font script="Hang" typeface="맑은 고딕"/>
+        <a:font script="Hans" typeface="宋体"/>
+        <a:font script="Hant" typeface="新細明體"/>
+        <a:font script="Arab" typeface="Times New Roman"/>
+        <a:font script="Hebr" typeface="Times New Roman"/>
+        <a:font script="Thai" typeface="Angsana New"/>
+        <a:font script="Ethi" typeface="Nyala"/>
+        <a:font script="Beng" typeface="Vrinda"/>
+        <a:font script="Gujr" typeface="Shruti"/>
+        <a:font script="Khmr" typeface="MoolBoran"/>
+        <a:font script="Knda" typeface="Tunga"/>
+        <a:font script="Guru" typeface="Raavi"/>
+        <a:font script="Cans" typeface="Euphemia"/>
+        <a:font script="Cher" typeface="Plantagenet Cherokee"/>
+        <a:font script="Yiii" typeface="Microsoft Yi Baiti"/>
+        <a:font script="Tibt" typeface="Microsoft Himalaya"/>
+        <a:font script="Thaa" typeface="MV Boli"/>
+        <a:font script="Deva" typeface="Mangal"/>
+        <a:font script="Telu" typeface="Gautami"/>
+        <a:font script="Taml" typeface="Latha"/>
+        <a:font script="Syrc" typeface="Estrangelo Edessa"/>
+        <a:font script="Orya" typeface="Kalinga"/>
+        <a:font script="Mlym" typeface="Kartika"/>
+        <a:font script="Laoo" typeface="DokChampa"/>
+        <a:font script="Sinh" typeface="Iskoola Pota"/>
+        <a:font script="Mong" typeface="Mongolian Baiti"/>
+        <a:font script="Viet" typeface="Times New Roman"/>
+        <a:font script="Uigh" typeface="Microsoft Uighur"/>
+        <a:font script="Geor" typeface="Sylfaen"/>
+      </a:majorFont>
+      <a:minorFont>
+        <a:latin typeface="Calibri" panose="020F0502020204030204"/>
+        <a:ea typeface=""/>
+        <a:cs typeface=""/>
+        <a:font script="Jpan" typeface="ＭＳ Ｐゴシック"/>
+        <a:font script="Hang" typeface="맑은 고딕"/>
+        <a:font script="Hans" typeface="宋体"/>
+        <a:font script="Hant" typeface="新細明體"/>
+        <a:font script="Arab" typeface="Arial"/>
+        <a:font script="Hebr" typeface="Arial"/>
+        <a:font script="Thai" typeface="Cordia New"/>
+        <a:font script="Ethi" typeface="Nyala"/>
+        <a:font script="Beng" typeface="Vrinda"/>
+        <a:font script="Gujr" typeface="Shruti"/>
+        <a:font script="Khmr" typeface="DaunPenh"/>
+        <a:font script="Knda" typeface="Tunga"/>
+        <a:font script="Guru" typeface="Raavi"/>
+        <a:font script="Cans" typeface="Euphemia"/>
+        <a:font script="Cher" typeface="Plantagenet Cherokee"/>
+        <a:font script="Yiii" typeface="Microsoft Yi Baiti"/>
+        <a:font script="Tibt" typeface="Microsoft Himalaya"/>
+        <a:font script="Thaa" typeface="MV Boli"/>
+        <a:font script="Deva" typeface="Mangal"/>
+        <a:font script="Telu" typeface="Gautami"/>
+        <a:font script="Taml" typeface="Latha"/>
+        <a:font script="Syrc" typeface="Estrangelo Edessa"/>
+        <a:font script="Orya" typeface="Kalinga"/>
+        <a:font script="Mlym" typeface="Kartika"/>
+        <a:font script="Laoo" typeface="DokChampa"/>
+        <a:font script="Sinh" typeface="Iskoola Pota"/>
+        <a:font script="Mong" typeface="Mongolian Baiti"/>
+        <a:font script="Viet" typeface="Arial"/>
+        <a:font script="Uigh" typeface="Microsoft Uighur"/>
+        <a:font script="Geor" typeface="Sylfaen"/>
+      </a:minorFont>
+    </a:fontScheme>
+    <a:fmtScheme name="Office">
+      <a:fillStyleLst>
+        <a:solidFill>
+          <a:schemeClr val="phClr"/>
+        </a:solidFill>
+        <a:gradFill rotWithShape="1">
+          <a:gsLst>
+            <a:gs pos="0">
+              <a:schemeClr val="phClr">
+                <a:lumMod val="110000"/>
+                <a:satMod val="105000"/>
+                <a:tint val="67000"/>
+              </a:schemeClr>
+            </a:gs>
+            <a:gs pos="50000">
+              <a:schemeClr val="phClr">
+                <a:lumMod val="105000"/>
+                <a:satMod val="103000"/>
+                <a:tint val="73000"/>
+              </a:schemeClr>
+            </a:gs>
+            <a:gs pos="100000">
+              <a:schemeClr val="phClr">
+                <a:lumMod val="105000"/>
+                <a:satMod val="109000"/>
+                <a:tint val="81000"/>
+              </a:schemeClr>
+            </a:gs>
+          </a:gsLst>
+          <a:lin ang="5400000" scaled="0"/>
+        </a:gradFill>
+        <a:gradFill rotWithShape="1">
+          <a:gsLst>
+            <a:gs pos="0">
+              <a:schemeClr val="phClr">
+                <a:satMod val="103000"/>
+                <a:lumMod val="102000"/>
+                <a:tint val="94000"/>
+              </a:schemeClr>
+            </a:gs>
+            <a:gs pos="50000">
+              <a:schemeClr val="phClr">
+                <a:satMod val="110000"/>
+                <a:lumMod val="100000"/>
+                <a:shade val="100000"/>
+              </a:schemeClr>
+            </a:gs>
+            <a:gs pos="100000">
+              <a:schemeClr val="phClr">
+                <a:lumMod val="99000"/>
+                <a:satMod val="120000"/>
+                <a:shade val="78000"/>
+              </a:schemeClr>
+            </a:gs>
+          </a:gsLst>
+          <a:lin ang="5400000" scaled="0"/>
+        </a:gradFill>
+      </a:fillStyleLst>
+      <a:lnStyleLst>
+        <a:ln w="6350" cap="flat" cmpd="sng" algn="ctr">
+          <a:solidFill>
+            <a:schemeClr val="phClr"/>
+          </a:solidFill>
+          <a:prstDash val="solid"/>
+          <a:miter lim="800000"/>
+        </a:ln>
+        <a:ln w="12700" cap="flat" cmpd="sng" algn="ctr">
+          <a:solidFill>
+            <a:schemeClr val="phClr"/>
+          </a:solidFill>
+          <a:prstDash val="solid"/>
+          <a:miter lim="800000"/>
+        </a:ln>
+        <a:ln w="19050" cap="flat" cmpd="sng" algn="ctr">
+          <a:solidFill>
+            <a:schemeClr val="phClr"/>
+          </a:solidFill>
+          <a:prstDash val="solid"/>
+          <a:miter lim="800000"/>
+        </a:ln>
+      </a:lnStyleLst>
+      <a:effectStyleLst>
+        <a:effectStyle>
+          <a:effectLst/>
+        </a:effectStyle>
+        <a:effectStyle>
+          <a:effectLst/>
+        </a:effectStyle>
+        <a:effectStyle>
+          <a:effectLst>
+            <a:outerShdw blurRad="57150" dist="19050" dir="5400000" algn="ctr" rotWithShape="0">
+              <a:srgbClr val="000000">
+                <a:alpha val="63000"/>
+              </a:srgbClr>
+            </a:outerShdw>
+          </a:effectLst>
+        </a:effectStyle>
+      </a:effectStyleLst>
+      <a:bgFillStyleLst>
+        <a:solidFill>
+          <a:schemeClr val="phClr"/>
+        </a:solidFill>
+        <a:solidFill>
+          <a:schemeClr val="phClr">
+            <a:tint val="95000"/>
+            <a:satMod val="170000"/>
+          </a:schemeClr>
+        </a:solidFill>
+        <a:gradFill rotWithShape="1">
+          <a:gsLst>
+            <a:gs pos="0">
+              <a:schemeClr val="phClr">
+                <a:tint val="93000"/>
+                <a:satMod val="150000"/>
+                <a:shade val="98000"/>
+                <a:lumMod val="102000"/>
+              </a:schemeClr>
+            </a:gs>
+            <a:gs pos="50000">
+              <a:schemeClr val="phClr">
+                <a:tint val="98000"/>
+                <a:satMod val="130000"/>
+                <a:shade val="90000"/>
+                <a:lumMod val="103000"/>
+              </a:schemeClr>
+            </a:gs>
+            <a:gs pos="100000">
+              <a:schemeClr val="phClr">
+                <a:shade val="63000"/>
+                <a:satMod val="120000"/>
+              </a:schemeClr>
+            </a:gs>
+          </a:gsLst>
+          <a:lin ang="5400000" scaled="0"/>
+        </a:gradFill>
+      </a:bgFillStyleLst>
+    </a:fmtScheme>
+  </a:themeElements>
+  <a:objectDefaults/>
+  <a:extraClrSchemeLst/>
+  <a:extLst>
+    <a:ext uri="{05A4C25C-085E-4340-85A3-A5531E510DB2}">
+      <thm15:themeFamily xmlns:thm15="http://schemas.microsoft.com/office/thememl/2012/main" name="Office Theme" id="{62F939B6-93AF-4DB8-9C6B-D6C7DFDC589F}" vid="{4A3C46E8-61CC-4603-A589-7422A47A8E4A}"/>
+    </a:ext>
+  </a:extLst>
+</a:theme>
 </file>